--- a/SLIDE_24.pptx
+++ b/SLIDE_24.pptx
@@ -5,22 +5,21 @@
     <p:sldMasterId id="2147483648" r:id="rId1"/>
   </p:sldMasterIdLst>
   <p:notesMasterIdLst>
-    <p:notesMasterId r:id="rId12"/>
+    <p:notesMasterId r:id="rId11"/>
   </p:notesMasterIdLst>
   <p:handoutMasterIdLst>
-    <p:handoutMasterId r:id="rId13"/>
+    <p:handoutMasterId r:id="rId12"/>
   </p:handoutMasterIdLst>
   <p:sldIdLst>
     <p:sldId id="256" r:id="rId2"/>
-    <p:sldId id="647" r:id="rId3"/>
-    <p:sldId id="653" r:id="rId4"/>
-    <p:sldId id="655" r:id="rId5"/>
-    <p:sldId id="656" r:id="rId6"/>
-    <p:sldId id="658" r:id="rId7"/>
-    <p:sldId id="660" r:id="rId8"/>
-    <p:sldId id="659" r:id="rId9"/>
-    <p:sldId id="661" r:id="rId10"/>
-    <p:sldId id="625" r:id="rId11"/>
+    <p:sldId id="653" r:id="rId3"/>
+    <p:sldId id="655" r:id="rId4"/>
+    <p:sldId id="656" r:id="rId5"/>
+    <p:sldId id="658" r:id="rId6"/>
+    <p:sldId id="660" r:id="rId7"/>
+    <p:sldId id="659" r:id="rId8"/>
+    <p:sldId id="661" r:id="rId9"/>
+    <p:sldId id="625" r:id="rId10"/>
   </p:sldIdLst>
   <p:sldSz cx="10693400" cy="7561263"/>
   <p:notesSz cx="9874250" cy="6797675"/>
@@ -715,85 +714,6 @@
 </p:notes>
 </file>
 
-<file path=ppt/notesSlides/notesSlide10.xml><?xml version="1.0" encoding="utf-8"?>
-<p:notes xmlns:a="http://schemas.openxmlformats.org/drawingml/2006/main" xmlns:r="http://schemas.openxmlformats.org/officeDocument/2006/relationships" xmlns:p="http://schemas.openxmlformats.org/presentationml/2006/main">
-  <p:cSld>
-    <p:spTree>
-      <p:nvGrpSpPr>
-        <p:cNvPr id="1" name="">
-          <a:extLst>
-            <a:ext uri="{FF2B5EF4-FFF2-40B4-BE49-F238E27FC236}">
-              <a16:creationId xmlns:a16="http://schemas.microsoft.com/office/drawing/2014/main" id="{B46C5369-3E1F-C091-1516-51CC4584E440}"/>
-            </a:ext>
-          </a:extLst>
-        </p:cNvPr>
-        <p:cNvGrpSpPr/>
-        <p:nvPr/>
-      </p:nvGrpSpPr>
-      <p:grpSpPr>
-        <a:xfrm>
-          <a:off x="0" y="0"/>
-          <a:ext cx="0" cy="0"/>
-          <a:chOff x="0" y="0"/>
-          <a:chExt cx="0" cy="0"/>
-        </a:xfrm>
-      </p:grpSpPr>
-      <p:sp>
-        <p:nvSpPr>
-          <p:cNvPr id="2" name="슬라이드 이미지 개체 틀 1">
-            <a:extLst>
-              <a:ext uri="{FF2B5EF4-FFF2-40B4-BE49-F238E27FC236}">
-                <a16:creationId xmlns:a16="http://schemas.microsoft.com/office/drawing/2014/main" id="{86F8664E-2EE1-B59B-DFB3-D239703DDB40}"/>
-              </a:ext>
-            </a:extLst>
-          </p:cNvPr>
-          <p:cNvSpPr>
-            <a:spLocks noGrp="1" noRot="1" noChangeAspect="1"/>
-          </p:cNvSpPr>
-          <p:nvPr>
-            <p:ph type="sldImg"/>
-          </p:nvPr>
-        </p:nvSpPr>
-        <p:spPr/>
-      </p:sp>
-      <p:sp>
-        <p:nvSpPr>
-          <p:cNvPr id="3" name="슬라이드 노트 개체 틀 2">
-            <a:extLst>
-              <a:ext uri="{FF2B5EF4-FFF2-40B4-BE49-F238E27FC236}">
-                <a16:creationId xmlns:a16="http://schemas.microsoft.com/office/drawing/2014/main" id="{F1433833-092A-2B17-35C2-9AD5EB64CE01}"/>
-              </a:ext>
-            </a:extLst>
-          </p:cNvPr>
-          <p:cNvSpPr>
-            <a:spLocks noGrp="1"/>
-          </p:cNvSpPr>
-          <p:nvPr>
-            <p:ph type="body" idx="1"/>
-          </p:nvPr>
-        </p:nvSpPr>
-        <p:spPr/>
-        <p:txBody>
-          <a:bodyPr/>
-          <a:lstStyle/>
-          <a:p>
-            <a:endParaRPr lang="ko-KR" altLang="en-US"/>
-          </a:p>
-        </p:txBody>
-      </p:sp>
-    </p:spTree>
-    <p:extLst>
-      <p:ext uri="{BB962C8B-B14F-4D97-AF65-F5344CB8AC3E}">
-        <p14:creationId xmlns:p14="http://schemas.microsoft.com/office/powerpoint/2010/main" val="17297163"/>
-      </p:ext>
-    </p:extLst>
-  </p:cSld>
-  <p:clrMapOvr>
-    <a:masterClrMapping/>
-  </p:clrMapOvr>
-</p:notes>
-</file>
-
 <file path=ppt/notesSlides/notesSlide2.xml><?xml version="1.0" encoding="utf-8"?>
 <p:notes xmlns:a="http://schemas.openxmlformats.org/drawingml/2006/main" xmlns:r="http://schemas.openxmlformats.org/officeDocument/2006/relationships" xmlns:p="http://schemas.openxmlformats.org/presentationml/2006/main">
   <p:cSld>
@@ -863,7 +783,7 @@
     </p:spTree>
     <p:extLst>
       <p:ext uri="{BB962C8B-B14F-4D97-AF65-F5344CB8AC3E}">
-        <p14:creationId xmlns:p14="http://schemas.microsoft.com/office/powerpoint/2010/main" val="5852762"/>
+        <p14:creationId xmlns:p14="http://schemas.microsoft.com/office/powerpoint/2010/main" val="2530711861"/>
       </p:ext>
     </p:extLst>
   </p:cSld>
@@ -942,7 +862,7 @@
     </p:spTree>
     <p:extLst>
       <p:ext uri="{BB962C8B-B14F-4D97-AF65-F5344CB8AC3E}">
-        <p14:creationId xmlns:p14="http://schemas.microsoft.com/office/powerpoint/2010/main" val="2530711861"/>
+        <p14:creationId xmlns:p14="http://schemas.microsoft.com/office/powerpoint/2010/main" val="1348279488"/>
       </p:ext>
     </p:extLst>
   </p:cSld>
@@ -1021,7 +941,7 @@
     </p:spTree>
     <p:extLst>
       <p:ext uri="{BB962C8B-B14F-4D97-AF65-F5344CB8AC3E}">
-        <p14:creationId xmlns:p14="http://schemas.microsoft.com/office/powerpoint/2010/main" val="1348279488"/>
+        <p14:creationId xmlns:p14="http://schemas.microsoft.com/office/powerpoint/2010/main" val="311937919"/>
       </p:ext>
     </p:extLst>
   </p:cSld>
@@ -1100,7 +1020,7 @@
     </p:spTree>
     <p:extLst>
       <p:ext uri="{BB962C8B-B14F-4D97-AF65-F5344CB8AC3E}">
-        <p14:creationId xmlns:p14="http://schemas.microsoft.com/office/powerpoint/2010/main" val="311937919"/>
+        <p14:creationId xmlns:p14="http://schemas.microsoft.com/office/powerpoint/2010/main" val="716112070"/>
       </p:ext>
     </p:extLst>
   </p:cSld>
@@ -1179,7 +1099,7 @@
     </p:spTree>
     <p:extLst>
       <p:ext uri="{BB962C8B-B14F-4D97-AF65-F5344CB8AC3E}">
-        <p14:creationId xmlns:p14="http://schemas.microsoft.com/office/powerpoint/2010/main" val="716112070"/>
+        <p14:creationId xmlns:p14="http://schemas.microsoft.com/office/powerpoint/2010/main" val="1363835182"/>
       </p:ext>
     </p:extLst>
   </p:cSld>
@@ -1258,7 +1178,7 @@
     </p:spTree>
     <p:extLst>
       <p:ext uri="{BB962C8B-B14F-4D97-AF65-F5344CB8AC3E}">
-        <p14:creationId xmlns:p14="http://schemas.microsoft.com/office/powerpoint/2010/main" val="1363835182"/>
+        <p14:creationId xmlns:p14="http://schemas.microsoft.com/office/powerpoint/2010/main" val="1888258104"/>
       </p:ext>
     </p:extLst>
   </p:cSld>
@@ -1337,7 +1257,7 @@
     </p:spTree>
     <p:extLst>
       <p:ext uri="{BB962C8B-B14F-4D97-AF65-F5344CB8AC3E}">
-        <p14:creationId xmlns:p14="http://schemas.microsoft.com/office/powerpoint/2010/main" val="1888258104"/>
+        <p14:creationId xmlns:p14="http://schemas.microsoft.com/office/powerpoint/2010/main" val="1069038921"/>
       </p:ext>
     </p:extLst>
   </p:cSld>
@@ -1416,7 +1336,7 @@
     </p:spTree>
     <p:extLst>
       <p:ext uri="{BB962C8B-B14F-4D97-AF65-F5344CB8AC3E}">
-        <p14:creationId xmlns:p14="http://schemas.microsoft.com/office/powerpoint/2010/main" val="1069038921"/>
+        <p14:creationId xmlns:p14="http://schemas.microsoft.com/office/powerpoint/2010/main" val="17297163"/>
       </p:ext>
     </p:extLst>
   </p:cSld>
@@ -2882,2404 +2802,6 @@
 </p:sld>
 </file>
 
-<file path=ppt/slides/slide10.xml><?xml version="1.0" encoding="utf-8"?>
-<p:sld xmlns:a="http://schemas.openxmlformats.org/drawingml/2006/main" xmlns:r="http://schemas.openxmlformats.org/officeDocument/2006/relationships" xmlns:p="http://schemas.openxmlformats.org/presentationml/2006/main">
-  <p:cSld>
-    <p:spTree>
-      <p:nvGrpSpPr>
-        <p:cNvPr id="1" name="">
-          <a:extLst>
-            <a:ext uri="{FF2B5EF4-FFF2-40B4-BE49-F238E27FC236}">
-              <a16:creationId xmlns:a16="http://schemas.microsoft.com/office/drawing/2014/main" id="{E871697D-9580-B24A-F1FC-3CF451DEE104}"/>
-            </a:ext>
-          </a:extLst>
-        </p:cNvPr>
-        <p:cNvGrpSpPr/>
-        <p:nvPr/>
-      </p:nvGrpSpPr>
-      <p:grpSpPr>
-        <a:xfrm>
-          <a:off x="0" y="0"/>
-          <a:ext cx="0" cy="0"/>
-          <a:chOff x="0" y="0"/>
-          <a:chExt cx="0" cy="0"/>
-        </a:xfrm>
-      </p:grpSpPr>
-      <p:pic>
-        <p:nvPicPr>
-          <p:cNvPr id="7" name="Picture 6">
-            <a:extLst>
-              <a:ext uri="{FF2B5EF4-FFF2-40B4-BE49-F238E27FC236}">
-                <a16:creationId xmlns:a16="http://schemas.microsoft.com/office/drawing/2014/main" id="{D7945CC2-28F9-4A66-91B1-DC51417A1360}"/>
-              </a:ext>
-            </a:extLst>
-          </p:cNvPr>
-          <p:cNvPicPr>
-            <a:picLocks noChangeAspect="1"/>
-          </p:cNvPicPr>
-          <p:nvPr/>
-        </p:nvPicPr>
-        <p:blipFill>
-          <a:blip r:embed="rId3">
-            <a:extLst>
-              <a:ext uri="{28A0092B-C50C-407E-A947-70E740481C1C}">
-                <a14:useLocalDpi xmlns:a14="http://schemas.microsoft.com/office/drawing/2010/main" val="0"/>
-              </a:ext>
-            </a:extLst>
-          </a:blip>
-          <a:stretch>
-            <a:fillRect/>
-          </a:stretch>
-        </p:blipFill>
-        <p:spPr>
-          <a:xfrm>
-            <a:off x="9372917" y="-107801"/>
-            <a:ext cx="1571625" cy="747713"/>
-          </a:xfrm>
-          <a:prstGeom prst="rect">
-            <a:avLst/>
-          </a:prstGeom>
-        </p:spPr>
-      </p:pic>
-      <p:sp>
-        <p:nvSpPr>
-          <p:cNvPr id="64" name="슬라이드 번호 개체 틀 2">
-            <a:extLst>
-              <a:ext uri="{FF2B5EF4-FFF2-40B4-BE49-F238E27FC236}">
-                <a16:creationId xmlns:a16="http://schemas.microsoft.com/office/drawing/2014/main" id="{E24F6677-9527-B590-58C4-88BA25798912}"/>
-              </a:ext>
-            </a:extLst>
-          </p:cNvPr>
-          <p:cNvSpPr txBox="1">
-            <a:spLocks/>
-          </p:cNvSpPr>
-          <p:nvPr/>
-        </p:nvSpPr>
-        <p:spPr>
-          <a:xfrm>
-            <a:off x="7925012" y="7042731"/>
-            <a:ext cx="2495127" cy="402567"/>
-          </a:xfrm>
-          <a:prstGeom prst="rect">
-            <a:avLst/>
-          </a:prstGeom>
-        </p:spPr>
-        <p:txBody>
-          <a:bodyPr vert="horz" lIns="99569" tIns="49785" rIns="99569" bIns="49785" rtlCol="0" anchor="ctr"/>
-          <a:lstStyle>
-            <a:defPPr>
-              <a:defRPr lang="ko-KR"/>
-            </a:defPPr>
-            <a:lvl1pPr marL="0" algn="r" defTabSz="995690" rtl="0" eaLnBrk="1" latinLnBrk="1" hangingPunct="1">
-              <a:defRPr sz="1300" kern="1200">
-                <a:solidFill>
-                  <a:schemeClr val="tx1">
-                    <a:tint val="75000"/>
-                  </a:schemeClr>
-                </a:solidFill>
-                <a:latin typeface="+mn-lt"/>
-                <a:ea typeface="+mn-ea"/>
-                <a:cs typeface="+mn-cs"/>
-              </a:defRPr>
-            </a:lvl1pPr>
-            <a:lvl2pPr marL="497845" algn="l" defTabSz="995690" rtl="0" eaLnBrk="1" latinLnBrk="1" hangingPunct="1">
-              <a:defRPr sz="2000" kern="1200">
-                <a:solidFill>
-                  <a:schemeClr val="tx1"/>
-                </a:solidFill>
-                <a:latin typeface="+mn-lt"/>
-                <a:ea typeface="+mn-ea"/>
-                <a:cs typeface="+mn-cs"/>
-              </a:defRPr>
-            </a:lvl2pPr>
-            <a:lvl3pPr marL="995690" algn="l" defTabSz="995690" rtl="0" eaLnBrk="1" latinLnBrk="1" hangingPunct="1">
-              <a:defRPr sz="2000" kern="1200">
-                <a:solidFill>
-                  <a:schemeClr val="tx1"/>
-                </a:solidFill>
-                <a:latin typeface="+mn-lt"/>
-                <a:ea typeface="+mn-ea"/>
-                <a:cs typeface="+mn-cs"/>
-              </a:defRPr>
-            </a:lvl3pPr>
-            <a:lvl4pPr marL="1493535" algn="l" defTabSz="995690" rtl="0" eaLnBrk="1" latinLnBrk="1" hangingPunct="1">
-              <a:defRPr sz="2000" kern="1200">
-                <a:solidFill>
-                  <a:schemeClr val="tx1"/>
-                </a:solidFill>
-                <a:latin typeface="+mn-lt"/>
-                <a:ea typeface="+mn-ea"/>
-                <a:cs typeface="+mn-cs"/>
-              </a:defRPr>
-            </a:lvl4pPr>
-            <a:lvl5pPr marL="1991380" algn="l" defTabSz="995690" rtl="0" eaLnBrk="1" latinLnBrk="1" hangingPunct="1">
-              <a:defRPr sz="2000" kern="1200">
-                <a:solidFill>
-                  <a:schemeClr val="tx1"/>
-                </a:solidFill>
-                <a:latin typeface="+mn-lt"/>
-                <a:ea typeface="+mn-ea"/>
-                <a:cs typeface="+mn-cs"/>
-              </a:defRPr>
-            </a:lvl5pPr>
-            <a:lvl6pPr marL="2489225" algn="l" defTabSz="995690" rtl="0" eaLnBrk="1" latinLnBrk="1" hangingPunct="1">
-              <a:defRPr sz="2000" kern="1200">
-                <a:solidFill>
-                  <a:schemeClr val="tx1"/>
-                </a:solidFill>
-                <a:latin typeface="+mn-lt"/>
-                <a:ea typeface="+mn-ea"/>
-                <a:cs typeface="+mn-cs"/>
-              </a:defRPr>
-            </a:lvl6pPr>
-            <a:lvl7pPr marL="2987070" algn="l" defTabSz="995690" rtl="0" eaLnBrk="1" latinLnBrk="1" hangingPunct="1">
-              <a:defRPr sz="2000" kern="1200">
-                <a:solidFill>
-                  <a:schemeClr val="tx1"/>
-                </a:solidFill>
-                <a:latin typeface="+mn-lt"/>
-                <a:ea typeface="+mn-ea"/>
-                <a:cs typeface="+mn-cs"/>
-              </a:defRPr>
-            </a:lvl7pPr>
-            <a:lvl8pPr marL="3484916" algn="l" defTabSz="995690" rtl="0" eaLnBrk="1" latinLnBrk="1" hangingPunct="1">
-              <a:defRPr sz="2000" kern="1200">
-                <a:solidFill>
-                  <a:schemeClr val="tx1"/>
-                </a:solidFill>
-                <a:latin typeface="+mn-lt"/>
-                <a:ea typeface="+mn-ea"/>
-                <a:cs typeface="+mn-cs"/>
-              </a:defRPr>
-            </a:lvl8pPr>
-            <a:lvl9pPr marL="3982761" algn="l" defTabSz="995690" rtl="0" eaLnBrk="1" latinLnBrk="1" hangingPunct="1">
-              <a:defRPr sz="2000" kern="1200">
-                <a:solidFill>
-                  <a:schemeClr val="tx1"/>
-                </a:solidFill>
-                <a:latin typeface="+mn-lt"/>
-                <a:ea typeface="+mn-ea"/>
-                <a:cs typeface="+mn-cs"/>
-              </a:defRPr>
-            </a:lvl9pPr>
-          </a:lstStyle>
-          <a:p>
-            <a:fld id="{1B597EC8-03FB-421D-BA76-5865596B8B77}" type="slidenum">
-              <a:rPr lang="ko-KR" altLang="en-US" smtClean="0"/>
-              <a:pPr/>
-              <a:t>9</a:t>
-            </a:fld>
-            <a:endParaRPr lang="ko-KR" altLang="en-US" dirty="0"/>
-          </a:p>
-        </p:txBody>
-      </p:sp>
-      <p:sp>
-        <p:nvSpPr>
-          <p:cNvPr id="2" name="TextBox 1">
-            <a:extLst>
-              <a:ext uri="{FF2B5EF4-FFF2-40B4-BE49-F238E27FC236}">
-                <a16:creationId xmlns:a16="http://schemas.microsoft.com/office/drawing/2014/main" id="{E03D9315-840B-297E-6DF5-E7088C14CDC7}"/>
-              </a:ext>
-            </a:extLst>
-          </p:cNvPr>
-          <p:cNvSpPr txBox="1"/>
-          <p:nvPr/>
-        </p:nvSpPr>
-        <p:spPr>
-          <a:xfrm>
-            <a:off x="162124" y="115965"/>
-            <a:ext cx="8327848" cy="589072"/>
-          </a:xfrm>
-          <a:prstGeom prst="rect">
-            <a:avLst/>
-          </a:prstGeom>
-          <a:noFill/>
-        </p:spPr>
-        <p:txBody>
-          <a:bodyPr wrap="square" rtlCol="0">
-            <a:spAutoFit/>
-          </a:bodyPr>
-          <a:lstStyle/>
-          <a:p>
-            <a:pPr>
-              <a:lnSpc>
-                <a:spcPct val="150000"/>
-              </a:lnSpc>
-            </a:pPr>
-            <a:r>
-              <a:rPr lang="en-US" altLang="ko-KR" sz="2400" dirty="0">
-                <a:solidFill>
-                  <a:schemeClr val="accent6"/>
-                </a:solidFill>
-                <a:latin typeface="Caladea"/>
-                <a:ea typeface="HY견고딕" pitchFamily="18" charset="-127"/>
-              </a:rPr>
-              <a:t>Appendix</a:t>
-            </a:r>
-          </a:p>
-        </p:txBody>
-      </p:sp>
-      <p:graphicFrame>
-        <p:nvGraphicFramePr>
-          <p:cNvPr id="5" name="Table 4">
-            <a:extLst>
-              <a:ext uri="{FF2B5EF4-FFF2-40B4-BE49-F238E27FC236}">
-                <a16:creationId xmlns:a16="http://schemas.microsoft.com/office/drawing/2014/main" id="{02023B25-A938-3C4F-8BC6-DB8A2AC5BA6E}"/>
-              </a:ext>
-            </a:extLst>
-          </p:cNvPr>
-          <p:cNvGraphicFramePr>
-            <a:graphicFrameLocks noGrp="1"/>
-          </p:cNvGraphicFramePr>
-          <p:nvPr>
-            <p:extLst>
-              <p:ext uri="{D42A27DB-BD31-4B8C-83A1-F6EECF244321}">
-                <p14:modId xmlns:p14="http://schemas.microsoft.com/office/powerpoint/2010/main" val="3231219310"/>
-              </p:ext>
-            </p:extLst>
-          </p:nvPr>
-        </p:nvGraphicFramePr>
-        <p:xfrm>
-          <a:off x="162124" y="1044327"/>
-          <a:ext cx="10369152" cy="5933275"/>
-        </p:xfrm>
-        <a:graphic>
-          <a:graphicData uri="http://schemas.openxmlformats.org/drawingml/2006/table">
-            <a:tbl>
-              <a:tblPr/>
-              <a:tblGrid>
-                <a:gridCol w="1296144">
-                  <a:extLst>
-                    <a:ext uri="{9D8B030D-6E8A-4147-A177-3AD203B41FA5}">
-                      <a16:colId xmlns:a16="http://schemas.microsoft.com/office/drawing/2014/main" val="23407837"/>
-                    </a:ext>
-                  </a:extLst>
-                </a:gridCol>
-                <a:gridCol w="1800200">
-                  <a:extLst>
-                    <a:ext uri="{9D8B030D-6E8A-4147-A177-3AD203B41FA5}">
-                      <a16:colId xmlns:a16="http://schemas.microsoft.com/office/drawing/2014/main" val="782779315"/>
-                    </a:ext>
-                  </a:extLst>
-                </a:gridCol>
-                <a:gridCol w="3744416">
-                  <a:extLst>
-                    <a:ext uri="{9D8B030D-6E8A-4147-A177-3AD203B41FA5}">
-                      <a16:colId xmlns:a16="http://schemas.microsoft.com/office/drawing/2014/main" val="2716765803"/>
-                    </a:ext>
-                  </a:extLst>
-                </a:gridCol>
-                <a:gridCol w="3528392">
-                  <a:extLst>
-                    <a:ext uri="{9D8B030D-6E8A-4147-A177-3AD203B41FA5}">
-                      <a16:colId xmlns:a16="http://schemas.microsoft.com/office/drawing/2014/main" val="3656439436"/>
-                    </a:ext>
-                  </a:extLst>
-                </a:gridCol>
-              </a:tblGrid>
-              <a:tr h="157935">
-                <a:tc>
-                  <a:txBody>
-                    <a:bodyPr/>
-                    <a:lstStyle/>
-                    <a:p>
-                      <a:r>
-                        <a:rPr lang="en-US" sz="800" b="1" dirty="0"/>
-                        <a:t>Abbreviation</a:t>
-                      </a:r>
-                      <a:endParaRPr lang="en-US" sz="800" dirty="0"/>
-                    </a:p>
-                  </a:txBody>
-                  <a:tcPr marL="16336" marR="16336" marT="8168" marB="8168" anchor="ctr">
-                    <a:lnL>
-                      <a:noFill/>
-                    </a:lnL>
-                    <a:lnR>
-                      <a:noFill/>
-                    </a:lnR>
-                    <a:lnT>
-                      <a:noFill/>
-                    </a:lnT>
-                    <a:lnB>
-                      <a:noFill/>
-                    </a:lnB>
-                    <a:noFill/>
-                  </a:tcPr>
-                </a:tc>
-                <a:tc>
-                  <a:txBody>
-                    <a:bodyPr/>
-                    <a:lstStyle/>
-                    <a:p>
-                      <a:r>
-                        <a:rPr lang="en-US" sz="800" b="1"/>
-                        <a:t>Full Form</a:t>
-                      </a:r>
-                      <a:endParaRPr lang="en-US" sz="800"/>
-                    </a:p>
-                  </a:txBody>
-                  <a:tcPr marL="16336" marR="16336" marT="8168" marB="8168" anchor="ctr">
-                    <a:lnL>
-                      <a:noFill/>
-                    </a:lnL>
-                    <a:lnR>
-                      <a:noFill/>
-                    </a:lnR>
-                    <a:lnT>
-                      <a:noFill/>
-                    </a:lnT>
-                    <a:lnB>
-                      <a:noFill/>
-                    </a:lnB>
-                    <a:noFill/>
-                  </a:tcPr>
-                </a:tc>
-                <a:tc>
-                  <a:txBody>
-                    <a:bodyPr/>
-                    <a:lstStyle/>
-                    <a:p>
-                      <a:r>
-                        <a:rPr lang="en-US" sz="800" b="1"/>
-                        <a:t>Meaning / Description</a:t>
-                      </a:r>
-                      <a:endParaRPr lang="en-US" sz="800"/>
-                    </a:p>
-                  </a:txBody>
-                  <a:tcPr marL="16336" marR="16336" marT="8168" marB="8168" anchor="ctr">
-                    <a:lnL>
-                      <a:noFill/>
-                    </a:lnL>
-                    <a:lnR>
-                      <a:noFill/>
-                    </a:lnR>
-                    <a:lnT>
-                      <a:noFill/>
-                    </a:lnT>
-                    <a:lnB>
-                      <a:noFill/>
-                    </a:lnB>
-                    <a:noFill/>
-                  </a:tcPr>
-                </a:tc>
-                <a:tc>
-                  <a:txBody>
-                    <a:bodyPr/>
-                    <a:lstStyle/>
-                    <a:p>
-                      <a:r>
-                        <a:rPr lang="en-US" sz="800" b="1"/>
-                        <a:t>Context in Discussion</a:t>
-                      </a:r>
-                      <a:endParaRPr lang="en-US" sz="800"/>
-                    </a:p>
-                  </a:txBody>
-                  <a:tcPr marL="16336" marR="16336" marT="8168" marB="8168" anchor="ctr">
-                    <a:lnL>
-                      <a:noFill/>
-                    </a:lnL>
-                    <a:lnR>
-                      <a:noFill/>
-                    </a:lnR>
-                    <a:lnT>
-                      <a:noFill/>
-                    </a:lnT>
-                    <a:lnB>
-                      <a:noFill/>
-                    </a:lnB>
-                    <a:noFill/>
-                  </a:tcPr>
-                </a:tc>
-                <a:extLst>
-                  <a:ext uri="{0D108BD9-81ED-4DB2-BD59-A6C34878D82A}">
-                    <a16:rowId xmlns:a16="http://schemas.microsoft.com/office/drawing/2014/main" val="775727380"/>
-                  </a:ext>
-                </a:extLst>
-              </a:tr>
-              <a:tr h="491375">
-                <a:tc>
-                  <a:txBody>
-                    <a:bodyPr/>
-                    <a:lstStyle/>
-                    <a:p>
-                      <a:r>
-                        <a:rPr lang="en-US" sz="800" b="1" dirty="0"/>
-                        <a:t>BCG</a:t>
-                      </a:r>
-                      <a:endParaRPr lang="en-US" sz="800" dirty="0"/>
-                    </a:p>
-                  </a:txBody>
-                  <a:tcPr marL="16336" marR="16336" marT="8168" marB="8168" anchor="ctr">
-                    <a:lnL>
-                      <a:noFill/>
-                    </a:lnL>
-                    <a:lnR>
-                      <a:noFill/>
-                    </a:lnR>
-                    <a:lnT>
-                      <a:noFill/>
-                    </a:lnT>
-                    <a:lnB>
-                      <a:noFill/>
-                    </a:lnB>
-                    <a:noFill/>
-                  </a:tcPr>
-                </a:tc>
-                <a:tc>
-                  <a:txBody>
-                    <a:bodyPr/>
-                    <a:lstStyle/>
-                    <a:p>
-                      <a:r>
-                        <a:rPr lang="en-US" sz="800" b="1"/>
-                        <a:t>Ballistocardiography</a:t>
-                      </a:r>
-                      <a:endParaRPr lang="en-US" sz="800"/>
-                    </a:p>
-                  </a:txBody>
-                  <a:tcPr marL="16336" marR="16336" marT="8168" marB="8168" anchor="ctr">
-                    <a:lnL>
-                      <a:noFill/>
-                    </a:lnL>
-                    <a:lnR>
-                      <a:noFill/>
-                    </a:lnR>
-                    <a:lnT>
-                      <a:noFill/>
-                    </a:lnT>
-                    <a:lnB>
-                      <a:noFill/>
-                    </a:lnB>
-                    <a:noFill/>
-                  </a:tcPr>
-                </a:tc>
-                <a:tc>
-                  <a:txBody>
-                    <a:bodyPr/>
-                    <a:lstStyle/>
-                    <a:p>
-                      <a:r>
-                        <a:rPr lang="en-US" sz="800"/>
-                        <a:t>Measurement of tiny body movements caused by cardiac ejection of blood (mechanical action of the heart).</a:t>
-                      </a:r>
-                    </a:p>
-                  </a:txBody>
-                  <a:tcPr marL="16336" marR="16336" marT="8168" marB="8168" anchor="ctr">
-                    <a:lnL>
-                      <a:noFill/>
-                    </a:lnL>
-                    <a:lnR>
-                      <a:noFill/>
-                    </a:lnR>
-                    <a:lnT>
-                      <a:noFill/>
-                    </a:lnT>
-                    <a:lnB>
-                      <a:noFill/>
-                    </a:lnB>
-                    <a:noFill/>
-                  </a:tcPr>
-                </a:tc>
-                <a:tc>
-                  <a:txBody>
-                    <a:bodyPr/>
-                    <a:lstStyle/>
-                    <a:p>
-                      <a:r>
-                        <a:rPr lang="en-US" sz="800"/>
-                        <a:t>Used as the </a:t>
-                      </a:r>
-                      <a:r>
-                        <a:rPr lang="en-US" sz="800" b="1"/>
-                        <a:t>start reference signal</a:t>
-                      </a:r>
-                      <a:r>
-                        <a:rPr lang="en-US" sz="800"/>
-                        <a:t> in Yoshioka et al. (2020) via 24 GHz radar to compute PTT.</a:t>
-                      </a:r>
-                    </a:p>
-                  </a:txBody>
-                  <a:tcPr marL="16336" marR="16336" marT="8168" marB="8168" anchor="ctr">
-                    <a:lnL>
-                      <a:noFill/>
-                    </a:lnL>
-                    <a:lnR>
-                      <a:noFill/>
-                    </a:lnR>
-                    <a:lnT>
-                      <a:noFill/>
-                    </a:lnT>
-                    <a:lnB>
-                      <a:noFill/>
-                    </a:lnB>
-                    <a:noFill/>
-                  </a:tcPr>
-                </a:tc>
-                <a:extLst>
-                  <a:ext uri="{0D108BD9-81ED-4DB2-BD59-A6C34878D82A}">
-                    <a16:rowId xmlns:a16="http://schemas.microsoft.com/office/drawing/2014/main" val="2640795554"/>
-                  </a:ext>
-                </a:extLst>
-              </a:tr>
-              <a:tr h="491375">
-                <a:tc>
-                  <a:txBody>
-                    <a:bodyPr/>
-                    <a:lstStyle/>
-                    <a:p>
-                      <a:r>
-                        <a:rPr lang="en-US" sz="800" b="1" dirty="0"/>
-                        <a:t>PPG</a:t>
-                      </a:r>
-                      <a:endParaRPr lang="en-US" sz="800" dirty="0"/>
-                    </a:p>
-                  </a:txBody>
-                  <a:tcPr marL="16336" marR="16336" marT="8168" marB="8168" anchor="ctr">
-                    <a:lnL>
-                      <a:noFill/>
-                    </a:lnL>
-                    <a:lnR>
-                      <a:noFill/>
-                    </a:lnR>
-                    <a:lnT>
-                      <a:noFill/>
-                    </a:lnT>
-                    <a:lnB>
-                      <a:noFill/>
-                    </a:lnB>
-                    <a:noFill/>
-                  </a:tcPr>
-                </a:tc>
-                <a:tc>
-                  <a:txBody>
-                    <a:bodyPr/>
-                    <a:lstStyle/>
-                    <a:p>
-                      <a:r>
-                        <a:rPr lang="en-US" sz="800" b="1"/>
-                        <a:t>Photoplethysmography</a:t>
-                      </a:r>
-                      <a:endParaRPr lang="en-US" sz="800"/>
-                    </a:p>
-                  </a:txBody>
-                  <a:tcPr marL="16336" marR="16336" marT="8168" marB="8168" anchor="ctr">
-                    <a:lnL>
-                      <a:noFill/>
-                    </a:lnL>
-                    <a:lnR>
-                      <a:noFill/>
-                    </a:lnR>
-                    <a:lnT>
-                      <a:noFill/>
-                    </a:lnT>
-                    <a:lnB>
-                      <a:noFill/>
-                    </a:lnB>
-                    <a:noFill/>
-                  </a:tcPr>
-                </a:tc>
-                <a:tc>
-                  <a:txBody>
-                    <a:bodyPr/>
-                    <a:lstStyle/>
-                    <a:p>
-                      <a:r>
-                        <a:rPr lang="en-US" sz="800"/>
-                        <a:t>Optical measurement of blood volume changes in tissue using a light source and detector (usually contact-based).</a:t>
-                      </a:r>
-                    </a:p>
-                  </a:txBody>
-                  <a:tcPr marL="16336" marR="16336" marT="8168" marB="8168" anchor="ctr">
-                    <a:lnL>
-                      <a:noFill/>
-                    </a:lnL>
-                    <a:lnR>
-                      <a:noFill/>
-                    </a:lnR>
-                    <a:lnT>
-                      <a:noFill/>
-                    </a:lnT>
-                    <a:lnB>
-                      <a:noFill/>
-                    </a:lnB>
-                    <a:noFill/>
-                  </a:tcPr>
-                </a:tc>
-                <a:tc>
-                  <a:txBody>
-                    <a:bodyPr/>
-                    <a:lstStyle/>
-                    <a:p>
-                      <a:r>
-                        <a:rPr lang="en-US" sz="800"/>
-                        <a:t>Conventional </a:t>
-                      </a:r>
-                      <a:r>
-                        <a:rPr lang="en-US" sz="800" b="1"/>
-                        <a:t>contact sensor</a:t>
-                      </a:r>
-                      <a:r>
-                        <a:rPr lang="en-US" sz="800"/>
-                        <a:t> reference for pulse arrival.</a:t>
-                      </a:r>
-                    </a:p>
-                  </a:txBody>
-                  <a:tcPr marL="16336" marR="16336" marT="8168" marB="8168" anchor="ctr">
-                    <a:lnL>
-                      <a:noFill/>
-                    </a:lnL>
-                    <a:lnR>
-                      <a:noFill/>
-                    </a:lnR>
-                    <a:lnT>
-                      <a:noFill/>
-                    </a:lnT>
-                    <a:lnB>
-                      <a:noFill/>
-                    </a:lnB>
-                    <a:noFill/>
-                  </a:tcPr>
-                </a:tc>
-                <a:extLst>
-                  <a:ext uri="{0D108BD9-81ED-4DB2-BD59-A6C34878D82A}">
-                    <a16:rowId xmlns:a16="http://schemas.microsoft.com/office/drawing/2014/main" val="331609777"/>
-                  </a:ext>
-                </a:extLst>
-              </a:tr>
-              <a:tr h="424063">
-                <a:tc>
-                  <a:txBody>
-                    <a:bodyPr/>
-                    <a:lstStyle/>
-                    <a:p>
-                      <a:r>
-                        <a:rPr lang="en-US" sz="800" b="1"/>
-                        <a:t>iPPG</a:t>
-                      </a:r>
-                      <a:endParaRPr lang="en-US" sz="800"/>
-                    </a:p>
-                  </a:txBody>
-                  <a:tcPr marL="16336" marR="16336" marT="8168" marB="8168" anchor="ctr">
-                    <a:lnL>
-                      <a:noFill/>
-                    </a:lnL>
-                    <a:lnR>
-                      <a:noFill/>
-                    </a:lnR>
-                    <a:lnT>
-                      <a:noFill/>
-                    </a:lnT>
-                    <a:lnB>
-                      <a:noFill/>
-                    </a:lnB>
-                    <a:noFill/>
-                  </a:tcPr>
-                </a:tc>
-                <a:tc>
-                  <a:txBody>
-                    <a:bodyPr/>
-                    <a:lstStyle/>
-                    <a:p>
-                      <a:r>
-                        <a:rPr lang="en-US" sz="800" b="1" dirty="0"/>
-                        <a:t>Imaging Photoplethysmography</a:t>
-                      </a:r>
-                      <a:endParaRPr lang="en-US" sz="800" dirty="0"/>
-                    </a:p>
-                  </a:txBody>
-                  <a:tcPr marL="16336" marR="16336" marT="8168" marB="8168" anchor="ctr">
-                    <a:lnL>
-                      <a:noFill/>
-                    </a:lnL>
-                    <a:lnR>
-                      <a:noFill/>
-                    </a:lnR>
-                    <a:lnT>
-                      <a:noFill/>
-                    </a:lnT>
-                    <a:lnB>
-                      <a:noFill/>
-                    </a:lnB>
-                    <a:noFill/>
-                  </a:tcPr>
-                </a:tc>
-                <a:tc>
-                  <a:txBody>
-                    <a:bodyPr/>
-                    <a:lstStyle/>
-                    <a:p>
-                      <a:r>
-                        <a:rPr lang="en-US" sz="800" dirty="0"/>
-                        <a:t>PPG signal extracted from </a:t>
-                      </a:r>
-                      <a:r>
-                        <a:rPr lang="en-US" sz="800" b="1" dirty="0"/>
-                        <a:t>video frames</a:t>
-                      </a:r>
-                      <a:r>
-                        <a:rPr lang="en-US" sz="800" dirty="0"/>
-                        <a:t> (facial brightness changes), without physical contact.</a:t>
-                      </a:r>
-                    </a:p>
-                  </a:txBody>
-                  <a:tcPr marL="16336" marR="16336" marT="8168" marB="8168" anchor="ctr">
-                    <a:lnL>
-                      <a:noFill/>
-                    </a:lnL>
-                    <a:lnR>
-                      <a:noFill/>
-                    </a:lnR>
-                    <a:lnT>
-                      <a:noFill/>
-                    </a:lnT>
-                    <a:lnB>
-                      <a:noFill/>
-                    </a:lnB>
-                    <a:noFill/>
-                  </a:tcPr>
-                </a:tc>
-                <a:tc>
-                  <a:txBody>
-                    <a:bodyPr/>
-                    <a:lstStyle/>
-                    <a:p>
-                      <a:r>
-                        <a:rPr lang="en-US" sz="800"/>
-                        <a:t>Used in Yoshioka et al. (2020) for </a:t>
-                      </a:r>
-                      <a:r>
-                        <a:rPr lang="en-US" sz="800" b="1"/>
-                        <a:t>noncontact pulse detection</a:t>
-                      </a:r>
-                      <a:r>
-                        <a:rPr lang="en-US" sz="800"/>
-                        <a:t>.</a:t>
-                      </a:r>
-                    </a:p>
-                  </a:txBody>
-                  <a:tcPr marL="16336" marR="16336" marT="8168" marB="8168" anchor="ctr">
-                    <a:lnL>
-                      <a:noFill/>
-                    </a:lnL>
-                    <a:lnR>
-                      <a:noFill/>
-                    </a:lnR>
-                    <a:lnT>
-                      <a:noFill/>
-                    </a:lnT>
-                    <a:lnB>
-                      <a:noFill/>
-                    </a:lnB>
-                    <a:noFill/>
-                  </a:tcPr>
-                </a:tc>
-                <a:extLst>
-                  <a:ext uri="{0D108BD9-81ED-4DB2-BD59-A6C34878D82A}">
-                    <a16:rowId xmlns:a16="http://schemas.microsoft.com/office/drawing/2014/main" val="1044610254"/>
-                  </a:ext>
-                </a:extLst>
-              </a:tr>
-              <a:tr h="424063">
-                <a:tc>
-                  <a:txBody>
-                    <a:bodyPr/>
-                    <a:lstStyle/>
-                    <a:p>
-                      <a:r>
-                        <a:rPr lang="en-US" sz="800" b="1"/>
-                        <a:t>rPPG</a:t>
-                      </a:r>
-                      <a:endParaRPr lang="en-US" sz="800"/>
-                    </a:p>
-                  </a:txBody>
-                  <a:tcPr marL="16336" marR="16336" marT="8168" marB="8168" anchor="ctr">
-                    <a:lnL>
-                      <a:noFill/>
-                    </a:lnL>
-                    <a:lnR>
-                      <a:noFill/>
-                    </a:lnR>
-                    <a:lnT>
-                      <a:noFill/>
-                    </a:lnT>
-                    <a:lnB>
-                      <a:noFill/>
-                    </a:lnB>
-                    <a:noFill/>
-                  </a:tcPr>
-                </a:tc>
-                <a:tc>
-                  <a:txBody>
-                    <a:bodyPr/>
-                    <a:lstStyle/>
-                    <a:p>
-                      <a:r>
-                        <a:rPr lang="en-US" sz="800" b="1" dirty="0"/>
-                        <a:t>Remote Photoplethysmography</a:t>
-                      </a:r>
-                      <a:endParaRPr lang="en-US" sz="800" dirty="0"/>
-                    </a:p>
-                  </a:txBody>
-                  <a:tcPr marL="16336" marR="16336" marT="8168" marB="8168" anchor="ctr">
-                    <a:lnL>
-                      <a:noFill/>
-                    </a:lnL>
-                    <a:lnR>
-                      <a:noFill/>
-                    </a:lnR>
-                    <a:lnT>
-                      <a:noFill/>
-                    </a:lnT>
-                    <a:lnB>
-                      <a:noFill/>
-                    </a:lnB>
-                    <a:noFill/>
-                  </a:tcPr>
-                </a:tc>
-                <a:tc>
-                  <a:txBody>
-                    <a:bodyPr/>
-                    <a:lstStyle/>
-                    <a:p>
-                      <a:r>
-                        <a:rPr lang="en-US" sz="800"/>
-                        <a:t>General term for noncontact PPG obtained from camera images (essentially same as iPPG).</a:t>
-                      </a:r>
-                    </a:p>
-                  </a:txBody>
-                  <a:tcPr marL="16336" marR="16336" marT="8168" marB="8168" anchor="ctr">
-                    <a:lnL>
-                      <a:noFill/>
-                    </a:lnL>
-                    <a:lnR>
-                      <a:noFill/>
-                    </a:lnR>
-                    <a:lnT>
-                      <a:noFill/>
-                    </a:lnT>
-                    <a:lnB>
-                      <a:noFill/>
-                    </a:lnB>
-                    <a:noFill/>
-                  </a:tcPr>
-                </a:tc>
-                <a:tc>
-                  <a:txBody>
-                    <a:bodyPr/>
-                    <a:lstStyle/>
-                    <a:p>
-                      <a:r>
-                        <a:rPr lang="en-US" sz="800" dirty="0"/>
-                        <a:t>The main signal type in current research focus.</a:t>
-                      </a:r>
-                    </a:p>
-                  </a:txBody>
-                  <a:tcPr marL="16336" marR="16336" marT="8168" marB="8168" anchor="ctr">
-                    <a:lnL>
-                      <a:noFill/>
-                    </a:lnL>
-                    <a:lnR>
-                      <a:noFill/>
-                    </a:lnR>
-                    <a:lnT>
-                      <a:noFill/>
-                    </a:lnT>
-                    <a:lnB>
-                      <a:noFill/>
-                    </a:lnB>
-                    <a:noFill/>
-                  </a:tcPr>
-                </a:tc>
-                <a:extLst>
-                  <a:ext uri="{0D108BD9-81ED-4DB2-BD59-A6C34878D82A}">
-                    <a16:rowId xmlns:a16="http://schemas.microsoft.com/office/drawing/2014/main" val="2970466269"/>
-                  </a:ext>
-                </a:extLst>
-              </a:tr>
-              <a:tr h="424063">
-                <a:tc>
-                  <a:txBody>
-                    <a:bodyPr/>
-                    <a:lstStyle/>
-                    <a:p>
-                      <a:r>
-                        <a:rPr lang="en-US" sz="800" b="1"/>
-                        <a:t>PTT</a:t>
-                      </a:r>
-                      <a:endParaRPr lang="en-US" sz="800"/>
-                    </a:p>
-                  </a:txBody>
-                  <a:tcPr marL="16336" marR="16336" marT="8168" marB="8168" anchor="ctr">
-                    <a:lnL>
-                      <a:noFill/>
-                    </a:lnL>
-                    <a:lnR>
-                      <a:noFill/>
-                    </a:lnR>
-                    <a:lnT>
-                      <a:noFill/>
-                    </a:lnT>
-                    <a:lnB>
-                      <a:noFill/>
-                    </a:lnB>
-                    <a:noFill/>
-                  </a:tcPr>
-                </a:tc>
-                <a:tc>
-                  <a:txBody>
-                    <a:bodyPr/>
-                    <a:lstStyle/>
-                    <a:p>
-                      <a:r>
-                        <a:rPr lang="en-US" sz="800" b="1" dirty="0"/>
-                        <a:t>Pulse Transit Time</a:t>
-                      </a:r>
-                      <a:endParaRPr lang="en-US" sz="800" dirty="0"/>
-                    </a:p>
-                  </a:txBody>
-                  <a:tcPr marL="16336" marR="16336" marT="8168" marB="8168" anchor="ctr">
-                    <a:lnL>
-                      <a:noFill/>
-                    </a:lnL>
-                    <a:lnR>
-                      <a:noFill/>
-                    </a:lnR>
-                    <a:lnT>
-                      <a:noFill/>
-                    </a:lnT>
-                    <a:lnB>
-                      <a:noFill/>
-                    </a:lnB>
-                    <a:noFill/>
-                  </a:tcPr>
-                </a:tc>
-                <a:tc>
-                  <a:txBody>
-                    <a:bodyPr/>
-                    <a:lstStyle/>
-                    <a:p>
-                      <a:r>
-                        <a:rPr lang="en-US" sz="800" dirty="0"/>
-                        <a:t>Time taken for the arterial pulse wave to travel between two sites (from heart to face).</a:t>
-                      </a:r>
-                    </a:p>
-                  </a:txBody>
-                  <a:tcPr marL="16336" marR="16336" marT="8168" marB="8168" anchor="ctr">
-                    <a:lnL>
-                      <a:noFill/>
-                    </a:lnL>
-                    <a:lnR>
-                      <a:noFill/>
-                    </a:lnR>
-                    <a:lnT>
-                      <a:noFill/>
-                    </a:lnT>
-                    <a:lnB>
-                      <a:noFill/>
-                    </a:lnB>
-                    <a:noFill/>
-                  </a:tcPr>
-                </a:tc>
-                <a:tc>
-                  <a:txBody>
-                    <a:bodyPr/>
-                    <a:lstStyle/>
-                    <a:p>
-                      <a:r>
-                        <a:rPr lang="en-US" sz="800"/>
-                        <a:t>Key physiological metric; shorter PTT means higher arterial stiffness or BP.</a:t>
-                      </a:r>
-                    </a:p>
-                  </a:txBody>
-                  <a:tcPr marL="16336" marR="16336" marT="8168" marB="8168" anchor="ctr">
-                    <a:lnL>
-                      <a:noFill/>
-                    </a:lnL>
-                    <a:lnR>
-                      <a:noFill/>
-                    </a:lnR>
-                    <a:lnT>
-                      <a:noFill/>
-                    </a:lnT>
-                    <a:lnB>
-                      <a:noFill/>
-                    </a:lnB>
-                    <a:noFill/>
-                  </a:tcPr>
-                </a:tc>
-                <a:extLst>
-                  <a:ext uri="{0D108BD9-81ED-4DB2-BD59-A6C34878D82A}">
-                    <a16:rowId xmlns:a16="http://schemas.microsoft.com/office/drawing/2014/main" val="3158078146"/>
-                  </a:ext>
-                </a:extLst>
-              </a:tr>
-              <a:tr h="491375">
-                <a:tc>
-                  <a:txBody>
-                    <a:bodyPr/>
-                    <a:lstStyle/>
-                    <a:p>
-                      <a:r>
-                        <a:rPr lang="en-US" sz="800" b="1"/>
-                        <a:t>PAT</a:t>
-                      </a:r>
-                      <a:endParaRPr lang="en-US" sz="800"/>
-                    </a:p>
-                  </a:txBody>
-                  <a:tcPr marL="16336" marR="16336" marT="8168" marB="8168" anchor="ctr">
-                    <a:lnL>
-                      <a:noFill/>
-                    </a:lnL>
-                    <a:lnR>
-                      <a:noFill/>
-                    </a:lnR>
-                    <a:lnT>
-                      <a:noFill/>
-                    </a:lnT>
-                    <a:lnB>
-                      <a:noFill/>
-                    </a:lnB>
-                    <a:noFill/>
-                  </a:tcPr>
-                </a:tc>
-                <a:tc>
-                  <a:txBody>
-                    <a:bodyPr/>
-                    <a:lstStyle/>
-                    <a:p>
-                      <a:r>
-                        <a:rPr lang="en-US" sz="800" b="1"/>
-                        <a:t>Pulse Arrival Time</a:t>
-                      </a:r>
-                      <a:endParaRPr lang="en-US" sz="800"/>
-                    </a:p>
-                  </a:txBody>
-                  <a:tcPr marL="16336" marR="16336" marT="8168" marB="8168" anchor="ctr">
-                    <a:lnL>
-                      <a:noFill/>
-                    </a:lnL>
-                    <a:lnR>
-                      <a:noFill/>
-                    </a:lnR>
-                    <a:lnT>
-                      <a:noFill/>
-                    </a:lnT>
-                    <a:lnB>
-                      <a:noFill/>
-                    </a:lnB>
-                    <a:noFill/>
-                  </a:tcPr>
-                </a:tc>
-                <a:tc>
-                  <a:txBody>
-                    <a:bodyPr/>
-                    <a:lstStyle/>
-                    <a:p>
-                      <a:r>
-                        <a:rPr lang="en-US" sz="800" dirty="0"/>
-                        <a:t>Time between ECG R-wave (electrical heart activation) and PPG pulse arrival; includes </a:t>
-                      </a:r>
-                      <a:r>
-                        <a:rPr lang="en-US" sz="800" b="1" dirty="0"/>
-                        <a:t>pre-ejection period (PEP)</a:t>
-                      </a:r>
-                      <a:r>
-                        <a:rPr lang="en-US" sz="800" dirty="0"/>
-                        <a:t>.</a:t>
-                      </a:r>
-                    </a:p>
-                  </a:txBody>
-                  <a:tcPr marL="16336" marR="16336" marT="8168" marB="8168" anchor="ctr">
-                    <a:lnL>
-                      <a:noFill/>
-                    </a:lnL>
-                    <a:lnR>
-                      <a:noFill/>
-                    </a:lnR>
-                    <a:lnT>
-                      <a:noFill/>
-                    </a:lnT>
-                    <a:lnB>
-                      <a:noFill/>
-                    </a:lnB>
-                    <a:noFill/>
-                  </a:tcPr>
-                </a:tc>
-                <a:tc>
-                  <a:txBody>
-                    <a:bodyPr/>
-                    <a:lstStyle/>
-                    <a:p>
-                      <a:r>
-                        <a:rPr lang="en-US" sz="800"/>
-                        <a:t>Used in both papers as a </a:t>
-                      </a:r>
-                      <a:r>
-                        <a:rPr lang="en-US" sz="800" b="1"/>
-                        <a:t>surrogate</a:t>
-                      </a:r>
-                      <a:r>
-                        <a:rPr lang="en-US" sz="800"/>
-                        <a:t> of true PTT.</a:t>
-                      </a:r>
-                    </a:p>
-                  </a:txBody>
-                  <a:tcPr marL="16336" marR="16336" marT="8168" marB="8168" anchor="ctr">
-                    <a:lnL>
-                      <a:noFill/>
-                    </a:lnL>
-                    <a:lnR>
-                      <a:noFill/>
-                    </a:lnR>
-                    <a:lnT>
-                      <a:noFill/>
-                    </a:lnT>
-                    <a:lnB>
-                      <a:noFill/>
-                    </a:lnB>
-                    <a:noFill/>
-                  </a:tcPr>
-                </a:tc>
-                <a:extLst>
-                  <a:ext uri="{0D108BD9-81ED-4DB2-BD59-A6C34878D82A}">
-                    <a16:rowId xmlns:a16="http://schemas.microsoft.com/office/drawing/2014/main" val="4237554595"/>
-                  </a:ext>
-                </a:extLst>
-              </a:tr>
-              <a:tr h="424063">
-                <a:tc>
-                  <a:txBody>
-                    <a:bodyPr/>
-                    <a:lstStyle/>
-                    <a:p>
-                      <a:r>
-                        <a:rPr lang="en-US" sz="800" b="1"/>
-                        <a:t>PEP</a:t>
-                      </a:r>
-                      <a:endParaRPr lang="en-US" sz="800"/>
-                    </a:p>
-                  </a:txBody>
-                  <a:tcPr marL="16336" marR="16336" marT="8168" marB="8168" anchor="ctr">
-                    <a:lnL>
-                      <a:noFill/>
-                    </a:lnL>
-                    <a:lnR>
-                      <a:noFill/>
-                    </a:lnR>
-                    <a:lnT>
-                      <a:noFill/>
-                    </a:lnT>
-                    <a:lnB>
-                      <a:noFill/>
-                    </a:lnB>
-                    <a:noFill/>
-                  </a:tcPr>
-                </a:tc>
-                <a:tc>
-                  <a:txBody>
-                    <a:bodyPr/>
-                    <a:lstStyle/>
-                    <a:p>
-                      <a:r>
-                        <a:rPr lang="en-US" sz="800" b="1"/>
-                        <a:t>Pre-Ejection Period</a:t>
-                      </a:r>
-                      <a:endParaRPr lang="en-US" sz="800"/>
-                    </a:p>
-                  </a:txBody>
-                  <a:tcPr marL="16336" marR="16336" marT="8168" marB="8168" anchor="ctr">
-                    <a:lnL>
-                      <a:noFill/>
-                    </a:lnL>
-                    <a:lnR>
-                      <a:noFill/>
-                    </a:lnR>
-                    <a:lnT>
-                      <a:noFill/>
-                    </a:lnT>
-                    <a:lnB>
-                      <a:noFill/>
-                    </a:lnB>
-                    <a:noFill/>
-                  </a:tcPr>
-                </a:tc>
-                <a:tc>
-                  <a:txBody>
-                    <a:bodyPr/>
-                    <a:lstStyle/>
-                    <a:p>
-                      <a:r>
-                        <a:rPr lang="en-US" sz="800" dirty="0"/>
-                        <a:t>Time between the ECG R-wave and the actual mechanical ejection of blood from the heart.</a:t>
-                      </a:r>
-                    </a:p>
-                  </a:txBody>
-                  <a:tcPr marL="16336" marR="16336" marT="8168" marB="8168" anchor="ctr">
-                    <a:lnL>
-                      <a:noFill/>
-                    </a:lnL>
-                    <a:lnR>
-                      <a:noFill/>
-                    </a:lnR>
-                    <a:lnT>
-                      <a:noFill/>
-                    </a:lnT>
-                    <a:lnB>
-                      <a:noFill/>
-                    </a:lnB>
-                    <a:noFill/>
-                  </a:tcPr>
-                </a:tc>
-                <a:tc>
-                  <a:txBody>
-                    <a:bodyPr/>
-                    <a:lstStyle/>
-                    <a:p>
-                      <a:r>
-                        <a:rPr lang="en-US" sz="800"/>
-                        <a:t>Present in PAT, but </a:t>
-                      </a:r>
-                      <a:r>
-                        <a:rPr lang="en-US" sz="800" b="1"/>
-                        <a:t>not</a:t>
-                      </a:r>
-                      <a:r>
-                        <a:rPr lang="en-US" sz="800"/>
-                        <a:t> in PTT (BCG avoids this).</a:t>
-                      </a:r>
-                    </a:p>
-                  </a:txBody>
-                  <a:tcPr marL="16336" marR="16336" marT="8168" marB="8168" anchor="ctr">
-                    <a:lnL>
-                      <a:noFill/>
-                    </a:lnL>
-                    <a:lnR>
-                      <a:noFill/>
-                    </a:lnR>
-                    <a:lnT>
-                      <a:noFill/>
-                    </a:lnT>
-                    <a:lnB>
-                      <a:noFill/>
-                    </a:lnB>
-                    <a:noFill/>
-                  </a:tcPr>
-                </a:tc>
-                <a:extLst>
-                  <a:ext uri="{0D108BD9-81ED-4DB2-BD59-A6C34878D82A}">
-                    <a16:rowId xmlns:a16="http://schemas.microsoft.com/office/drawing/2014/main" val="3243921848"/>
-                  </a:ext>
-                </a:extLst>
-              </a:tr>
-              <a:tr h="356752">
-                <a:tc>
-                  <a:txBody>
-                    <a:bodyPr/>
-                    <a:lstStyle/>
-                    <a:p>
-                      <a:r>
-                        <a:rPr lang="en-US" sz="800" b="1"/>
-                        <a:t>ECG</a:t>
-                      </a:r>
-                      <a:endParaRPr lang="en-US" sz="800"/>
-                    </a:p>
-                  </a:txBody>
-                  <a:tcPr marL="16336" marR="16336" marT="8168" marB="8168" anchor="ctr">
-                    <a:lnL>
-                      <a:noFill/>
-                    </a:lnL>
-                    <a:lnR>
-                      <a:noFill/>
-                    </a:lnR>
-                    <a:lnT>
-                      <a:noFill/>
-                    </a:lnT>
-                    <a:lnB>
-                      <a:noFill/>
-                    </a:lnB>
-                    <a:noFill/>
-                  </a:tcPr>
-                </a:tc>
-                <a:tc>
-                  <a:txBody>
-                    <a:bodyPr/>
-                    <a:lstStyle/>
-                    <a:p>
-                      <a:r>
-                        <a:rPr lang="en-US" sz="800" b="1"/>
-                        <a:t>Electrocardiography</a:t>
-                      </a:r>
-                      <a:endParaRPr lang="en-US" sz="800"/>
-                    </a:p>
-                  </a:txBody>
-                  <a:tcPr marL="16336" marR="16336" marT="8168" marB="8168" anchor="ctr">
-                    <a:lnL>
-                      <a:noFill/>
-                    </a:lnL>
-                    <a:lnR>
-                      <a:noFill/>
-                    </a:lnR>
-                    <a:lnT>
-                      <a:noFill/>
-                    </a:lnT>
-                    <a:lnB>
-                      <a:noFill/>
-                    </a:lnB>
-                    <a:noFill/>
-                  </a:tcPr>
-                </a:tc>
-                <a:tc>
-                  <a:txBody>
-                    <a:bodyPr/>
-                    <a:lstStyle/>
-                    <a:p>
-                      <a:r>
-                        <a:rPr lang="en-US" sz="800" dirty="0"/>
-                        <a:t>Electrical recording of heart activity, especially used to detect the R-wave for timing.</a:t>
-                      </a:r>
-                    </a:p>
-                  </a:txBody>
-                  <a:tcPr marL="16336" marR="16336" marT="8168" marB="8168" anchor="ctr">
-                    <a:lnL>
-                      <a:noFill/>
-                    </a:lnL>
-                    <a:lnR>
-                      <a:noFill/>
-                    </a:lnR>
-                    <a:lnT>
-                      <a:noFill/>
-                    </a:lnT>
-                    <a:lnB>
-                      <a:noFill/>
-                    </a:lnB>
-                    <a:noFill/>
-                  </a:tcPr>
-                </a:tc>
-                <a:tc>
-                  <a:txBody>
-                    <a:bodyPr/>
-                    <a:lstStyle/>
-                    <a:p>
-                      <a:r>
-                        <a:rPr lang="en-US" sz="800"/>
-                        <a:t>Contact reference for PAT in Block et al. (2020).</a:t>
-                      </a:r>
-                    </a:p>
-                  </a:txBody>
-                  <a:tcPr marL="16336" marR="16336" marT="8168" marB="8168" anchor="ctr">
-                    <a:lnL>
-                      <a:noFill/>
-                    </a:lnL>
-                    <a:lnR>
-                      <a:noFill/>
-                    </a:lnR>
-                    <a:lnT>
-                      <a:noFill/>
-                    </a:lnT>
-                    <a:lnB>
-                      <a:noFill/>
-                    </a:lnB>
-                    <a:noFill/>
-                  </a:tcPr>
-                </a:tc>
-                <a:extLst>
-                  <a:ext uri="{0D108BD9-81ED-4DB2-BD59-A6C34878D82A}">
-                    <a16:rowId xmlns:a16="http://schemas.microsoft.com/office/drawing/2014/main" val="3645453763"/>
-                  </a:ext>
-                </a:extLst>
-              </a:tr>
-              <a:tr h="222128">
-                <a:tc>
-                  <a:txBody>
-                    <a:bodyPr/>
-                    <a:lstStyle/>
-                    <a:p>
-                      <a:r>
-                        <a:rPr lang="en-US" sz="800" b="1"/>
-                        <a:t>BP</a:t>
-                      </a:r>
-                      <a:endParaRPr lang="en-US" sz="800"/>
-                    </a:p>
-                  </a:txBody>
-                  <a:tcPr marL="16336" marR="16336" marT="8168" marB="8168" anchor="ctr">
-                    <a:lnL>
-                      <a:noFill/>
-                    </a:lnL>
-                    <a:lnR>
-                      <a:noFill/>
-                    </a:lnR>
-                    <a:lnT>
-                      <a:noFill/>
-                    </a:lnT>
-                    <a:lnB>
-                      <a:noFill/>
-                    </a:lnB>
-                    <a:noFill/>
-                  </a:tcPr>
-                </a:tc>
-                <a:tc>
-                  <a:txBody>
-                    <a:bodyPr/>
-                    <a:lstStyle/>
-                    <a:p>
-                      <a:r>
-                        <a:rPr lang="en-US" sz="800" b="1"/>
-                        <a:t>Blood Pressure</a:t>
-                      </a:r>
-                      <a:endParaRPr lang="en-US" sz="800"/>
-                    </a:p>
-                  </a:txBody>
-                  <a:tcPr marL="16336" marR="16336" marT="8168" marB="8168" anchor="ctr">
-                    <a:lnL>
-                      <a:noFill/>
-                    </a:lnL>
-                    <a:lnR>
-                      <a:noFill/>
-                    </a:lnR>
-                    <a:lnT>
-                      <a:noFill/>
-                    </a:lnT>
-                    <a:lnB>
-                      <a:noFill/>
-                    </a:lnB>
-                    <a:noFill/>
-                  </a:tcPr>
-                </a:tc>
-                <a:tc>
-                  <a:txBody>
-                    <a:bodyPr/>
-                    <a:lstStyle/>
-                    <a:p>
-                      <a:r>
-                        <a:rPr lang="en-US" sz="800" dirty="0"/>
-                        <a:t>Force exerted by circulating blood on arterial walls.</a:t>
-                      </a:r>
-                    </a:p>
-                  </a:txBody>
-                  <a:tcPr marL="16336" marR="16336" marT="8168" marB="8168" anchor="ctr">
-                    <a:lnL>
-                      <a:noFill/>
-                    </a:lnL>
-                    <a:lnR>
-                      <a:noFill/>
-                    </a:lnR>
-                    <a:lnT>
-                      <a:noFill/>
-                    </a:lnT>
-                    <a:lnB>
-                      <a:noFill/>
-                    </a:lnB>
-                    <a:noFill/>
-                  </a:tcPr>
-                </a:tc>
-                <a:tc>
-                  <a:txBody>
-                    <a:bodyPr/>
-                    <a:lstStyle/>
-                    <a:p>
-                      <a:r>
-                        <a:rPr lang="en-US" sz="800"/>
-                        <a:t>Physiological parameter correlated </a:t>
-                      </a:r>
-                      <a:r>
-                        <a:rPr lang="en-US" sz="800" b="1"/>
-                        <a:t>inversely</a:t>
-                      </a:r>
-                      <a:r>
-                        <a:rPr lang="en-US" sz="800"/>
-                        <a:t> with PTT.</a:t>
-                      </a:r>
-                    </a:p>
-                  </a:txBody>
-                  <a:tcPr marL="16336" marR="16336" marT="8168" marB="8168" anchor="ctr">
-                    <a:lnL>
-                      <a:noFill/>
-                    </a:lnL>
-                    <a:lnR>
-                      <a:noFill/>
-                    </a:lnR>
-                    <a:lnT>
-                      <a:noFill/>
-                    </a:lnT>
-                    <a:lnB>
-                      <a:noFill/>
-                    </a:lnB>
-                    <a:noFill/>
-                  </a:tcPr>
-                </a:tc>
-                <a:extLst>
-                  <a:ext uri="{0D108BD9-81ED-4DB2-BD59-A6C34878D82A}">
-                    <a16:rowId xmlns:a16="http://schemas.microsoft.com/office/drawing/2014/main" val="1897934973"/>
-                  </a:ext>
-                </a:extLst>
-              </a:tr>
-              <a:tr h="222128">
-                <a:tc>
-                  <a:txBody>
-                    <a:bodyPr/>
-                    <a:lstStyle/>
-                    <a:p>
-                      <a:r>
-                        <a:rPr lang="en-US" sz="800" b="1"/>
-                        <a:t>SBP</a:t>
-                      </a:r>
-                      <a:endParaRPr lang="en-US" sz="800"/>
-                    </a:p>
-                  </a:txBody>
-                  <a:tcPr marL="16336" marR="16336" marT="8168" marB="8168" anchor="ctr">
-                    <a:lnL>
-                      <a:noFill/>
-                    </a:lnL>
-                    <a:lnR>
-                      <a:noFill/>
-                    </a:lnR>
-                    <a:lnT>
-                      <a:noFill/>
-                    </a:lnT>
-                    <a:lnB>
-                      <a:noFill/>
-                    </a:lnB>
-                    <a:noFill/>
-                  </a:tcPr>
-                </a:tc>
-                <a:tc>
-                  <a:txBody>
-                    <a:bodyPr/>
-                    <a:lstStyle/>
-                    <a:p>
-                      <a:r>
-                        <a:rPr lang="en-US" sz="800" b="1"/>
-                        <a:t>Systolic Blood Pressure</a:t>
-                      </a:r>
-                      <a:endParaRPr lang="en-US" sz="800"/>
-                    </a:p>
-                  </a:txBody>
-                  <a:tcPr marL="16336" marR="16336" marT="8168" marB="8168" anchor="ctr">
-                    <a:lnL>
-                      <a:noFill/>
-                    </a:lnL>
-                    <a:lnR>
-                      <a:noFill/>
-                    </a:lnR>
-                    <a:lnT>
-                      <a:noFill/>
-                    </a:lnT>
-                    <a:lnB>
-                      <a:noFill/>
-                    </a:lnB>
-                    <a:noFill/>
-                  </a:tcPr>
-                </a:tc>
-                <a:tc>
-                  <a:txBody>
-                    <a:bodyPr/>
-                    <a:lstStyle/>
-                    <a:p>
-                      <a:r>
-                        <a:rPr lang="en-US" sz="800"/>
-                        <a:t>Maximum arterial pressure during heart contraction.</a:t>
-                      </a:r>
-                    </a:p>
-                  </a:txBody>
-                  <a:tcPr marL="16336" marR="16336" marT="8168" marB="8168" anchor="ctr">
-                    <a:lnL>
-                      <a:noFill/>
-                    </a:lnL>
-                    <a:lnR>
-                      <a:noFill/>
-                    </a:lnR>
-                    <a:lnT>
-                      <a:noFill/>
-                    </a:lnT>
-                    <a:lnB>
-                      <a:noFill/>
-                    </a:lnB>
-                    <a:noFill/>
-                  </a:tcPr>
-                </a:tc>
-                <a:tc>
-                  <a:txBody>
-                    <a:bodyPr/>
-                    <a:lstStyle/>
-                    <a:p>
-                      <a:r>
-                        <a:rPr lang="en-US" sz="800"/>
-                        <a:t>Strongly correlated with PTT (R ≈ −0.6).</a:t>
-                      </a:r>
-                    </a:p>
-                  </a:txBody>
-                  <a:tcPr marL="16336" marR="16336" marT="8168" marB="8168" anchor="ctr">
-                    <a:lnL>
-                      <a:noFill/>
-                    </a:lnL>
-                    <a:lnR>
-                      <a:noFill/>
-                    </a:lnR>
-                    <a:lnT>
-                      <a:noFill/>
-                    </a:lnT>
-                    <a:lnB>
-                      <a:noFill/>
-                    </a:lnB>
-                    <a:noFill/>
-                  </a:tcPr>
-                </a:tc>
-                <a:extLst>
-                  <a:ext uri="{0D108BD9-81ED-4DB2-BD59-A6C34878D82A}">
-                    <a16:rowId xmlns:a16="http://schemas.microsoft.com/office/drawing/2014/main" val="2416631409"/>
-                  </a:ext>
-                </a:extLst>
-              </a:tr>
-              <a:tr h="222128">
-                <a:tc>
-                  <a:txBody>
-                    <a:bodyPr/>
-                    <a:lstStyle/>
-                    <a:p>
-                      <a:r>
-                        <a:rPr lang="en-US" sz="800" b="1"/>
-                        <a:t>DBP</a:t>
-                      </a:r>
-                      <a:endParaRPr lang="en-US" sz="800"/>
-                    </a:p>
-                  </a:txBody>
-                  <a:tcPr marL="16336" marR="16336" marT="8168" marB="8168" anchor="ctr">
-                    <a:lnL>
-                      <a:noFill/>
-                    </a:lnL>
-                    <a:lnR>
-                      <a:noFill/>
-                    </a:lnR>
-                    <a:lnT>
-                      <a:noFill/>
-                    </a:lnT>
-                    <a:lnB>
-                      <a:noFill/>
-                    </a:lnB>
-                    <a:noFill/>
-                  </a:tcPr>
-                </a:tc>
-                <a:tc>
-                  <a:txBody>
-                    <a:bodyPr/>
-                    <a:lstStyle/>
-                    <a:p>
-                      <a:r>
-                        <a:rPr lang="en-US" sz="800" b="1"/>
-                        <a:t>Diastolic Blood Pressure</a:t>
-                      </a:r>
-                      <a:endParaRPr lang="en-US" sz="800"/>
-                    </a:p>
-                  </a:txBody>
-                  <a:tcPr marL="16336" marR="16336" marT="8168" marB="8168" anchor="ctr">
-                    <a:lnL>
-                      <a:noFill/>
-                    </a:lnL>
-                    <a:lnR>
-                      <a:noFill/>
-                    </a:lnR>
-                    <a:lnT>
-                      <a:noFill/>
-                    </a:lnT>
-                    <a:lnB>
-                      <a:noFill/>
-                    </a:lnB>
-                    <a:noFill/>
-                  </a:tcPr>
-                </a:tc>
-                <a:tc>
-                  <a:txBody>
-                    <a:bodyPr/>
-                    <a:lstStyle/>
-                    <a:p>
-                      <a:r>
-                        <a:rPr lang="en-US" sz="800" dirty="0"/>
-                        <a:t>Minimum arterial pressure during heart relaxation.</a:t>
-                      </a:r>
-                    </a:p>
-                  </a:txBody>
-                  <a:tcPr marL="16336" marR="16336" marT="8168" marB="8168" anchor="ctr">
-                    <a:lnL>
-                      <a:noFill/>
-                    </a:lnL>
-                    <a:lnR>
-                      <a:noFill/>
-                    </a:lnR>
-                    <a:lnT>
-                      <a:noFill/>
-                    </a:lnT>
-                    <a:lnB>
-                      <a:noFill/>
-                    </a:lnB>
-                    <a:noFill/>
-                  </a:tcPr>
-                </a:tc>
-                <a:tc>
-                  <a:txBody>
-                    <a:bodyPr/>
-                    <a:lstStyle/>
-                    <a:p>
-                      <a:r>
-                        <a:rPr lang="en-US" sz="800"/>
-                        <a:t>Weak correlation with PTT (R ≈ −0.2).</a:t>
-                      </a:r>
-                    </a:p>
-                  </a:txBody>
-                  <a:tcPr marL="16336" marR="16336" marT="8168" marB="8168" anchor="ctr">
-                    <a:lnL>
-                      <a:noFill/>
-                    </a:lnL>
-                    <a:lnR>
-                      <a:noFill/>
-                    </a:lnR>
-                    <a:lnT>
-                      <a:noFill/>
-                    </a:lnT>
-                    <a:lnB>
-                      <a:noFill/>
-                    </a:lnB>
-                    <a:noFill/>
-                  </a:tcPr>
-                </a:tc>
-                <a:extLst>
-                  <a:ext uri="{0D108BD9-81ED-4DB2-BD59-A6C34878D82A}">
-                    <a16:rowId xmlns:a16="http://schemas.microsoft.com/office/drawing/2014/main" val="2804002393"/>
-                  </a:ext>
-                </a:extLst>
-              </a:tr>
-              <a:tr h="356752">
-                <a:tc>
-                  <a:txBody>
-                    <a:bodyPr/>
-                    <a:lstStyle/>
-                    <a:p>
-                      <a:r>
-                        <a:rPr lang="en-US" sz="800" b="1"/>
-                        <a:t>ROI</a:t>
-                      </a:r>
-                      <a:endParaRPr lang="en-US" sz="800"/>
-                    </a:p>
-                  </a:txBody>
-                  <a:tcPr marL="16336" marR="16336" marT="8168" marB="8168" anchor="ctr">
-                    <a:lnL>
-                      <a:noFill/>
-                    </a:lnL>
-                    <a:lnR>
-                      <a:noFill/>
-                    </a:lnR>
-                    <a:lnT>
-                      <a:noFill/>
-                    </a:lnT>
-                    <a:lnB>
-                      <a:noFill/>
-                    </a:lnB>
-                    <a:noFill/>
-                  </a:tcPr>
-                </a:tc>
-                <a:tc>
-                  <a:txBody>
-                    <a:bodyPr/>
-                    <a:lstStyle/>
-                    <a:p>
-                      <a:r>
-                        <a:rPr lang="en-US" sz="800" b="1"/>
-                        <a:t>Region of Interest</a:t>
-                      </a:r>
-                      <a:endParaRPr lang="en-US" sz="800"/>
-                    </a:p>
-                  </a:txBody>
-                  <a:tcPr marL="16336" marR="16336" marT="8168" marB="8168" anchor="ctr">
-                    <a:lnL>
-                      <a:noFill/>
-                    </a:lnL>
-                    <a:lnR>
-                      <a:noFill/>
-                    </a:lnR>
-                    <a:lnT>
-                      <a:noFill/>
-                    </a:lnT>
-                    <a:lnB>
-                      <a:noFill/>
-                    </a:lnB>
-                    <a:noFill/>
-                  </a:tcPr>
-                </a:tc>
-                <a:tc>
-                  <a:txBody>
-                    <a:bodyPr/>
-                    <a:lstStyle/>
-                    <a:p>
-                      <a:r>
-                        <a:rPr lang="en-US" sz="800" dirty="0"/>
-                        <a:t>Specific area in an image or video used for signal extraction (e.g., cheek or forehead).</a:t>
-                      </a:r>
-                    </a:p>
-                  </a:txBody>
-                  <a:tcPr marL="16336" marR="16336" marT="8168" marB="8168" anchor="ctr">
-                    <a:lnL>
-                      <a:noFill/>
-                    </a:lnL>
-                    <a:lnR>
-                      <a:noFill/>
-                    </a:lnR>
-                    <a:lnT>
-                      <a:noFill/>
-                    </a:lnT>
-                    <a:lnB>
-                      <a:noFill/>
-                    </a:lnB>
-                    <a:noFill/>
-                  </a:tcPr>
-                </a:tc>
-                <a:tc>
-                  <a:txBody>
-                    <a:bodyPr/>
-                    <a:lstStyle/>
-                    <a:p>
-                      <a:r>
-                        <a:rPr lang="en-US" sz="800"/>
-                        <a:t>In iPPG, face ROI used for green-channel brightness analysis.</a:t>
-                      </a:r>
-                    </a:p>
-                  </a:txBody>
-                  <a:tcPr marL="16336" marR="16336" marT="8168" marB="8168" anchor="ctr">
-                    <a:lnL>
-                      <a:noFill/>
-                    </a:lnL>
-                    <a:lnR>
-                      <a:noFill/>
-                    </a:lnR>
-                    <a:lnT>
-                      <a:noFill/>
-                    </a:lnT>
-                    <a:lnB>
-                      <a:noFill/>
-                    </a:lnB>
-                    <a:noFill/>
-                  </a:tcPr>
-                </a:tc>
-                <a:extLst>
-                  <a:ext uri="{0D108BD9-81ED-4DB2-BD59-A6C34878D82A}">
-                    <a16:rowId xmlns:a16="http://schemas.microsoft.com/office/drawing/2014/main" val="2509235589"/>
-                  </a:ext>
-                </a:extLst>
-              </a:tr>
-              <a:tr h="289441">
-                <a:tc>
-                  <a:txBody>
-                    <a:bodyPr/>
-                    <a:lstStyle/>
-                    <a:p>
-                      <a:r>
-                        <a:rPr lang="en-US" sz="800" b="1"/>
-                        <a:t>FIR</a:t>
-                      </a:r>
-                      <a:endParaRPr lang="en-US" sz="800"/>
-                    </a:p>
-                  </a:txBody>
-                  <a:tcPr marL="16336" marR="16336" marT="8168" marB="8168" anchor="ctr">
-                    <a:lnL>
-                      <a:noFill/>
-                    </a:lnL>
-                    <a:lnR>
-                      <a:noFill/>
-                    </a:lnR>
-                    <a:lnT>
-                      <a:noFill/>
-                    </a:lnT>
-                    <a:lnB>
-                      <a:noFill/>
-                    </a:lnB>
-                    <a:noFill/>
-                  </a:tcPr>
-                </a:tc>
-                <a:tc>
-                  <a:txBody>
-                    <a:bodyPr/>
-                    <a:lstStyle/>
-                    <a:p>
-                      <a:r>
-                        <a:rPr lang="en-US" sz="800" b="1"/>
-                        <a:t>Finite Impulse Response</a:t>
-                      </a:r>
-                      <a:endParaRPr lang="en-US" sz="800"/>
-                    </a:p>
-                  </a:txBody>
-                  <a:tcPr marL="16336" marR="16336" marT="8168" marB="8168" anchor="ctr">
-                    <a:lnL>
-                      <a:noFill/>
-                    </a:lnL>
-                    <a:lnR>
-                      <a:noFill/>
-                    </a:lnR>
-                    <a:lnT>
-                      <a:noFill/>
-                    </a:lnT>
-                    <a:lnB>
-                      <a:noFill/>
-                    </a:lnB>
-                    <a:noFill/>
-                  </a:tcPr>
-                </a:tc>
-                <a:tc>
-                  <a:txBody>
-                    <a:bodyPr/>
-                    <a:lstStyle/>
-                    <a:p>
-                      <a:r>
-                        <a:rPr lang="en-US" sz="800"/>
-                        <a:t>Type of digital filter used for signal smoothing and noise reduction.</a:t>
-                      </a:r>
-                    </a:p>
-                  </a:txBody>
-                  <a:tcPr marL="16336" marR="16336" marT="8168" marB="8168" anchor="ctr">
-                    <a:lnL>
-                      <a:noFill/>
-                    </a:lnL>
-                    <a:lnR>
-                      <a:noFill/>
-                    </a:lnR>
-                    <a:lnT>
-                      <a:noFill/>
-                    </a:lnT>
-                    <a:lnB>
-                      <a:noFill/>
-                    </a:lnB>
-                    <a:noFill/>
-                  </a:tcPr>
-                </a:tc>
-                <a:tc>
-                  <a:txBody>
-                    <a:bodyPr/>
-                    <a:lstStyle/>
-                    <a:p>
-                      <a:r>
-                        <a:rPr lang="en-US" sz="800"/>
-                        <a:t>Applied to iPPG signals before peak detection in Yoshioka et al. (2020).</a:t>
-                      </a:r>
-                    </a:p>
-                  </a:txBody>
-                  <a:tcPr marL="16336" marR="16336" marT="8168" marB="8168" anchor="ctr">
-                    <a:lnL>
-                      <a:noFill/>
-                    </a:lnL>
-                    <a:lnR>
-                      <a:noFill/>
-                    </a:lnR>
-                    <a:lnT>
-                      <a:noFill/>
-                    </a:lnT>
-                    <a:lnB>
-                      <a:noFill/>
-                    </a:lnB>
-                    <a:noFill/>
-                  </a:tcPr>
-                </a:tc>
-                <a:extLst>
-                  <a:ext uri="{0D108BD9-81ED-4DB2-BD59-A6C34878D82A}">
-                    <a16:rowId xmlns:a16="http://schemas.microsoft.com/office/drawing/2014/main" val="1048163924"/>
-                  </a:ext>
-                </a:extLst>
-              </a:tr>
-              <a:tr h="289441">
-                <a:tc>
-                  <a:txBody>
-                    <a:bodyPr/>
-                    <a:lstStyle/>
-                    <a:p>
-                      <a:r>
-                        <a:rPr lang="en-US" sz="800" b="1"/>
-                        <a:t>cPTT</a:t>
-                      </a:r>
-                      <a:endParaRPr lang="en-US" sz="800"/>
-                    </a:p>
-                  </a:txBody>
-                  <a:tcPr marL="16336" marR="16336" marT="8168" marB="8168" anchor="ctr">
-                    <a:lnL>
-                      <a:noFill/>
-                    </a:lnL>
-                    <a:lnR>
-                      <a:noFill/>
-                    </a:lnR>
-                    <a:lnT>
-                      <a:noFill/>
-                    </a:lnT>
-                    <a:lnB>
-                      <a:noFill/>
-                    </a:lnB>
-                    <a:noFill/>
-                  </a:tcPr>
-                </a:tc>
-                <a:tc>
-                  <a:txBody>
-                    <a:bodyPr/>
-                    <a:lstStyle/>
-                    <a:p>
-                      <a:r>
-                        <a:rPr lang="en-US" sz="800" b="1"/>
-                        <a:t>Conventional Pulse Transit Time</a:t>
-                      </a:r>
-                      <a:endParaRPr lang="en-US" sz="800"/>
-                    </a:p>
-                  </a:txBody>
-                  <a:tcPr marL="16336" marR="16336" marT="8168" marB="8168" anchor="ctr">
-                    <a:lnL>
-                      <a:noFill/>
-                    </a:lnL>
-                    <a:lnR>
-                      <a:noFill/>
-                    </a:lnR>
-                    <a:lnT>
-                      <a:noFill/>
-                    </a:lnT>
-                    <a:lnB>
-                      <a:noFill/>
-                    </a:lnB>
-                    <a:noFill/>
-                  </a:tcPr>
-                </a:tc>
-                <a:tc>
-                  <a:txBody>
-                    <a:bodyPr/>
-                    <a:lstStyle/>
-                    <a:p>
-                      <a:r>
-                        <a:rPr lang="en-US" sz="800"/>
-                        <a:t>PTT derived from </a:t>
-                      </a:r>
-                      <a:r>
-                        <a:rPr lang="en-US" sz="800" b="1"/>
-                        <a:t>ECG–PPG</a:t>
-                      </a:r>
-                      <a:r>
-                        <a:rPr lang="en-US" sz="800"/>
-                        <a:t> or </a:t>
-                      </a:r>
-                      <a:r>
-                        <a:rPr lang="en-US" sz="800" b="1"/>
-                        <a:t>PPG–PPG</a:t>
-                      </a:r>
-                      <a:r>
-                        <a:rPr lang="en-US" sz="800"/>
-                        <a:t> pairs using contact sensors.</a:t>
-                      </a:r>
-                    </a:p>
-                  </a:txBody>
-                  <a:tcPr marL="16336" marR="16336" marT="8168" marB="8168" anchor="ctr">
-                    <a:lnL>
-                      <a:noFill/>
-                    </a:lnL>
-                    <a:lnR>
-                      <a:noFill/>
-                    </a:lnR>
-                    <a:lnT>
-                      <a:noFill/>
-                    </a:lnT>
-                    <a:lnB>
-                      <a:noFill/>
-                    </a:lnB>
-                    <a:noFill/>
-                  </a:tcPr>
-                </a:tc>
-                <a:tc>
-                  <a:txBody>
-                    <a:bodyPr/>
-                    <a:lstStyle/>
-                    <a:p>
-                      <a:r>
-                        <a:rPr lang="en-US" sz="800" dirty="0"/>
-                        <a:t>Defined in Block et al. (2020) as traditional, contact-based methods.</a:t>
-                      </a:r>
-                    </a:p>
-                  </a:txBody>
-                  <a:tcPr marL="16336" marR="16336" marT="8168" marB="8168" anchor="ctr">
-                    <a:lnL>
-                      <a:noFill/>
-                    </a:lnL>
-                    <a:lnR>
-                      <a:noFill/>
-                    </a:lnR>
-                    <a:lnT>
-                      <a:noFill/>
-                    </a:lnT>
-                    <a:lnB>
-                      <a:noFill/>
-                    </a:lnB>
-                    <a:noFill/>
-                  </a:tcPr>
-                </a:tc>
-                <a:extLst>
-                  <a:ext uri="{0D108BD9-81ED-4DB2-BD59-A6C34878D82A}">
-                    <a16:rowId xmlns:a16="http://schemas.microsoft.com/office/drawing/2014/main" val="852911810"/>
-                  </a:ext>
-                </a:extLst>
-              </a:tr>
-              <a:tr h="289441">
-                <a:tc>
-                  <a:txBody>
-                    <a:bodyPr/>
-                    <a:lstStyle/>
-                    <a:p>
-                      <a:r>
-                        <a:rPr lang="en-US" sz="800" b="1"/>
-                        <a:t>dPTT</a:t>
-                      </a:r>
-                      <a:endParaRPr lang="en-US" sz="800"/>
-                    </a:p>
-                  </a:txBody>
-                  <a:tcPr marL="16336" marR="16336" marT="8168" marB="8168" anchor="ctr">
-                    <a:lnL>
-                      <a:noFill/>
-                    </a:lnL>
-                    <a:lnR>
-                      <a:noFill/>
-                    </a:lnR>
-                    <a:lnT>
-                      <a:noFill/>
-                    </a:lnT>
-                    <a:lnB>
-                      <a:noFill/>
-                    </a:lnB>
-                    <a:noFill/>
-                  </a:tcPr>
-                </a:tc>
-                <a:tc>
-                  <a:txBody>
-                    <a:bodyPr/>
-                    <a:lstStyle/>
-                    <a:p>
-                      <a:r>
-                        <a:rPr lang="en-US" sz="800" b="1"/>
-                        <a:t>Differential Pulse Transit Time</a:t>
-                      </a:r>
-                      <a:endParaRPr lang="en-US" sz="800"/>
-                    </a:p>
-                  </a:txBody>
-                  <a:tcPr marL="16336" marR="16336" marT="8168" marB="8168" anchor="ctr">
-                    <a:lnL>
-                      <a:noFill/>
-                    </a:lnL>
-                    <a:lnR>
-                      <a:noFill/>
-                    </a:lnR>
-                    <a:lnT>
-                      <a:noFill/>
-                    </a:lnT>
-                    <a:lnB>
-                      <a:noFill/>
-                    </a:lnB>
-                    <a:noFill/>
-                  </a:tcPr>
-                </a:tc>
-                <a:tc>
-                  <a:txBody>
-                    <a:bodyPr/>
-                    <a:lstStyle/>
-                    <a:p>
-                      <a:r>
-                        <a:rPr lang="en-US" sz="800"/>
-                        <a:t>Time difference between two distal PPGs (e.g., ear–toe).</a:t>
-                      </a:r>
-                    </a:p>
-                  </a:txBody>
-                  <a:tcPr marL="16336" marR="16336" marT="8168" marB="8168" anchor="ctr">
-                    <a:lnL>
-                      <a:noFill/>
-                    </a:lnL>
-                    <a:lnR>
-                      <a:noFill/>
-                    </a:lnR>
-                    <a:lnT>
-                      <a:noFill/>
-                    </a:lnT>
-                    <a:lnB>
-                      <a:noFill/>
-                    </a:lnB>
-                    <a:noFill/>
-                  </a:tcPr>
-                </a:tc>
-                <a:tc>
-                  <a:txBody>
-                    <a:bodyPr/>
-                    <a:lstStyle/>
-                    <a:p>
-                      <a:r>
-                        <a:rPr lang="en-US" sz="800" dirty="0"/>
-                        <a:t>Represents the </a:t>
-                      </a:r>
-                      <a:r>
-                        <a:rPr lang="en-US" sz="800" b="1" dirty="0"/>
-                        <a:t>difference of two PTTs</a:t>
-                      </a:r>
-                      <a:r>
-                        <a:rPr lang="en-US" sz="800" dirty="0"/>
-                        <a:t>, not a true PTT.</a:t>
-                      </a:r>
-                    </a:p>
-                  </a:txBody>
-                  <a:tcPr marL="16336" marR="16336" marT="8168" marB="8168" anchor="ctr">
-                    <a:lnL>
-                      <a:noFill/>
-                    </a:lnL>
-                    <a:lnR>
-                      <a:noFill/>
-                    </a:lnR>
-                    <a:lnT>
-                      <a:noFill/>
-                    </a:lnT>
-                    <a:lnB>
-                      <a:noFill/>
-                    </a:lnB>
-                    <a:noFill/>
-                  </a:tcPr>
-                </a:tc>
-                <a:extLst>
-                  <a:ext uri="{0D108BD9-81ED-4DB2-BD59-A6C34878D82A}">
-                    <a16:rowId xmlns:a16="http://schemas.microsoft.com/office/drawing/2014/main" val="3516564356"/>
-                  </a:ext>
-                </a:extLst>
-              </a:tr>
-              <a:tr h="356752">
-                <a:tc>
-                  <a:txBody>
-                    <a:bodyPr/>
-                    <a:lstStyle/>
-                    <a:p>
-                      <a:r>
-                        <a:rPr lang="en-US" sz="800" b="1"/>
-                        <a:t>PATfoot / PPG foot</a:t>
-                      </a:r>
-                      <a:endParaRPr lang="en-US" sz="800"/>
-                    </a:p>
-                  </a:txBody>
-                  <a:tcPr marL="16336" marR="16336" marT="8168" marB="8168" anchor="ctr">
-                    <a:lnL>
-                      <a:noFill/>
-                    </a:lnL>
-                    <a:lnR>
-                      <a:noFill/>
-                    </a:lnR>
-                    <a:lnT>
-                      <a:noFill/>
-                    </a:lnT>
-                    <a:lnB>
-                      <a:noFill/>
-                    </a:lnB>
-                    <a:noFill/>
-                  </a:tcPr>
-                </a:tc>
-                <a:tc>
-                  <a:txBody>
-                    <a:bodyPr/>
-                    <a:lstStyle/>
-                    <a:p>
-                      <a:r>
-                        <a:rPr lang="en-US" sz="800"/>
-                        <a:t>—</a:t>
-                      </a:r>
-                    </a:p>
-                  </a:txBody>
-                  <a:tcPr marL="16336" marR="16336" marT="8168" marB="8168" anchor="ctr">
-                    <a:lnL>
-                      <a:noFill/>
-                    </a:lnL>
-                    <a:lnR>
-                      <a:noFill/>
-                    </a:lnR>
-                    <a:lnT>
-                      <a:noFill/>
-                    </a:lnT>
-                    <a:lnB>
-                      <a:noFill/>
-                    </a:lnB>
-                    <a:noFill/>
-                  </a:tcPr>
-                </a:tc>
-                <a:tc>
-                  <a:txBody>
-                    <a:bodyPr/>
-                    <a:lstStyle/>
-                    <a:p>
-                      <a:r>
-                        <a:rPr lang="en-US" sz="800"/>
-                        <a:t>The </a:t>
-                      </a:r>
-                      <a:r>
-                        <a:rPr lang="en-US" sz="800" b="1"/>
-                        <a:t>waveform onset</a:t>
-                      </a:r>
-                      <a:r>
-                        <a:rPr lang="en-US" sz="800"/>
-                        <a:t> (foot) used as a reliable timing marker for pulse arrival.</a:t>
-                      </a:r>
-                    </a:p>
-                  </a:txBody>
-                  <a:tcPr marL="16336" marR="16336" marT="8168" marB="8168" anchor="ctr">
-                    <a:lnL>
-                      <a:noFill/>
-                    </a:lnL>
-                    <a:lnR>
-                      <a:noFill/>
-                    </a:lnR>
-                    <a:lnT>
-                      <a:noFill/>
-                    </a:lnT>
-                    <a:lnB>
-                      <a:noFill/>
-                    </a:lnB>
-                    <a:noFill/>
-                  </a:tcPr>
-                </a:tc>
-                <a:tc>
-                  <a:txBody>
-                    <a:bodyPr/>
-                    <a:lstStyle/>
-                    <a:p>
-                      <a:r>
-                        <a:rPr lang="en-US" sz="800" dirty="0"/>
-                        <a:t>Identified in Block et al. (2020) as more consistent than the peak.</a:t>
-                      </a:r>
-                    </a:p>
-                  </a:txBody>
-                  <a:tcPr marL="16336" marR="16336" marT="8168" marB="8168" anchor="ctr">
-                    <a:lnL>
-                      <a:noFill/>
-                    </a:lnL>
-                    <a:lnR>
-                      <a:noFill/>
-                    </a:lnR>
-                    <a:lnT>
-                      <a:noFill/>
-                    </a:lnT>
-                    <a:lnB>
-                      <a:noFill/>
-                    </a:lnB>
-                    <a:noFill/>
-                  </a:tcPr>
-                </a:tc>
-                <a:extLst>
-                  <a:ext uri="{0D108BD9-81ED-4DB2-BD59-A6C34878D82A}">
-                    <a16:rowId xmlns:a16="http://schemas.microsoft.com/office/drawing/2014/main" val="3256277479"/>
-                  </a:ext>
-                </a:extLst>
-              </a:tr>
-            </a:tbl>
-          </a:graphicData>
-        </a:graphic>
-      </p:graphicFrame>
-    </p:spTree>
-    <p:extLst>
-      <p:ext uri="{BB962C8B-B14F-4D97-AF65-F5344CB8AC3E}">
-        <p14:creationId xmlns:p14="http://schemas.microsoft.com/office/powerpoint/2010/main" val="2649717829"/>
-      </p:ext>
-    </p:extLst>
-  </p:cSld>
-  <p:clrMapOvr>
-    <a:masterClrMapping/>
-  </p:clrMapOvr>
-</p:sld>
-</file>
-
 <file path=ppt/slides/slide2.xml><?xml version="1.0" encoding="utf-8"?>
 <p:sld xmlns:a="http://schemas.openxmlformats.org/drawingml/2006/main" xmlns:r="http://schemas.openxmlformats.org/officeDocument/2006/relationships" xmlns:p="http://schemas.openxmlformats.org/presentationml/2006/main">
   <p:cSld>
@@ -5355,7 +2877,7 @@
         </p:nvSpPr>
         <p:spPr>
           <a:xfrm>
-            <a:off x="7925012" y="7042731"/>
+            <a:off x="7986997" y="7158696"/>
             <a:ext cx="2495127" cy="402567"/>
           </a:xfrm>
           <a:prstGeom prst="rect">
@@ -5512,7 +3034,7 @@
                 <a:latin typeface="Caladea"/>
                 <a:ea typeface="HY견고딕" pitchFamily="18" charset="-127"/>
               </a:rPr>
-              <a:t>Raw Code for UBFC </a:t>
+              <a:t>What is SQUID Magnetocardiography (MCG)</a:t>
             </a:r>
           </a:p>
         </p:txBody>
@@ -5562,957 +3084,278 @@
           </a:p>
         </p:txBody>
       </p:sp>
-      <p:grpSp>
-        <p:nvGrpSpPr>
-          <p:cNvPr id="19" name="Group 18">
+      <p:sp>
+        <p:nvSpPr>
+          <p:cNvPr id="3" name="TextBox 2">
             <a:extLst>
               <a:ext uri="{FF2B5EF4-FFF2-40B4-BE49-F238E27FC236}">
-                <a16:creationId xmlns:a16="http://schemas.microsoft.com/office/drawing/2014/main" id="{FADB30AC-F724-5D9B-7C4B-5A7716E20675}"/>
+                <a16:creationId xmlns:a16="http://schemas.microsoft.com/office/drawing/2014/main" id="{9549DB49-C6F4-46E1-AED7-9F0C551C557C}"/>
               </a:ext>
             </a:extLst>
           </p:cNvPr>
-          <p:cNvGrpSpPr/>
-          <p:nvPr/>
-        </p:nvGrpSpPr>
-        <p:grpSpPr>
-          <a:xfrm>
-            <a:off x="62191" y="1404367"/>
-            <a:ext cx="1296144" cy="936104"/>
-            <a:chOff x="450156" y="1332359"/>
-            <a:chExt cx="1296144" cy="936104"/>
-          </a:xfrm>
-        </p:grpSpPr>
-        <p:sp>
-          <p:nvSpPr>
-            <p:cNvPr id="9" name="Rectangle 8">
-              <a:extLst>
-                <a:ext uri="{FF2B5EF4-FFF2-40B4-BE49-F238E27FC236}">
-                  <a16:creationId xmlns:a16="http://schemas.microsoft.com/office/drawing/2014/main" id="{7ACDE175-4C90-0CF2-A125-44966F23FD98}"/>
-                </a:ext>
-              </a:extLst>
-            </p:cNvPr>
-            <p:cNvSpPr/>
-            <p:nvPr/>
-          </p:nvSpPr>
-          <p:spPr>
-            <a:xfrm>
-              <a:off x="450156" y="1552014"/>
-              <a:ext cx="1296144" cy="716449"/>
-            </a:xfrm>
-            <a:prstGeom prst="rect">
-              <a:avLst/>
-            </a:prstGeom>
-            <a:solidFill>
-              <a:schemeClr val="bg1"/>
-            </a:solidFill>
-          </p:spPr>
-          <p:style>
-            <a:lnRef idx="2">
-              <a:schemeClr val="accent1">
-                <a:shade val="15000"/>
-              </a:schemeClr>
-            </a:lnRef>
-            <a:fillRef idx="1">
-              <a:schemeClr val="accent1"/>
-            </a:fillRef>
-            <a:effectRef idx="0">
-              <a:schemeClr val="accent1"/>
-            </a:effectRef>
-            <a:fontRef idx="minor">
-              <a:schemeClr val="lt1"/>
-            </a:fontRef>
-          </p:style>
-          <p:txBody>
-            <a:bodyPr rtlCol="0" anchor="ctr"/>
-            <a:lstStyle/>
-            <a:p>
-              <a:pPr algn="ctr"/>
-              <a:r>
-                <a:rPr lang="en-US" sz="900" dirty="0">
-                  <a:solidFill>
-                    <a:schemeClr val="tx1"/>
-                  </a:solidFill>
-                </a:rPr>
-                <a:t>UBFC Dataset</a:t>
-              </a:r>
-            </a:p>
-            <a:p>
-              <a:pPr algn="ctr"/>
-              <a:r>
-                <a:rPr lang="en-US" sz="900" dirty="0">
-                  <a:solidFill>
-                    <a:schemeClr val="tx1"/>
-                  </a:solidFill>
-                </a:rPr>
-                <a:t>(video.avi + gt.txt)</a:t>
-              </a:r>
-            </a:p>
-          </p:txBody>
-        </p:sp>
-        <p:sp>
-          <p:nvSpPr>
-            <p:cNvPr id="10" name="Oval 9">
-              <a:extLst>
-                <a:ext uri="{FF2B5EF4-FFF2-40B4-BE49-F238E27FC236}">
-                  <a16:creationId xmlns:a16="http://schemas.microsoft.com/office/drawing/2014/main" id="{D8517EFE-AEBE-C9E9-3176-5852B425AC2F}"/>
-                </a:ext>
-              </a:extLst>
-            </p:cNvPr>
-            <p:cNvSpPr/>
-            <p:nvPr/>
-          </p:nvSpPr>
-          <p:spPr>
-            <a:xfrm>
-              <a:off x="450156" y="1332359"/>
-              <a:ext cx="1296144" cy="390734"/>
-            </a:xfrm>
-            <a:prstGeom prst="ellipse">
-              <a:avLst/>
-            </a:prstGeom>
-            <a:solidFill>
-              <a:schemeClr val="bg1"/>
-            </a:solidFill>
-          </p:spPr>
-          <p:style>
-            <a:lnRef idx="2">
-              <a:schemeClr val="accent1">
-                <a:shade val="15000"/>
-              </a:schemeClr>
-            </a:lnRef>
-            <a:fillRef idx="1">
-              <a:schemeClr val="accent1"/>
-            </a:fillRef>
-            <a:effectRef idx="0">
-              <a:schemeClr val="accent1"/>
-            </a:effectRef>
-            <a:fontRef idx="minor">
-              <a:schemeClr val="lt1"/>
-            </a:fontRef>
-          </p:style>
-          <p:txBody>
-            <a:bodyPr rtlCol="0" anchor="ctr"/>
-            <a:lstStyle/>
-            <a:p>
-              <a:pPr algn="ctr"/>
-              <a:endParaRPr lang="en-US"/>
-            </a:p>
-          </p:txBody>
-        </p:sp>
-        <p:sp>
-          <p:nvSpPr>
-            <p:cNvPr id="18" name="Oval 17">
-              <a:extLst>
-                <a:ext uri="{FF2B5EF4-FFF2-40B4-BE49-F238E27FC236}">
-                  <a16:creationId xmlns:a16="http://schemas.microsoft.com/office/drawing/2014/main" id="{F406E0FA-ABF9-6E67-208C-B7F0DA159F01}"/>
-                </a:ext>
-              </a:extLst>
-            </p:cNvPr>
-            <p:cNvSpPr/>
-            <p:nvPr/>
-          </p:nvSpPr>
-          <p:spPr>
-            <a:xfrm>
-              <a:off x="594172" y="1404367"/>
-              <a:ext cx="1008112" cy="216024"/>
-            </a:xfrm>
-            <a:prstGeom prst="ellipse">
-              <a:avLst/>
-            </a:prstGeom>
-            <a:solidFill>
-              <a:schemeClr val="bg1"/>
-            </a:solidFill>
-          </p:spPr>
-          <p:style>
-            <a:lnRef idx="2">
-              <a:schemeClr val="accent1">
-                <a:shade val="15000"/>
-              </a:schemeClr>
-            </a:lnRef>
-            <a:fillRef idx="1">
-              <a:schemeClr val="accent1"/>
-            </a:fillRef>
-            <a:effectRef idx="0">
-              <a:schemeClr val="accent1"/>
-            </a:effectRef>
-            <a:fontRef idx="minor">
-              <a:schemeClr val="lt1"/>
-            </a:fontRef>
-          </p:style>
-          <p:txBody>
-            <a:bodyPr rtlCol="0" anchor="ctr"/>
-            <a:lstStyle/>
-            <a:p>
-              <a:pPr algn="ctr"/>
-              <a:endParaRPr lang="en-US"/>
-            </a:p>
-          </p:txBody>
-        </p:sp>
-      </p:grpSp>
-      <p:sp>
-        <p:nvSpPr>
-          <p:cNvPr id="20" name="Rectangle 19">
-            <a:extLst>
-              <a:ext uri="{FF2B5EF4-FFF2-40B4-BE49-F238E27FC236}">
-                <a16:creationId xmlns:a16="http://schemas.microsoft.com/office/drawing/2014/main" id="{E50A05AB-2EEC-AAF4-DA31-F81D89CA99E0}"/>
-              </a:ext>
-            </a:extLst>
-          </p:cNvPr>
-          <p:cNvSpPr/>
+          <p:cNvSpPr txBox="1"/>
           <p:nvPr/>
         </p:nvSpPr>
         <p:spPr>
           <a:xfrm>
-            <a:off x="1885752" y="1707033"/>
-            <a:ext cx="2414017" cy="589073"/>
+            <a:off x="164344" y="1116335"/>
+            <a:ext cx="9289032" cy="2862322"/>
           </a:xfrm>
           <a:prstGeom prst="rect">
             <a:avLst/>
           </a:prstGeom>
-          <a:solidFill>
-            <a:schemeClr val="bg1"/>
-          </a:solidFill>
+          <a:noFill/>
         </p:spPr>
-        <p:style>
-          <a:lnRef idx="2">
-            <a:schemeClr val="accent1">
-              <a:shade val="15000"/>
-            </a:schemeClr>
-          </a:lnRef>
-          <a:fillRef idx="1">
-            <a:schemeClr val="accent1"/>
-          </a:fillRef>
-          <a:effectRef idx="0">
-            <a:schemeClr val="accent1"/>
-          </a:effectRef>
-          <a:fontRef idx="minor">
-            <a:schemeClr val="lt1"/>
-          </a:fontRef>
-        </p:style>
         <p:txBody>
-          <a:bodyPr rtlCol="0" anchor="ctr"/>
+          <a:bodyPr wrap="square" rtlCol="0">
+            <a:spAutoFit/>
+          </a:bodyPr>
           <a:lstStyle/>
           <a:p>
-            <a:pPr algn="ctr"/>
-            <a:r>
-              <a:rPr lang="en-US" sz="800">
-                <a:solidFill>
-                  <a:schemeClr val="tx1"/>
-                </a:solidFill>
-              </a:rPr>
-              <a:t>Load video + nominal FPS</a:t>
-            </a:r>
-            <a:endParaRPr lang="en-US" sz="800" dirty="0">
-              <a:solidFill>
-                <a:schemeClr val="tx1"/>
-              </a:solidFill>
+            <a:r>
+              <a:rPr lang="en-US" sz="1800" b="1" dirty="0">
+                <a:effectLst/>
+                <a:latin typeface="Consolas" panose="020B0609020204030204" pitchFamily="49" charset="0"/>
+              </a:rPr>
+              <a:t>MCG = Magnetic ECG measured using SQUID devices</a:t>
+            </a:r>
+          </a:p>
+          <a:p>
+            <a:endParaRPr lang="en-US" sz="1800" b="1" dirty="0">
+              <a:effectLst/>
+              <a:latin typeface="Consolas" panose="020B0609020204030204" pitchFamily="49" charset="0"/>
+            </a:endParaRPr>
+          </a:p>
+          <a:p>
+            <a:pPr>
+              <a:lnSpc>
+                <a:spcPct val="150000"/>
+              </a:lnSpc>
+              <a:buFont typeface="Arial" panose="020B0604020202020204" pitchFamily="34" charset="0"/>
+              <a:buChar char="•"/>
+            </a:pPr>
+            <a:r>
+              <a:rPr lang="en-US" sz="1400" dirty="0">
+                <a:latin typeface="Consolas" panose="020B0609020204030204" pitchFamily="49" charset="0"/>
+              </a:rPr>
+              <a:t> SQUID = </a:t>
+            </a:r>
+            <a:r>
+              <a:rPr lang="en-US" sz="1400" b="1" dirty="0">
+                <a:latin typeface="Consolas" panose="020B0609020204030204" pitchFamily="49" charset="0"/>
+              </a:rPr>
+              <a:t>Superconducting Quantum Interference Device</a:t>
+            </a:r>
+            <a:endParaRPr lang="en-US" sz="1400" dirty="0">
+              <a:latin typeface="Consolas" panose="020B0609020204030204" pitchFamily="49" charset="0"/>
+            </a:endParaRPr>
+          </a:p>
+          <a:p>
+            <a:pPr>
+              <a:lnSpc>
+                <a:spcPct val="150000"/>
+              </a:lnSpc>
+              <a:buFont typeface="Arial" panose="020B0604020202020204" pitchFamily="34" charset="0"/>
+              <a:buChar char="•"/>
+            </a:pPr>
+            <a:r>
+              <a:rPr lang="en-US" sz="1400" dirty="0">
+                <a:latin typeface="Consolas" panose="020B0609020204030204" pitchFamily="49" charset="0"/>
+              </a:rPr>
+              <a:t> Most sensitive magnetic sensor in the world</a:t>
+            </a:r>
+          </a:p>
+          <a:p>
+            <a:pPr>
+              <a:lnSpc>
+                <a:spcPct val="150000"/>
+              </a:lnSpc>
+              <a:buFont typeface="Arial" panose="020B0604020202020204" pitchFamily="34" charset="0"/>
+              <a:buChar char="•"/>
+            </a:pPr>
+            <a:r>
+              <a:rPr lang="en-US" sz="1400" dirty="0">
+                <a:latin typeface="Consolas" panose="020B0609020204030204" pitchFamily="49" charset="0"/>
+              </a:rPr>
+              <a:t> Detects magnetic fields produced by the heart</a:t>
+            </a:r>
+          </a:p>
+          <a:p>
+            <a:pPr>
+              <a:lnSpc>
+                <a:spcPct val="150000"/>
+              </a:lnSpc>
+              <a:buFont typeface="Arial" panose="020B0604020202020204" pitchFamily="34" charset="0"/>
+              <a:buChar char="•"/>
+            </a:pPr>
+            <a:r>
+              <a:rPr lang="en-US" sz="1400" dirty="0">
+                <a:latin typeface="Consolas" panose="020B0609020204030204" pitchFamily="49" charset="0"/>
+              </a:rPr>
+              <a:t> Unlike ECG, magnetic fields </a:t>
+            </a:r>
+            <a:r>
+              <a:rPr lang="en-US" sz="1400" b="1" dirty="0">
+                <a:latin typeface="Consolas" panose="020B0609020204030204" pitchFamily="49" charset="0"/>
+              </a:rPr>
+              <a:t>aren’t distorted</a:t>
+            </a:r>
+            <a:r>
+              <a:rPr lang="en-US" sz="1400" dirty="0">
+                <a:latin typeface="Consolas" panose="020B0609020204030204" pitchFamily="49" charset="0"/>
+              </a:rPr>
+              <a:t> by body tissues</a:t>
+            </a:r>
+          </a:p>
+          <a:p>
+            <a:pPr>
+              <a:lnSpc>
+                <a:spcPct val="150000"/>
+              </a:lnSpc>
+              <a:buFont typeface="Arial" panose="020B0604020202020204" pitchFamily="34" charset="0"/>
+              <a:buChar char="•"/>
+            </a:pPr>
+            <a:r>
+              <a:rPr lang="en-US" sz="1400" dirty="0">
+                <a:latin typeface="Consolas" panose="020B0609020204030204" pitchFamily="49" charset="0"/>
+              </a:rPr>
+              <a:t> Can reveal cardiac abnormalities that ECG may miss</a:t>
+            </a:r>
+          </a:p>
+          <a:p>
+            <a:pPr>
+              <a:lnSpc>
+                <a:spcPct val="150000"/>
+              </a:lnSpc>
+              <a:buFont typeface="Arial" panose="020B0604020202020204" pitchFamily="34" charset="0"/>
+              <a:buChar char="•"/>
+            </a:pPr>
+            <a:r>
+              <a:rPr lang="en-US" sz="1400" dirty="0">
+                <a:latin typeface="Consolas" panose="020B0609020204030204" pitchFamily="49" charset="0"/>
+              </a:rPr>
+              <a:t> Used today mainly in research centers (rare &amp; expensive)</a:t>
+            </a:r>
+          </a:p>
+          <a:p>
+            <a:endParaRPr lang="en-US" sz="1800" b="1" dirty="0">
+              <a:latin typeface="Consolas" panose="020B0609020204030204" pitchFamily="49" charset="0"/>
             </a:endParaRPr>
           </a:p>
         </p:txBody>
       </p:sp>
-      <p:sp>
-        <p:nvSpPr>
-          <p:cNvPr id="21" name="Rectangle 20">
+      <p:pic>
+        <p:nvPicPr>
+          <p:cNvPr id="6" name="Picture 5">
             <a:extLst>
               <a:ext uri="{FF2B5EF4-FFF2-40B4-BE49-F238E27FC236}">
-                <a16:creationId xmlns:a16="http://schemas.microsoft.com/office/drawing/2014/main" id="{892ED3FB-96C1-9735-6091-E2C7B9A81BA1}"/>
+                <a16:creationId xmlns:a16="http://schemas.microsoft.com/office/drawing/2014/main" id="{2E81EF98-C079-68CE-6A84-46191F530600}"/>
               </a:ext>
             </a:extLst>
           </p:cNvPr>
-          <p:cNvSpPr/>
+          <p:cNvPicPr>
+            <a:picLocks noChangeAspect="1"/>
+          </p:cNvPicPr>
+          <p:nvPr/>
+        </p:nvPicPr>
+        <p:blipFill>
+          <a:blip r:embed="rId4"/>
+          <a:stretch>
+            <a:fillRect/>
+          </a:stretch>
+        </p:blipFill>
+        <p:spPr>
+          <a:xfrm>
+            <a:off x="2466380" y="3635144"/>
+            <a:ext cx="4434207" cy="2968585"/>
+          </a:xfrm>
+          <a:prstGeom prst="rect">
+            <a:avLst/>
+          </a:prstGeom>
+        </p:spPr>
+      </p:pic>
+      <p:sp>
+        <p:nvSpPr>
+          <p:cNvPr id="9" name="TextBox 8">
+            <a:extLst>
+              <a:ext uri="{FF2B5EF4-FFF2-40B4-BE49-F238E27FC236}">
+                <a16:creationId xmlns:a16="http://schemas.microsoft.com/office/drawing/2014/main" id="{D1E6A2B5-883D-204D-B34C-5ADF678BF60A}"/>
+              </a:ext>
+            </a:extLst>
+          </p:cNvPr>
+          <p:cNvSpPr txBox="1"/>
           <p:nvPr/>
         </p:nvSpPr>
         <p:spPr>
           <a:xfrm>
-            <a:off x="4801593" y="1707033"/>
-            <a:ext cx="2495127" cy="589073"/>
+            <a:off x="75455" y="6881697"/>
+            <a:ext cx="9289032" cy="553998"/>
           </a:xfrm>
           <a:prstGeom prst="rect">
             <a:avLst/>
           </a:prstGeom>
-          <a:solidFill>
-            <a:schemeClr val="bg1"/>
-          </a:solidFill>
+          <a:noFill/>
         </p:spPr>
-        <p:style>
-          <a:lnRef idx="2">
-            <a:schemeClr val="accent1">
-              <a:shade val="15000"/>
-            </a:schemeClr>
-          </a:lnRef>
-          <a:fillRef idx="1">
-            <a:schemeClr val="accent1"/>
-          </a:fillRef>
-          <a:effectRef idx="0">
-            <a:schemeClr val="accent1"/>
-          </a:effectRef>
-          <a:fontRef idx="minor">
-            <a:schemeClr val="lt1"/>
-          </a:fontRef>
-        </p:style>
         <p:txBody>
-          <a:bodyPr rtlCol="0" anchor="ctr"/>
+          <a:bodyPr wrap="square" rtlCol="0">
+            <a:spAutoFit/>
+          </a:bodyPr>
           <a:lstStyle/>
           <a:p>
-            <a:pPr algn="ctr"/>
-            <a:r>
-              <a:rPr lang="en-US" sz="800">
-                <a:solidFill>
-                  <a:schemeClr val="tx1"/>
-                </a:solidFill>
-              </a:rPr>
-              <a:t>Build video time axis</a:t>
-            </a:r>
-            <a:endParaRPr lang="en-US" sz="800" dirty="0">
-              <a:solidFill>
-                <a:schemeClr val="tx1"/>
-              </a:solidFill>
+            <a:pPr marL="285750" indent="-285750">
+              <a:buFont typeface="Arial" panose="020B0604020202020204" pitchFamily="34" charset="0"/>
+              <a:buChar char="•"/>
+            </a:pPr>
+            <a:r>
+              <a:rPr lang="en-US" sz="1000" b="1" i="1" dirty="0" err="1">
+                <a:effectLst/>
+                <a:latin typeface="Consolas" panose="020B0609020204030204" pitchFamily="49" charset="0"/>
+              </a:rPr>
+              <a:t>Fenici</a:t>
+            </a:r>
+            <a:r>
+              <a:rPr lang="en-US" sz="1000" b="1" i="1" dirty="0">
+                <a:effectLst/>
+                <a:latin typeface="Consolas" panose="020B0609020204030204" pitchFamily="49" charset="0"/>
+              </a:rPr>
+              <a:t> et al., European Heart Journal, 2020</a:t>
+            </a:r>
+          </a:p>
+          <a:p>
+            <a:pPr marL="285750" indent="-285750">
+              <a:buFont typeface="Arial" panose="020B0604020202020204" pitchFamily="34" charset="0"/>
+              <a:buChar char="•"/>
+            </a:pPr>
+            <a:r>
+              <a:rPr lang="en-US" sz="1000" b="1" i="1" dirty="0">
+                <a:effectLst/>
+                <a:latin typeface="Consolas" panose="020B0609020204030204" pitchFamily="49" charset="0"/>
+              </a:rPr>
+              <a:t>Park et al., Sensors, 2020</a:t>
+            </a:r>
+          </a:p>
+          <a:p>
+            <a:pPr marL="285750" indent="-285750">
+              <a:buFont typeface="Arial" panose="020B0604020202020204" pitchFamily="34" charset="0"/>
+              <a:buChar char="•"/>
+            </a:pPr>
+            <a:r>
+              <a:rPr lang="en-US" sz="1000" b="1" i="1" dirty="0">
+                <a:effectLst/>
+                <a:latin typeface="Consolas" panose="020B0609020204030204" pitchFamily="49" charset="0"/>
+              </a:rPr>
+              <a:t>Koch et al., Biomedical Engineering Online, 2011</a:t>
+            </a:r>
+            <a:endParaRPr lang="en-US" sz="1000" b="1" i="1" dirty="0">
+              <a:latin typeface="Consolas" panose="020B0609020204030204" pitchFamily="49" charset="0"/>
             </a:endParaRPr>
           </a:p>
         </p:txBody>
       </p:sp>
-      <p:sp>
-        <p:nvSpPr>
-          <p:cNvPr id="22" name="Rectangle 21">
-            <a:extLst>
-              <a:ext uri="{FF2B5EF4-FFF2-40B4-BE49-F238E27FC236}">
-                <a16:creationId xmlns:a16="http://schemas.microsoft.com/office/drawing/2014/main" id="{ECBD4D57-3FD4-2142-B1DA-A852C0FBCF39}"/>
-              </a:ext>
-            </a:extLst>
-          </p:cNvPr>
-          <p:cNvSpPr/>
-          <p:nvPr/>
-        </p:nvSpPr>
-        <p:spPr>
-          <a:xfrm>
-            <a:off x="7716663" y="1707033"/>
-            <a:ext cx="2703475" cy="589073"/>
-          </a:xfrm>
-          <a:prstGeom prst="rect">
-            <a:avLst/>
-          </a:prstGeom>
-          <a:solidFill>
-            <a:schemeClr val="bg1"/>
-          </a:solidFill>
-        </p:spPr>
-        <p:style>
-          <a:lnRef idx="2">
-            <a:schemeClr val="accent1">
-              <a:shade val="15000"/>
-            </a:schemeClr>
-          </a:lnRef>
-          <a:fillRef idx="1">
-            <a:schemeClr val="accent1"/>
-          </a:fillRef>
-          <a:effectRef idx="0">
-            <a:schemeClr val="accent1"/>
-          </a:effectRef>
-          <a:fontRef idx="minor">
-            <a:schemeClr val="lt1"/>
-          </a:fontRef>
-        </p:style>
-        <p:txBody>
-          <a:bodyPr rtlCol="0" anchor="ctr"/>
-          <a:lstStyle/>
-          <a:p>
-            <a:pPr algn="ctr"/>
-            <a:r>
-              <a:rPr lang="en-US" sz="800" dirty="0">
-                <a:solidFill>
-                  <a:schemeClr val="tx1"/>
-                </a:solidFill>
-              </a:rPr>
-              <a:t>Define 8-second start </a:t>
-            </a:r>
-          </a:p>
-          <a:p>
-            <a:pPr algn="ctr"/>
-            <a:r>
-              <a:rPr lang="en-US" sz="800" dirty="0">
-                <a:solidFill>
-                  <a:schemeClr val="tx1"/>
-                </a:solidFill>
-              </a:rPr>
-              <a:t>and </a:t>
-            </a:r>
-          </a:p>
-          <a:p>
-            <a:pPr algn="ctr"/>
-            <a:r>
-              <a:rPr lang="en-US" sz="800" dirty="0">
-                <a:solidFill>
-                  <a:schemeClr val="tx1"/>
-                </a:solidFill>
-              </a:rPr>
-              <a:t>end windows</a:t>
-            </a:r>
-          </a:p>
-        </p:txBody>
-      </p:sp>
-      <p:sp>
-        <p:nvSpPr>
-          <p:cNvPr id="24" name="Rectangle 23">
-            <a:extLst>
-              <a:ext uri="{FF2B5EF4-FFF2-40B4-BE49-F238E27FC236}">
-                <a16:creationId xmlns:a16="http://schemas.microsoft.com/office/drawing/2014/main" id="{619D5E54-C443-0275-ADCF-5468F5799C7C}"/>
-              </a:ext>
-            </a:extLst>
-          </p:cNvPr>
-          <p:cNvSpPr/>
-          <p:nvPr/>
-        </p:nvSpPr>
-        <p:spPr>
-          <a:xfrm>
-            <a:off x="7769106" y="4153997"/>
-            <a:ext cx="2598588" cy="589073"/>
-          </a:xfrm>
-          <a:prstGeom prst="rect">
-            <a:avLst/>
-          </a:prstGeom>
-          <a:solidFill>
-            <a:schemeClr val="bg1"/>
-          </a:solidFill>
-        </p:spPr>
-        <p:style>
-          <a:lnRef idx="2">
-            <a:schemeClr val="accent1">
-              <a:shade val="15000"/>
-            </a:schemeClr>
-          </a:lnRef>
-          <a:fillRef idx="1">
-            <a:schemeClr val="accent1"/>
-          </a:fillRef>
-          <a:effectRef idx="0">
-            <a:schemeClr val="accent1"/>
-          </a:effectRef>
-          <a:fontRef idx="minor">
-            <a:schemeClr val="lt1"/>
-          </a:fontRef>
-        </p:style>
-        <p:txBody>
-          <a:bodyPr rtlCol="0" anchor="ctr"/>
-          <a:lstStyle/>
-          <a:p>
-            <a:pPr algn="ctr"/>
-            <a:r>
-              <a:rPr lang="en-US" sz="800" dirty="0">
-                <a:solidFill>
-                  <a:schemeClr val="tx1"/>
-                </a:solidFill>
-              </a:rPr>
-              <a:t>Extract ROI</a:t>
-            </a:r>
-          </a:p>
-          <a:p>
-            <a:pPr algn="ctr"/>
-            <a:r>
-              <a:rPr lang="en-US" sz="800" dirty="0">
-                <a:solidFill>
-                  <a:schemeClr val="tx1"/>
-                </a:solidFill>
-              </a:rPr>
-              <a:t>Compute </a:t>
-            </a:r>
-            <a:r>
-              <a:rPr lang="en-US" sz="800" dirty="0" err="1">
-                <a:solidFill>
-                  <a:schemeClr val="tx1"/>
-                </a:solidFill>
-              </a:rPr>
-              <a:t>rPPG</a:t>
-            </a:r>
-            <a:r>
-              <a:rPr lang="en-US" sz="800" dirty="0">
-                <a:solidFill>
-                  <a:schemeClr val="tx1"/>
-                </a:solidFill>
-              </a:rPr>
-              <a:t> using CHROM</a:t>
-            </a:r>
-          </a:p>
-        </p:txBody>
-      </p:sp>
-      <p:sp>
-        <p:nvSpPr>
-          <p:cNvPr id="25" name="Rectangle 24">
-            <a:extLst>
-              <a:ext uri="{FF2B5EF4-FFF2-40B4-BE49-F238E27FC236}">
-                <a16:creationId xmlns:a16="http://schemas.microsoft.com/office/drawing/2014/main" id="{D2A3518C-479A-2F4E-CF8D-C4708CA32ECE}"/>
-              </a:ext>
-            </a:extLst>
-          </p:cNvPr>
-          <p:cNvSpPr/>
-          <p:nvPr/>
-        </p:nvSpPr>
-        <p:spPr>
-          <a:xfrm>
-            <a:off x="3978548" y="4165640"/>
-            <a:ext cx="2598588" cy="589073"/>
-          </a:xfrm>
-          <a:prstGeom prst="rect">
-            <a:avLst/>
-          </a:prstGeom>
-          <a:solidFill>
-            <a:schemeClr val="bg1"/>
-          </a:solidFill>
-        </p:spPr>
-        <p:style>
-          <a:lnRef idx="2">
-            <a:schemeClr val="accent1">
-              <a:shade val="15000"/>
-            </a:schemeClr>
-          </a:lnRef>
-          <a:fillRef idx="1">
-            <a:schemeClr val="accent1"/>
-          </a:fillRef>
-          <a:effectRef idx="0">
-            <a:schemeClr val="accent1"/>
-          </a:effectRef>
-          <a:fontRef idx="minor">
-            <a:schemeClr val="lt1"/>
-          </a:fontRef>
-        </p:style>
-        <p:txBody>
-          <a:bodyPr rtlCol="0" anchor="ctr"/>
-          <a:lstStyle/>
-          <a:p>
-            <a:pPr algn="ctr"/>
-            <a:r>
-              <a:rPr lang="en-US" sz="800" dirty="0">
-                <a:solidFill>
-                  <a:schemeClr val="tx1"/>
-                </a:solidFill>
-              </a:rPr>
-              <a:t>Estimate lag via cross-correlation</a:t>
-            </a:r>
-          </a:p>
-        </p:txBody>
-      </p:sp>
-      <p:sp>
-        <p:nvSpPr>
-          <p:cNvPr id="26" name="Rectangle 25">
-            <a:extLst>
-              <a:ext uri="{FF2B5EF4-FFF2-40B4-BE49-F238E27FC236}">
-                <a16:creationId xmlns:a16="http://schemas.microsoft.com/office/drawing/2014/main" id="{7D767FC2-6DBD-2060-7951-D23DE0E07317}"/>
-              </a:ext>
-            </a:extLst>
-          </p:cNvPr>
-          <p:cNvSpPr/>
-          <p:nvPr/>
-        </p:nvSpPr>
-        <p:spPr>
-          <a:xfrm>
-            <a:off x="494172" y="4165640"/>
-            <a:ext cx="2598588" cy="589073"/>
-          </a:xfrm>
-          <a:prstGeom prst="rect">
-            <a:avLst/>
-          </a:prstGeom>
-          <a:solidFill>
-            <a:schemeClr val="bg1"/>
-          </a:solidFill>
-        </p:spPr>
-        <p:style>
-          <a:lnRef idx="2">
-            <a:schemeClr val="accent1">
-              <a:shade val="15000"/>
-            </a:schemeClr>
-          </a:lnRef>
-          <a:fillRef idx="1">
-            <a:schemeClr val="accent1"/>
-          </a:fillRef>
-          <a:effectRef idx="0">
-            <a:schemeClr val="accent1"/>
-          </a:effectRef>
-          <a:fontRef idx="minor">
-            <a:schemeClr val="lt1"/>
-          </a:fontRef>
-        </p:style>
-        <p:txBody>
-          <a:bodyPr rtlCol="0" anchor="ctr"/>
-          <a:lstStyle/>
-          <a:p>
-            <a:pPr algn="ctr"/>
-            <a:r>
-              <a:rPr lang="da-DK" sz="800">
-                <a:solidFill>
-                  <a:schemeClr val="tx1"/>
-                </a:solidFill>
-              </a:rPr>
-              <a:t>Compute drift = |lag_end – lag_start|</a:t>
-            </a:r>
-            <a:endParaRPr lang="en-US" sz="800" dirty="0">
-              <a:solidFill>
-                <a:schemeClr val="tx1"/>
-              </a:solidFill>
-            </a:endParaRPr>
-          </a:p>
-        </p:txBody>
-      </p:sp>
-      <p:sp>
-        <p:nvSpPr>
-          <p:cNvPr id="28" name="Rectangle 27">
-            <a:extLst>
-              <a:ext uri="{FF2B5EF4-FFF2-40B4-BE49-F238E27FC236}">
-                <a16:creationId xmlns:a16="http://schemas.microsoft.com/office/drawing/2014/main" id="{F9B89D35-5D0F-9059-737B-635F0219EAE5}"/>
-              </a:ext>
-            </a:extLst>
-          </p:cNvPr>
-          <p:cNvSpPr/>
-          <p:nvPr/>
-        </p:nvSpPr>
-        <p:spPr>
-          <a:xfrm>
-            <a:off x="494172" y="5158073"/>
-            <a:ext cx="2598588" cy="589073"/>
-          </a:xfrm>
-          <a:prstGeom prst="rect">
-            <a:avLst/>
-          </a:prstGeom>
-          <a:solidFill>
-            <a:schemeClr val="bg1"/>
-          </a:solidFill>
-        </p:spPr>
-        <p:style>
-          <a:lnRef idx="2">
-            <a:schemeClr val="accent1">
-              <a:shade val="15000"/>
-            </a:schemeClr>
-          </a:lnRef>
-          <a:fillRef idx="1">
-            <a:schemeClr val="accent1"/>
-          </a:fillRef>
-          <a:effectRef idx="0">
-            <a:schemeClr val="accent1"/>
-          </a:effectRef>
-          <a:fontRef idx="minor">
-            <a:schemeClr val="lt1"/>
-          </a:fontRef>
-        </p:style>
-        <p:txBody>
-          <a:bodyPr rtlCol="0" anchor="ctr"/>
-          <a:lstStyle/>
-          <a:p>
-            <a:pPr algn="ctr"/>
-            <a:r>
-              <a:rPr lang="en-US" sz="800">
-                <a:solidFill>
-                  <a:schemeClr val="tx1"/>
-                </a:solidFill>
-              </a:rPr>
-              <a:t>Test FPS correction</a:t>
-            </a:r>
-            <a:endParaRPr lang="en-US" sz="800" dirty="0">
-              <a:solidFill>
-                <a:schemeClr val="tx1"/>
-              </a:solidFill>
-            </a:endParaRPr>
-          </a:p>
-        </p:txBody>
-      </p:sp>
-      <p:cxnSp>
-        <p:nvCxnSpPr>
-          <p:cNvPr id="33" name="Straight Arrow Connector 32">
-            <a:extLst>
-              <a:ext uri="{FF2B5EF4-FFF2-40B4-BE49-F238E27FC236}">
-                <a16:creationId xmlns:a16="http://schemas.microsoft.com/office/drawing/2014/main" id="{B6678280-D586-0BEF-62D9-AE2915E2BEE3}"/>
-              </a:ext>
-            </a:extLst>
-          </p:cNvPr>
-          <p:cNvCxnSpPr>
-            <a:stCxn id="9" idx="3"/>
-            <a:endCxn id="20" idx="1"/>
-          </p:cNvCxnSpPr>
-          <p:nvPr/>
-        </p:nvCxnSpPr>
-        <p:spPr>
-          <a:xfrm>
-            <a:off x="1358335" y="1982247"/>
-            <a:ext cx="527417" cy="19323"/>
-          </a:xfrm>
-          <a:prstGeom prst="straightConnector1">
-            <a:avLst/>
-          </a:prstGeom>
-          <a:ln>
-            <a:tailEnd type="triangle"/>
-          </a:ln>
-        </p:spPr>
-        <p:style>
-          <a:lnRef idx="3">
-            <a:schemeClr val="accent6"/>
-          </a:lnRef>
-          <a:fillRef idx="0">
-            <a:schemeClr val="accent6"/>
-          </a:fillRef>
-          <a:effectRef idx="2">
-            <a:schemeClr val="accent6"/>
-          </a:effectRef>
-          <a:fontRef idx="minor">
-            <a:schemeClr val="tx1"/>
-          </a:fontRef>
-        </p:style>
-      </p:cxnSp>
-      <p:cxnSp>
-        <p:nvCxnSpPr>
-          <p:cNvPr id="35" name="Straight Arrow Connector 34">
-            <a:extLst>
-              <a:ext uri="{FF2B5EF4-FFF2-40B4-BE49-F238E27FC236}">
-                <a16:creationId xmlns:a16="http://schemas.microsoft.com/office/drawing/2014/main" id="{8B29E3A5-2CDB-9C2C-1FCF-15230FC34B8E}"/>
-              </a:ext>
-            </a:extLst>
-          </p:cNvPr>
-          <p:cNvCxnSpPr>
-            <a:cxnSpLocks/>
-            <a:stCxn id="20" idx="3"/>
-            <a:endCxn id="21" idx="1"/>
-          </p:cNvCxnSpPr>
-          <p:nvPr/>
-        </p:nvCxnSpPr>
-        <p:spPr>
-          <a:xfrm>
-            <a:off x="4299769" y="2001570"/>
-            <a:ext cx="501824" cy="0"/>
-          </a:xfrm>
-          <a:prstGeom prst="straightConnector1">
-            <a:avLst/>
-          </a:prstGeom>
-          <a:ln>
-            <a:tailEnd type="triangle"/>
-          </a:ln>
-        </p:spPr>
-        <p:style>
-          <a:lnRef idx="3">
-            <a:schemeClr val="accent6"/>
-          </a:lnRef>
-          <a:fillRef idx="0">
-            <a:schemeClr val="accent6"/>
-          </a:fillRef>
-          <a:effectRef idx="2">
-            <a:schemeClr val="accent6"/>
-          </a:effectRef>
-          <a:fontRef idx="minor">
-            <a:schemeClr val="tx1"/>
-          </a:fontRef>
-        </p:style>
-      </p:cxnSp>
-      <p:cxnSp>
-        <p:nvCxnSpPr>
-          <p:cNvPr id="38" name="Straight Arrow Connector 37">
-            <a:extLst>
-              <a:ext uri="{FF2B5EF4-FFF2-40B4-BE49-F238E27FC236}">
-                <a16:creationId xmlns:a16="http://schemas.microsoft.com/office/drawing/2014/main" id="{A0423824-B08B-B0E6-AA5E-3601A50A8C27}"/>
-              </a:ext>
-            </a:extLst>
-          </p:cNvPr>
-          <p:cNvCxnSpPr>
-            <a:cxnSpLocks/>
-            <a:stCxn id="21" idx="3"/>
-            <a:endCxn id="22" idx="1"/>
-          </p:cNvCxnSpPr>
-          <p:nvPr/>
-        </p:nvCxnSpPr>
-        <p:spPr>
-          <a:xfrm>
-            <a:off x="7296720" y="2001570"/>
-            <a:ext cx="419943" cy="0"/>
-          </a:xfrm>
-          <a:prstGeom prst="straightConnector1">
-            <a:avLst/>
-          </a:prstGeom>
-          <a:ln>
-            <a:tailEnd type="triangle"/>
-          </a:ln>
-        </p:spPr>
-        <p:style>
-          <a:lnRef idx="3">
-            <a:schemeClr val="accent6"/>
-          </a:lnRef>
-          <a:fillRef idx="0">
-            <a:schemeClr val="accent6"/>
-          </a:fillRef>
-          <a:effectRef idx="2">
-            <a:schemeClr val="accent6"/>
-          </a:effectRef>
-          <a:fontRef idx="minor">
-            <a:schemeClr val="tx1"/>
-          </a:fontRef>
-        </p:style>
-      </p:cxnSp>
-      <p:cxnSp>
-        <p:nvCxnSpPr>
-          <p:cNvPr id="41" name="Straight Arrow Connector 40">
-            <a:extLst>
-              <a:ext uri="{FF2B5EF4-FFF2-40B4-BE49-F238E27FC236}">
-                <a16:creationId xmlns:a16="http://schemas.microsoft.com/office/drawing/2014/main" id="{B7EE1DE7-D169-D815-5FFD-14A9B5589751}"/>
-              </a:ext>
-            </a:extLst>
-          </p:cNvPr>
-          <p:cNvCxnSpPr>
-            <a:cxnSpLocks/>
-            <a:stCxn id="22" idx="2"/>
-            <a:endCxn id="24" idx="0"/>
-          </p:cNvCxnSpPr>
-          <p:nvPr/>
-        </p:nvCxnSpPr>
-        <p:spPr>
-          <a:xfrm flipH="1">
-            <a:off x="9068400" y="2296106"/>
-            <a:ext cx="1" cy="1857891"/>
-          </a:xfrm>
-          <a:prstGeom prst="straightConnector1">
-            <a:avLst/>
-          </a:prstGeom>
-          <a:ln>
-            <a:tailEnd type="triangle"/>
-          </a:ln>
-        </p:spPr>
-        <p:style>
-          <a:lnRef idx="3">
-            <a:schemeClr val="accent6"/>
-          </a:lnRef>
-          <a:fillRef idx="0">
-            <a:schemeClr val="accent6"/>
-          </a:fillRef>
-          <a:effectRef idx="2">
-            <a:schemeClr val="accent6"/>
-          </a:effectRef>
-          <a:fontRef idx="minor">
-            <a:schemeClr val="tx1"/>
-          </a:fontRef>
-        </p:style>
-      </p:cxnSp>
-      <p:cxnSp>
-        <p:nvCxnSpPr>
-          <p:cNvPr id="44" name="Straight Arrow Connector 43">
-            <a:extLst>
-              <a:ext uri="{FF2B5EF4-FFF2-40B4-BE49-F238E27FC236}">
-                <a16:creationId xmlns:a16="http://schemas.microsoft.com/office/drawing/2014/main" id="{7548FC22-AF4C-811D-1746-8A69CA989CBA}"/>
-              </a:ext>
-            </a:extLst>
-          </p:cNvPr>
-          <p:cNvCxnSpPr>
-            <a:cxnSpLocks/>
-            <a:stCxn id="24" idx="1"/>
-            <a:endCxn id="25" idx="3"/>
-          </p:cNvCxnSpPr>
-          <p:nvPr/>
-        </p:nvCxnSpPr>
-        <p:spPr>
-          <a:xfrm flipH="1">
-            <a:off x="6577136" y="4448534"/>
-            <a:ext cx="1191970" cy="11643"/>
-          </a:xfrm>
-          <a:prstGeom prst="straightConnector1">
-            <a:avLst/>
-          </a:prstGeom>
-          <a:ln>
-            <a:tailEnd type="triangle"/>
-          </a:ln>
-        </p:spPr>
-        <p:style>
-          <a:lnRef idx="3">
-            <a:schemeClr val="accent6"/>
-          </a:lnRef>
-          <a:fillRef idx="0">
-            <a:schemeClr val="accent6"/>
-          </a:fillRef>
-          <a:effectRef idx="2">
-            <a:schemeClr val="accent6"/>
-          </a:effectRef>
-          <a:fontRef idx="minor">
-            <a:schemeClr val="tx1"/>
-          </a:fontRef>
-        </p:style>
-      </p:cxnSp>
-      <p:cxnSp>
-        <p:nvCxnSpPr>
-          <p:cNvPr id="47" name="Straight Arrow Connector 46">
-            <a:extLst>
-              <a:ext uri="{FF2B5EF4-FFF2-40B4-BE49-F238E27FC236}">
-                <a16:creationId xmlns:a16="http://schemas.microsoft.com/office/drawing/2014/main" id="{896DED0C-50DC-7B45-DBA6-3E44C6FF2768}"/>
-              </a:ext>
-            </a:extLst>
-          </p:cNvPr>
-          <p:cNvCxnSpPr>
-            <a:cxnSpLocks/>
-            <a:stCxn id="25" idx="1"/>
-            <a:endCxn id="26" idx="3"/>
-          </p:cNvCxnSpPr>
-          <p:nvPr/>
-        </p:nvCxnSpPr>
-        <p:spPr>
-          <a:xfrm flipH="1">
-            <a:off x="3092760" y="4460177"/>
-            <a:ext cx="885788" cy="0"/>
-          </a:xfrm>
-          <a:prstGeom prst="straightConnector1">
-            <a:avLst/>
-          </a:prstGeom>
-          <a:ln>
-            <a:tailEnd type="triangle"/>
-          </a:ln>
-        </p:spPr>
-        <p:style>
-          <a:lnRef idx="3">
-            <a:schemeClr val="accent6"/>
-          </a:lnRef>
-          <a:fillRef idx="0">
-            <a:schemeClr val="accent6"/>
-          </a:fillRef>
-          <a:effectRef idx="2">
-            <a:schemeClr val="accent6"/>
-          </a:effectRef>
-          <a:fontRef idx="minor">
-            <a:schemeClr val="tx1"/>
-          </a:fontRef>
-        </p:style>
-      </p:cxnSp>
-      <p:cxnSp>
-        <p:nvCxnSpPr>
-          <p:cNvPr id="50" name="Straight Arrow Connector 49">
-            <a:extLst>
-              <a:ext uri="{FF2B5EF4-FFF2-40B4-BE49-F238E27FC236}">
-                <a16:creationId xmlns:a16="http://schemas.microsoft.com/office/drawing/2014/main" id="{4B14C5CE-EFFF-C52E-A4AA-0ED440D064ED}"/>
-              </a:ext>
-            </a:extLst>
-          </p:cNvPr>
-          <p:cNvCxnSpPr>
-            <a:cxnSpLocks/>
-            <a:stCxn id="26" idx="2"/>
-            <a:endCxn id="28" idx="0"/>
-          </p:cNvCxnSpPr>
-          <p:nvPr/>
-        </p:nvCxnSpPr>
-        <p:spPr>
-          <a:xfrm>
-            <a:off x="1793466" y="4754713"/>
-            <a:ext cx="0" cy="403360"/>
-          </a:xfrm>
-          <a:prstGeom prst="straightConnector1">
-            <a:avLst/>
-          </a:prstGeom>
-          <a:ln>
-            <a:tailEnd type="triangle"/>
-          </a:ln>
-        </p:spPr>
-        <p:style>
-          <a:lnRef idx="3">
-            <a:schemeClr val="accent6"/>
-          </a:lnRef>
-          <a:fillRef idx="0">
-            <a:schemeClr val="accent6"/>
-          </a:fillRef>
-          <a:effectRef idx="2">
-            <a:schemeClr val="accent6"/>
-          </a:effectRef>
-          <a:fontRef idx="minor">
-            <a:schemeClr val="tx1"/>
-          </a:fontRef>
-        </p:style>
-      </p:cxnSp>
     </p:spTree>
     <p:extLst>
       <p:ext uri="{BB962C8B-B14F-4D97-AF65-F5344CB8AC3E}">
-        <p14:creationId xmlns:p14="http://schemas.microsoft.com/office/powerpoint/2010/main" val="821279984"/>
+        <p14:creationId xmlns:p14="http://schemas.microsoft.com/office/powerpoint/2010/main" val="2734378528"/>
       </p:ext>
     </p:extLst>
   </p:cSld>
@@ -6754,7 +3597,7 @@
                 <a:latin typeface="Caladea"/>
                 <a:ea typeface="HY견고딕" pitchFamily="18" charset="-127"/>
               </a:rPr>
-              <a:t>What is SQUID Magnetocardiography (MCG)</a:t>
+              <a:t>Why MCG matters (Clinical motivation)</a:t>
             </a:r>
           </a:p>
         </p:txBody>
@@ -6818,8 +3661,8 @@
         </p:nvSpPr>
         <p:spPr>
           <a:xfrm>
-            <a:off x="164344" y="1116335"/>
-            <a:ext cx="9289032" cy="2862322"/>
+            <a:off x="127255" y="1116335"/>
+            <a:ext cx="9289032" cy="2616101"/>
           </a:xfrm>
           <a:prstGeom prst="rect">
             <a:avLst/>
@@ -6837,20 +3680,11 @@
                 <a:effectLst/>
                 <a:latin typeface="Consolas" panose="020B0609020204030204" pitchFamily="49" charset="0"/>
               </a:rPr>
-              <a:t>MCG = Magnetic ECG measured using SQUID devices</a:t>
-            </a:r>
-          </a:p>
-          <a:p>
-            <a:endParaRPr lang="en-US" sz="1800" b="1" dirty="0">
-              <a:effectLst/>
-              <a:latin typeface="Consolas" panose="020B0609020204030204" pitchFamily="49" charset="0"/>
-            </a:endParaRPr>
-          </a:p>
-          <a:p>
-            <a:pPr>
-              <a:lnSpc>
-                <a:spcPct val="150000"/>
-              </a:lnSpc>
+              <a:t>MCG can detect:</a:t>
+            </a:r>
+          </a:p>
+          <a:p>
+            <a:pPr marL="285750" indent="-285750">
               <a:buFont typeface="Arial" panose="020B0604020202020204" pitchFamily="34" charset="0"/>
               <a:buChar char="•"/>
             </a:pPr>
@@ -6858,23 +3692,84 @@
               <a:rPr lang="en-US" sz="1400" dirty="0">
                 <a:latin typeface="Consolas" panose="020B0609020204030204" pitchFamily="49" charset="0"/>
               </a:rPr>
-              <a:t> SQUID = </a:t>
-            </a:r>
-            <a:r>
-              <a:rPr lang="en-US" sz="1400" b="1" dirty="0">
-                <a:latin typeface="Consolas" panose="020B0609020204030204" pitchFamily="49" charset="0"/>
-              </a:rPr>
-              <a:t>Superconducting Quantum Interference Device</a:t>
-            </a:r>
+              <a:t>Ischemia earlier than ECG</a:t>
+            </a:r>
+          </a:p>
+          <a:p>
+            <a:pPr marL="285750" indent="-285750">
+              <a:buFont typeface="Arial" panose="020B0604020202020204" pitchFamily="34" charset="0"/>
+              <a:buChar char="•"/>
+            </a:pPr>
+            <a:r>
+              <a:rPr lang="en-US" sz="1400" dirty="0">
+                <a:latin typeface="Consolas" panose="020B0609020204030204" pitchFamily="49" charset="0"/>
+              </a:rPr>
+              <a:t>Conduction abnormalities</a:t>
+            </a:r>
+          </a:p>
+          <a:p>
+            <a:pPr marL="285750" indent="-285750">
+              <a:buFont typeface="Arial" panose="020B0604020202020204" pitchFamily="34" charset="0"/>
+              <a:buChar char="•"/>
+            </a:pPr>
+            <a:r>
+              <a:rPr lang="en-US" sz="1400" dirty="0">
+                <a:latin typeface="Consolas" panose="020B0609020204030204" pitchFamily="49" charset="0"/>
+              </a:rPr>
+              <a:t>Fetal arrhythmias (when ECG is unreliable)</a:t>
+            </a:r>
+          </a:p>
+          <a:p>
+            <a:pPr marL="285750" indent="-285750">
+              <a:buFont typeface="Arial" panose="020B0604020202020204" pitchFamily="34" charset="0"/>
+              <a:buChar char="•"/>
+            </a:pPr>
+            <a:r>
+              <a:rPr lang="en-US" sz="1400" dirty="0">
+                <a:latin typeface="Consolas" panose="020B0609020204030204" pitchFamily="49" charset="0"/>
+              </a:rPr>
+              <a:t>Subtle repolarization changes</a:t>
+            </a:r>
+          </a:p>
+          <a:p>
+            <a:pPr marL="285750" indent="-285750">
+              <a:buFont typeface="Arial" panose="020B0604020202020204" pitchFamily="34" charset="0"/>
+              <a:buChar char="•"/>
+            </a:pPr>
+            <a:r>
+              <a:rPr lang="en-US" sz="1400" dirty="0">
+                <a:latin typeface="Consolas" panose="020B0609020204030204" pitchFamily="49" charset="0"/>
+              </a:rPr>
+              <a:t>Spatial current distribution of the heart</a:t>
+            </a:r>
+          </a:p>
+          <a:p>
+            <a:pPr marL="285750" indent="-285750">
+              <a:buFont typeface="Arial" panose="020B0604020202020204" pitchFamily="34" charset="0"/>
+              <a:buChar char="•"/>
+            </a:pPr>
             <a:endParaRPr lang="en-US" sz="1400" dirty="0">
               <a:latin typeface="Consolas" panose="020B0609020204030204" pitchFamily="49" charset="0"/>
             </a:endParaRPr>
           </a:p>
           <a:p>
-            <a:pPr>
-              <a:lnSpc>
-                <a:spcPct val="150000"/>
-              </a:lnSpc>
+            <a:endParaRPr lang="en-US" sz="1400" dirty="0">
+              <a:latin typeface="Consolas" panose="020B0609020204030204" pitchFamily="49" charset="0"/>
+            </a:endParaRPr>
+          </a:p>
+          <a:p>
+            <a:r>
+              <a:rPr lang="en-US" b="1" dirty="0">
+                <a:solidFill>
+                  <a:srgbClr val="FF0000"/>
+                </a:solidFill>
+                <a:latin typeface="Consolas" panose="020B0609020204030204" pitchFamily="49" charset="0"/>
+              </a:rPr>
+              <a:t>Problem:</a:t>
+            </a:r>
+          </a:p>
+          <a:p>
+            <a:pPr marL="285750" indent="-285750">
               <a:buFont typeface="Arial" panose="020B0604020202020204" pitchFamily="34" charset="0"/>
               <a:buChar char="•"/>
             </a:pPr>
@@ -6882,14 +3777,11 @@
               <a:rPr lang="en-US" sz="1400" dirty="0">
                 <a:latin typeface="Consolas" panose="020B0609020204030204" pitchFamily="49" charset="0"/>
               </a:rPr>
-              <a:t> Most sensitive magnetic sensor in the world</a:t>
-            </a:r>
-          </a:p>
-          <a:p>
-            <a:pPr>
-              <a:lnSpc>
-                <a:spcPct val="150000"/>
-              </a:lnSpc>
+              <a:t>Almost no hospitals use MCG — devices are rare, expensive, and datasets are tiny.</a:t>
+            </a:r>
+          </a:p>
+          <a:p>
+            <a:pPr marL="285750" indent="-285750">
               <a:buFont typeface="Arial" panose="020B0604020202020204" pitchFamily="34" charset="0"/>
               <a:buChar char="•"/>
             </a:pPr>
@@ -6897,79 +3789,17 @@
               <a:rPr lang="en-US" sz="1400" dirty="0">
                 <a:latin typeface="Consolas" panose="020B0609020204030204" pitchFamily="49" charset="0"/>
               </a:rPr>
-              <a:t> Detects magnetic fields produced by the heart</a:t>
-            </a:r>
-          </a:p>
-          <a:p>
-            <a:pPr>
-              <a:lnSpc>
-                <a:spcPct val="150000"/>
-              </a:lnSpc>
-              <a:buFont typeface="Arial" panose="020B0604020202020204" pitchFamily="34" charset="0"/>
-              <a:buChar char="•"/>
-            </a:pPr>
-            <a:r>
-              <a:rPr lang="en-US" sz="1400" dirty="0">
-                <a:latin typeface="Consolas" panose="020B0609020204030204" pitchFamily="49" charset="0"/>
-              </a:rPr>
-              <a:t> Unlike ECG, magnetic fields </a:t>
-            </a:r>
-            <a:r>
-              <a:rPr lang="en-US" sz="1400" b="1" dirty="0">
-                <a:latin typeface="Consolas" panose="020B0609020204030204" pitchFamily="49" charset="0"/>
-              </a:rPr>
-              <a:t>aren’t distorted</a:t>
-            </a:r>
-            <a:r>
-              <a:rPr lang="en-US" sz="1400" dirty="0">
-                <a:latin typeface="Consolas" panose="020B0609020204030204" pitchFamily="49" charset="0"/>
-              </a:rPr>
-              <a:t> by body tissues</a:t>
-            </a:r>
-          </a:p>
-          <a:p>
-            <a:pPr>
-              <a:lnSpc>
-                <a:spcPct val="150000"/>
-              </a:lnSpc>
-              <a:buFont typeface="Arial" panose="020B0604020202020204" pitchFamily="34" charset="0"/>
-              <a:buChar char="•"/>
-            </a:pPr>
-            <a:r>
-              <a:rPr lang="en-US" sz="1400" dirty="0">
-                <a:latin typeface="Consolas" panose="020B0609020204030204" pitchFamily="49" charset="0"/>
-              </a:rPr>
-              <a:t> Can reveal cardiac abnormalities that ECG may miss</a:t>
-            </a:r>
-          </a:p>
-          <a:p>
-            <a:pPr>
-              <a:lnSpc>
-                <a:spcPct val="150000"/>
-              </a:lnSpc>
-              <a:buFont typeface="Arial" panose="020B0604020202020204" pitchFamily="34" charset="0"/>
-              <a:buChar char="•"/>
-            </a:pPr>
-            <a:r>
-              <a:rPr lang="en-US" sz="1400" dirty="0">
-                <a:latin typeface="Consolas" panose="020B0609020204030204" pitchFamily="49" charset="0"/>
-              </a:rPr>
-              <a:t> Used today mainly in research centers (rare &amp; expensive)</a:t>
-            </a:r>
-          </a:p>
-          <a:p>
-            <a:endParaRPr lang="en-US" sz="1800" b="1" dirty="0">
-              <a:latin typeface="Consolas" panose="020B0609020204030204" pitchFamily="49" charset="0"/>
-            </a:endParaRPr>
+              <a:t>This makes AI or deep-learning on MCG nearly impossible.</a:t>
+            </a:r>
           </a:p>
         </p:txBody>
       </p:sp>
       <p:pic>
         <p:nvPicPr>
-          <p:cNvPr id="6" name="Picture 5">
+          <p:cNvPr id="4" name="Picture 3">
             <a:extLst>
               <a:ext uri="{FF2B5EF4-FFF2-40B4-BE49-F238E27FC236}">
-                <a16:creationId xmlns:a16="http://schemas.microsoft.com/office/drawing/2014/main" id="{2E81EF98-C079-68CE-6A84-46191F530600}"/>
+                <a16:creationId xmlns:a16="http://schemas.microsoft.com/office/drawing/2014/main" id="{FD7A3276-0765-1061-4FAE-368E1FE5A0EC}"/>
               </a:ext>
             </a:extLst>
           </p:cNvPr>
@@ -6986,96 +3816,18 @@
         </p:blipFill>
         <p:spPr>
           <a:xfrm>
-            <a:off x="2466380" y="3635144"/>
-            <a:ext cx="4434207" cy="2968585"/>
+            <a:off x="2682404" y="4021998"/>
+            <a:ext cx="4867115" cy="2422930"/>
           </a:xfrm>
           <a:prstGeom prst="rect">
             <a:avLst/>
           </a:prstGeom>
         </p:spPr>
       </p:pic>
-      <p:sp>
-        <p:nvSpPr>
-          <p:cNvPr id="9" name="TextBox 8">
-            <a:extLst>
-              <a:ext uri="{FF2B5EF4-FFF2-40B4-BE49-F238E27FC236}">
-                <a16:creationId xmlns:a16="http://schemas.microsoft.com/office/drawing/2014/main" id="{D1E6A2B5-883D-204D-B34C-5ADF678BF60A}"/>
-              </a:ext>
-            </a:extLst>
-          </p:cNvPr>
-          <p:cNvSpPr txBox="1"/>
-          <p:nvPr/>
-        </p:nvSpPr>
-        <p:spPr>
-          <a:xfrm>
-            <a:off x="75455" y="6881697"/>
-            <a:ext cx="9289032" cy="553998"/>
-          </a:xfrm>
-          <a:prstGeom prst="rect">
-            <a:avLst/>
-          </a:prstGeom>
-          <a:noFill/>
-        </p:spPr>
-        <p:txBody>
-          <a:bodyPr wrap="square" rtlCol="0">
-            <a:spAutoFit/>
-          </a:bodyPr>
-          <a:lstStyle/>
-          <a:p>
-            <a:pPr marL="285750" indent="-285750">
-              <a:buFont typeface="Arial" panose="020B0604020202020204" pitchFamily="34" charset="0"/>
-              <a:buChar char="•"/>
-            </a:pPr>
-            <a:r>
-              <a:rPr lang="en-US" sz="1000" b="1" i="1" dirty="0" err="1">
-                <a:effectLst/>
-                <a:latin typeface="Consolas" panose="020B0609020204030204" pitchFamily="49" charset="0"/>
-              </a:rPr>
-              <a:t>Fenici</a:t>
-            </a:r>
-            <a:r>
-              <a:rPr lang="en-US" sz="1000" b="1" i="1" dirty="0">
-                <a:effectLst/>
-                <a:latin typeface="Consolas" panose="020B0609020204030204" pitchFamily="49" charset="0"/>
-              </a:rPr>
-              <a:t> et al., European Heart Journal, 2020</a:t>
-            </a:r>
-          </a:p>
-          <a:p>
-            <a:pPr marL="285750" indent="-285750">
-              <a:buFont typeface="Arial" panose="020B0604020202020204" pitchFamily="34" charset="0"/>
-              <a:buChar char="•"/>
-            </a:pPr>
-            <a:r>
-              <a:rPr lang="en-US" sz="1000" b="1" i="1" dirty="0">
-                <a:effectLst/>
-                <a:latin typeface="Consolas" panose="020B0609020204030204" pitchFamily="49" charset="0"/>
-              </a:rPr>
-              <a:t>Park et al., Sensors, 2020</a:t>
-            </a:r>
-          </a:p>
-          <a:p>
-            <a:pPr marL="285750" indent="-285750">
-              <a:buFont typeface="Arial" panose="020B0604020202020204" pitchFamily="34" charset="0"/>
-              <a:buChar char="•"/>
-            </a:pPr>
-            <a:r>
-              <a:rPr lang="en-US" sz="1000" b="1" i="1" dirty="0">
-                <a:effectLst/>
-                <a:latin typeface="Consolas" panose="020B0609020204030204" pitchFamily="49" charset="0"/>
-              </a:rPr>
-              <a:t>Koch et al., Biomedical Engineering Online, 2011</a:t>
-            </a:r>
-            <a:endParaRPr lang="en-US" sz="1000" b="1" i="1" dirty="0">
-              <a:latin typeface="Consolas" panose="020B0609020204030204" pitchFamily="49" charset="0"/>
-            </a:endParaRPr>
-          </a:p>
-        </p:txBody>
-      </p:sp>
     </p:spTree>
     <p:extLst>
       <p:ext uri="{BB962C8B-B14F-4D97-AF65-F5344CB8AC3E}">
-        <p14:creationId xmlns:p14="http://schemas.microsoft.com/office/powerpoint/2010/main" val="2734378528"/>
+        <p14:creationId xmlns:p14="http://schemas.microsoft.com/office/powerpoint/2010/main" val="778882857"/>
       </p:ext>
     </p:extLst>
   </p:cSld>
@@ -7317,7 +4069,7 @@
                 <a:latin typeface="Caladea"/>
                 <a:ea typeface="HY견고딕" pitchFamily="18" charset="-127"/>
               </a:rPr>
-              <a:t>Why MCG matters (Clinical motivation)</a:t>
+              <a:t>The Current Gap</a:t>
             </a:r>
           </a:p>
         </p:txBody>
@@ -7381,8 +4133,8 @@
         </p:nvSpPr>
         <p:spPr>
           <a:xfrm>
-            <a:off x="127255" y="1116335"/>
-            <a:ext cx="9289032" cy="2616101"/>
+            <a:off x="127254" y="1116335"/>
+            <a:ext cx="10375645" cy="5816977"/>
           </a:xfrm>
           <a:prstGeom prst="rect">
             <a:avLst/>
@@ -7397,10 +4149,20 @@
           <a:p>
             <a:r>
               <a:rPr lang="en-US" sz="1800" b="1" dirty="0">
+                <a:solidFill>
+                  <a:srgbClr val="FF0000"/>
+                </a:solidFill>
                 <a:effectLst/>
                 <a:latin typeface="Consolas" panose="020B0609020204030204" pitchFamily="49" charset="0"/>
               </a:rPr>
-              <a:t>MCG can detect:</a:t>
+              <a:t>Gap 1 </a:t>
+            </a:r>
+            <a:r>
+              <a:rPr lang="en-US" sz="1800" b="1" dirty="0">
+                <a:effectLst/>
+                <a:latin typeface="Consolas" panose="020B0609020204030204" pitchFamily="49" charset="0"/>
+              </a:rPr>
+              <a:t>— MCG Technology Is Underutilized in Clinical Practice</a:t>
             </a:r>
           </a:p>
           <a:p>
@@ -7410,9 +4172,10 @@
             </a:pPr>
             <a:r>
               <a:rPr lang="en-US" sz="1400" dirty="0">
-                <a:latin typeface="Consolas" panose="020B0609020204030204" pitchFamily="49" charset="0"/>
-              </a:rPr>
-              <a:t>Ischemia earlier than ECG</a:t>
+                <a:effectLst/>
+                <a:latin typeface="Consolas" panose="020B0609020204030204" pitchFamily="49" charset="0"/>
+              </a:rPr>
+              <a:t>SQUID-MCG can detect ischemia, fetal arrhythmia, and subtle conduction delays</a:t>
             </a:r>
           </a:p>
           <a:p>
@@ -7422,9 +4185,58 @@
             </a:pPr>
             <a:r>
               <a:rPr lang="en-US" sz="1400" dirty="0">
-                <a:latin typeface="Consolas" panose="020B0609020204030204" pitchFamily="49" charset="0"/>
-              </a:rPr>
-              <a:t>Conduction abnormalities</a:t>
+                <a:effectLst/>
+                <a:latin typeface="Consolas" panose="020B0609020204030204" pitchFamily="49" charset="0"/>
+              </a:rPr>
+              <a:t>But MCG is rare, expensive(</a:t>
+            </a:r>
+            <a:r>
+              <a:rPr lang="en-US" sz="1400" b="1" i="1" dirty="0">
+                <a:solidFill>
+                  <a:srgbClr val="FFC000"/>
+                </a:solidFill>
+                <a:effectLst/>
+                <a:latin typeface="Consolas" panose="020B0609020204030204" pitchFamily="49" charset="0"/>
+              </a:rPr>
+              <a:t>cost $1M+</a:t>
+            </a:r>
+            <a:r>
+              <a:rPr lang="en-US" sz="1400" dirty="0">
+                <a:effectLst/>
+                <a:latin typeface="Consolas" panose="020B0609020204030204" pitchFamily="49" charset="0"/>
+              </a:rPr>
+              <a:t>), and only available in research centers</a:t>
+            </a:r>
+          </a:p>
+          <a:p>
+            <a:endParaRPr lang="en-US" sz="1400" b="1" dirty="0">
+              <a:effectLst/>
+              <a:latin typeface="Consolas" panose="020B0609020204030204" pitchFamily="49" charset="0"/>
+            </a:endParaRPr>
+          </a:p>
+          <a:p>
+            <a:endParaRPr lang="en-US" sz="1400" b="1" dirty="0">
+              <a:effectLst/>
+              <a:latin typeface="Consolas" panose="020B0609020204030204" pitchFamily="49" charset="0"/>
+            </a:endParaRPr>
+          </a:p>
+          <a:p>
+            <a:r>
+              <a:rPr lang="en-US" sz="1800" b="1" dirty="0">
+                <a:solidFill>
+                  <a:srgbClr val="FF0000"/>
+                </a:solidFill>
+                <a:effectLst/>
+                <a:latin typeface="Consolas" panose="020B0609020204030204" pitchFamily="49" charset="0"/>
+              </a:rPr>
+              <a:t>Gap 2 </a:t>
+            </a:r>
+            <a:r>
+              <a:rPr lang="en-US" sz="1800" b="1" dirty="0">
+                <a:effectLst/>
+                <a:latin typeface="Consolas" panose="020B0609020204030204" pitchFamily="49" charset="0"/>
+              </a:rPr>
+              <a:t>— ECG Alone Cannot Capture Everything</a:t>
             </a:r>
           </a:p>
           <a:p>
@@ -7434,9 +4246,10 @@
             </a:pPr>
             <a:r>
               <a:rPr lang="en-US" sz="1400" dirty="0">
-                <a:latin typeface="Consolas" panose="020B0609020204030204" pitchFamily="49" charset="0"/>
-              </a:rPr>
-              <a:t>Fetal arrhythmias (when ECG is unreliable)</a:t>
+                <a:effectLst/>
+                <a:latin typeface="Consolas" panose="020B0609020204030204" pitchFamily="49" charset="0"/>
+              </a:rPr>
+              <a:t>ECG signals get distorted by tissue, muscle, fat</a:t>
             </a:r>
           </a:p>
           <a:p>
@@ -7446,9 +4259,10 @@
             </a:pPr>
             <a:r>
               <a:rPr lang="en-US" sz="1400" dirty="0">
-                <a:latin typeface="Consolas" panose="020B0609020204030204" pitchFamily="49" charset="0"/>
-              </a:rPr>
-              <a:t>Subtle repolarization changes</a:t>
+                <a:effectLst/>
+                <a:latin typeface="Consolas" panose="020B0609020204030204" pitchFamily="49" charset="0"/>
+              </a:rPr>
+              <a:t>MCG is cleaner, but too rare</a:t>
             </a:r>
           </a:p>
           <a:p>
@@ -7458,34 +4272,57 @@
             </a:pPr>
             <a:r>
               <a:rPr lang="en-US" sz="1400" dirty="0">
-                <a:latin typeface="Consolas" panose="020B0609020204030204" pitchFamily="49" charset="0"/>
-              </a:rPr>
-              <a:t>Spatial current distribution of the heart</a:t>
-            </a:r>
+                <a:effectLst/>
+                <a:latin typeface="Consolas" panose="020B0609020204030204" pitchFamily="49" charset="0"/>
+              </a:rPr>
+              <a:t>Clinicians lack a unified view combining both modalities</a:t>
+            </a:r>
+          </a:p>
+          <a:p>
+            <a:endParaRPr lang="en-US" sz="1400" dirty="0">
+              <a:effectLst/>
+              <a:latin typeface="Consolas" panose="020B0609020204030204" pitchFamily="49" charset="0"/>
+            </a:endParaRPr>
+          </a:p>
+          <a:p>
+            <a:endParaRPr lang="en-US" sz="1400" dirty="0">
+              <a:effectLst/>
+              <a:latin typeface="Consolas" panose="020B0609020204030204" pitchFamily="49" charset="0"/>
+            </a:endParaRPr>
+          </a:p>
+          <a:p>
+            <a:r>
+              <a:rPr lang="en-US" sz="1800" b="1" dirty="0">
+                <a:solidFill>
+                  <a:srgbClr val="FF0000"/>
+                </a:solidFill>
+                <a:effectLst/>
+                <a:latin typeface="Consolas" panose="020B0609020204030204" pitchFamily="49" charset="0"/>
+              </a:rPr>
+              <a:t>Gap 3 </a:t>
+            </a:r>
+            <a:r>
+              <a:rPr lang="en-US" sz="1800" b="1" dirty="0">
+                <a:effectLst/>
+                <a:latin typeface="Consolas" panose="020B0609020204030204" pitchFamily="49" charset="0"/>
+              </a:rPr>
+              <a:t>— There Are Almost No MCG Datasets for AI</a:t>
+            </a:r>
+            <a:endParaRPr lang="en-US" sz="1400" dirty="0">
+              <a:latin typeface="Consolas" panose="020B0609020204030204" pitchFamily="49" charset="0"/>
+            </a:endParaRPr>
           </a:p>
           <a:p>
             <a:pPr marL="285750" indent="-285750">
               <a:buFont typeface="Arial" panose="020B0604020202020204" pitchFamily="34" charset="0"/>
               <a:buChar char="•"/>
             </a:pPr>
-            <a:endParaRPr lang="en-US" sz="1400" dirty="0">
-              <a:latin typeface="Consolas" panose="020B0609020204030204" pitchFamily="49" charset="0"/>
-            </a:endParaRPr>
-          </a:p>
-          <a:p>
-            <a:endParaRPr lang="en-US" sz="1400" dirty="0">
-              <a:latin typeface="Consolas" panose="020B0609020204030204" pitchFamily="49" charset="0"/>
-            </a:endParaRPr>
-          </a:p>
-          <a:p>
-            <a:r>
-              <a:rPr lang="en-US" b="1" dirty="0">
-                <a:solidFill>
-                  <a:srgbClr val="FF0000"/>
-                </a:solidFill>
-                <a:latin typeface="Consolas" panose="020B0609020204030204" pitchFamily="49" charset="0"/>
-              </a:rPr>
-              <a:t>Problem:</a:t>
+            <a:r>
+              <a:rPr lang="en-US" sz="1400" dirty="0">
+                <a:effectLst/>
+                <a:latin typeface="Consolas" panose="020B0609020204030204" pitchFamily="49" charset="0"/>
+              </a:rPr>
+              <a:t>Only one open-access dataset contains real SQUID-MCG: Koch et al. (2011)</a:t>
             </a:r>
           </a:p>
           <a:p>
@@ -7497,7 +4334,7 @@
               <a:rPr lang="en-US" sz="1400" dirty="0">
                 <a:latin typeface="Consolas" panose="020B0609020204030204" pitchFamily="49" charset="0"/>
               </a:rPr>
-              <a:t>Almost no hospitals use MCG — devices are rare, expensive, and datasets are tiny.</a:t>
+              <a:t>It is extremely small (127 beats)</a:t>
             </a:r>
           </a:p>
           <a:p>
@@ -7509,45 +4346,110 @@
               <a:rPr lang="en-US" sz="1400" dirty="0">
                 <a:latin typeface="Consolas" panose="020B0609020204030204" pitchFamily="49" charset="0"/>
               </a:rPr>
-              <a:t>This makes AI or deep-learning on MCG nearly impossible.</a:t>
+              <a:t>Makes modern AI training impossible without new methods</a:t>
+            </a:r>
+          </a:p>
+          <a:p>
+            <a:endParaRPr lang="en-US" sz="1400" dirty="0">
+              <a:latin typeface="Consolas" panose="020B0609020204030204" pitchFamily="49" charset="0"/>
+            </a:endParaRPr>
+          </a:p>
+          <a:p>
+            <a:endParaRPr lang="en-US" sz="1400" dirty="0">
+              <a:latin typeface="Consolas" panose="020B0609020204030204" pitchFamily="49" charset="0"/>
+            </a:endParaRPr>
+          </a:p>
+          <a:p>
+            <a:r>
+              <a:rPr lang="en-US" sz="1800" b="1" dirty="0">
+                <a:solidFill>
+                  <a:srgbClr val="FF0000"/>
+                </a:solidFill>
+                <a:effectLst/>
+                <a:latin typeface="Consolas" panose="020B0609020204030204" pitchFamily="49" charset="0"/>
+              </a:rPr>
+              <a:t>Gap 4 </a:t>
+            </a:r>
+            <a:r>
+              <a:rPr lang="en-US" sz="1800" b="1" dirty="0">
+                <a:effectLst/>
+                <a:latin typeface="Consolas" panose="020B0609020204030204" pitchFamily="49" charset="0"/>
+              </a:rPr>
+              <a:t>— No way to help hospitals without SQUID machines</a:t>
+            </a:r>
+          </a:p>
+          <a:p>
+            <a:pPr marL="285750" indent="-285750">
+              <a:buFont typeface="Arial" panose="020B0604020202020204" pitchFamily="34" charset="0"/>
+              <a:buChar char="•"/>
+            </a:pPr>
+            <a:r>
+              <a:rPr lang="en-US" sz="1400" dirty="0">
+                <a:latin typeface="Consolas" panose="020B0609020204030204" pitchFamily="49" charset="0"/>
+              </a:rPr>
+              <a:t>If we could use ECG to approximate MCG</a:t>
+            </a:r>
+          </a:p>
+          <a:p>
+            <a:pPr marL="285750" indent="-285750">
+              <a:buFont typeface="Arial" panose="020B0604020202020204" pitchFamily="34" charset="0"/>
+              <a:buChar char="•"/>
+            </a:pPr>
+            <a:r>
+              <a:rPr lang="en-US" sz="1400" dirty="0">
+                <a:latin typeface="Consolas" panose="020B0609020204030204" pitchFamily="49" charset="0"/>
+              </a:rPr>
+              <a:t>Many hospitals could benefit from MCG insights</a:t>
+            </a:r>
+          </a:p>
+          <a:p>
+            <a:pPr marL="285750" indent="-285750">
+              <a:buFont typeface="Arial" panose="020B0604020202020204" pitchFamily="34" charset="0"/>
+              <a:buChar char="•"/>
+            </a:pPr>
+            <a:r>
+              <a:rPr lang="en-US" sz="1400" dirty="0">
+                <a:effectLst/>
+                <a:latin typeface="Consolas" panose="020B0609020204030204" pitchFamily="49" charset="0"/>
+              </a:rPr>
+              <a:t>But no such system exists today</a:t>
+            </a:r>
+          </a:p>
+          <a:p>
+            <a:endParaRPr lang="en-US" sz="1400" dirty="0">
+              <a:latin typeface="Consolas" panose="020B0609020204030204" pitchFamily="49" charset="0"/>
+            </a:endParaRPr>
+          </a:p>
+          <a:p>
+            <a:endParaRPr lang="en-US" sz="1400" dirty="0">
+              <a:latin typeface="Consolas" panose="020B0609020204030204" pitchFamily="49" charset="0"/>
+            </a:endParaRPr>
+          </a:p>
+          <a:p>
+            <a:r>
+              <a:rPr lang="en-US" b="1" dirty="0">
+                <a:solidFill>
+                  <a:srgbClr val="00B050"/>
+                </a:solidFill>
+                <a:latin typeface="Consolas" panose="020B0609020204030204" pitchFamily="49" charset="0"/>
+              </a:rPr>
+              <a:t>Probable Solution</a:t>
+            </a:r>
+          </a:p>
+          <a:p>
+            <a:r>
+              <a:rPr lang="en-US" sz="1400" dirty="0">
+                <a:latin typeface="Consolas" panose="020B0609020204030204" pitchFamily="49" charset="0"/>
+              </a:rPr>
+              <a:t>We need a way to learn MCG representations without needing thousands of MCG recordings.</a:t>
             </a:r>
           </a:p>
         </p:txBody>
       </p:sp>
-      <p:pic>
-        <p:nvPicPr>
-          <p:cNvPr id="4" name="Picture 3">
-            <a:extLst>
-              <a:ext uri="{FF2B5EF4-FFF2-40B4-BE49-F238E27FC236}">
-                <a16:creationId xmlns:a16="http://schemas.microsoft.com/office/drawing/2014/main" id="{FD7A3276-0765-1061-4FAE-368E1FE5A0EC}"/>
-              </a:ext>
-            </a:extLst>
-          </p:cNvPr>
-          <p:cNvPicPr>
-            <a:picLocks noChangeAspect="1"/>
-          </p:cNvPicPr>
-          <p:nvPr/>
-        </p:nvPicPr>
-        <p:blipFill>
-          <a:blip r:embed="rId4"/>
-          <a:stretch>
-            <a:fillRect/>
-          </a:stretch>
-        </p:blipFill>
-        <p:spPr>
-          <a:xfrm>
-            <a:off x="2682404" y="4021998"/>
-            <a:ext cx="4867115" cy="2422930"/>
-          </a:xfrm>
-          <a:prstGeom prst="rect">
-            <a:avLst/>
-          </a:prstGeom>
-        </p:spPr>
-      </p:pic>
     </p:spTree>
     <p:extLst>
       <p:ext uri="{BB962C8B-B14F-4D97-AF65-F5344CB8AC3E}">
-        <p14:creationId xmlns:p14="http://schemas.microsoft.com/office/powerpoint/2010/main" val="778882857"/>
+        <p14:creationId xmlns:p14="http://schemas.microsoft.com/office/powerpoint/2010/main" val="2283926626"/>
       </p:ext>
     </p:extLst>
   </p:cSld>
@@ -7789,7 +4691,7 @@
                 <a:latin typeface="Caladea"/>
                 <a:ea typeface="HY견고딕" pitchFamily="18" charset="-127"/>
               </a:rPr>
-              <a:t>The Current Gap</a:t>
+              <a:t>Core Research Idea</a:t>
             </a:r>
           </a:p>
         </p:txBody>
@@ -7854,7 +4756,7 @@
         <p:spPr>
           <a:xfrm>
             <a:off x="127254" y="1116335"/>
-            <a:ext cx="10375645" cy="5816977"/>
+            <a:ext cx="10375645" cy="6001643"/>
           </a:xfrm>
           <a:prstGeom prst="rect">
             <a:avLst/>
@@ -7868,21 +4770,20 @@
           <a:lstStyle/>
           <a:p>
             <a:r>
-              <a:rPr lang="en-US" sz="1800" b="1" dirty="0">
-                <a:solidFill>
-                  <a:srgbClr val="FF0000"/>
-                </a:solidFill>
+              <a:rPr lang="en-US" sz="1600" b="1" dirty="0">
                 <a:effectLst/>
                 <a:latin typeface="Consolas" panose="020B0609020204030204" pitchFamily="49" charset="0"/>
               </a:rPr>
-              <a:t>Gap 1 </a:t>
-            </a:r>
-            <a:r>
-              <a:rPr lang="en-US" sz="1800" b="1" dirty="0">
+              <a:t>ECG and MCG measure the same heart activity, but each sees a DIFFERENT part of </a:t>
+            </a:r>
+          </a:p>
+          <a:p>
+            <a:r>
+              <a:rPr lang="en-US" sz="1600" b="1" dirty="0">
                 <a:effectLst/>
                 <a:latin typeface="Consolas" panose="020B0609020204030204" pitchFamily="49" charset="0"/>
               </a:rPr>
-              <a:t>— MCG Technology Is Underutilized in Clinical Practice</a:t>
+              <a:t>the truth.</a:t>
             </a:r>
           </a:p>
           <a:p>
@@ -7895,7 +4796,7 @@
                 <a:effectLst/>
                 <a:latin typeface="Consolas" panose="020B0609020204030204" pitchFamily="49" charset="0"/>
               </a:rPr>
-              <a:t>SQUID-MCG can detect ischemia, fetal arrhythmia, and subtle conduction delays</a:t>
+              <a:t>ECG beat → vector (electrical potential ON the skin)</a:t>
             </a:r>
           </a:p>
           <a:p>
@@ -7908,24 +4809,20 @@
                 <a:effectLst/>
                 <a:latin typeface="Consolas" panose="020B0609020204030204" pitchFamily="49" charset="0"/>
               </a:rPr>
-              <a:t>But MCG is rare, expensive(</a:t>
-            </a:r>
-            <a:r>
-              <a:rPr lang="en-US" sz="1400" b="1" i="1" dirty="0">
-                <a:solidFill>
-                  <a:srgbClr val="FFC000"/>
-                </a:solidFill>
-                <a:effectLst/>
-                <a:latin typeface="Consolas" panose="020B0609020204030204" pitchFamily="49" charset="0"/>
-              </a:rPr>
-              <a:t>cost $1M+</a:t>
-            </a:r>
+              <a:t>MCG beat → vector (magnetic field generated by the SAME currents INSIDE the heart)</a:t>
+            </a:r>
+          </a:p>
+          <a:p>
+            <a:pPr marL="285750" indent="-285750">
+              <a:buFont typeface="Arial" panose="020B0604020202020204" pitchFamily="34" charset="0"/>
+              <a:buChar char="•"/>
+            </a:pPr>
             <a:r>
               <a:rPr lang="en-US" sz="1400" dirty="0">
                 <a:effectLst/>
                 <a:latin typeface="Consolas" panose="020B0609020204030204" pitchFamily="49" charset="0"/>
               </a:rPr>
-              <a:t>), and only available in research centers</a:t>
+              <a:t>Both vectors are close if they come from the same heartbeat.</a:t>
             </a:r>
           </a:p>
           <a:p>
@@ -7935,67 +4832,65 @@
             </a:endParaRPr>
           </a:p>
           <a:p>
-            <a:endParaRPr lang="en-US" sz="1400" b="1" dirty="0">
-              <a:effectLst/>
+            <a:r>
+              <a:rPr lang="en-US" sz="1800" b="1" dirty="0">
+                <a:latin typeface="Consolas" panose="020B0609020204030204" pitchFamily="49" charset="0"/>
+              </a:rPr>
+              <a:t>Simple Word: </a:t>
+            </a:r>
+          </a:p>
+          <a:p>
+            <a:r>
+              <a:rPr lang="en-US" sz="1600" b="1" dirty="0">
+                <a:latin typeface="Consolas" panose="020B0609020204030204" pitchFamily="49" charset="0"/>
+              </a:rPr>
+              <a:t>ECG and MCG are like two cameras taking a picture of the same object from different angles.</a:t>
+            </a:r>
+          </a:p>
+          <a:p>
+            <a:endParaRPr lang="en-US" sz="1800" b="1" dirty="0">
               <a:latin typeface="Consolas" panose="020B0609020204030204" pitchFamily="49" charset="0"/>
             </a:endParaRPr>
           </a:p>
           <a:p>
             <a:r>
-              <a:rPr lang="en-US" sz="1800" b="1" dirty="0">
-                <a:solidFill>
-                  <a:srgbClr val="FF0000"/>
-                </a:solidFill>
-                <a:effectLst/>
-                <a:latin typeface="Consolas" panose="020B0609020204030204" pitchFamily="49" charset="0"/>
-              </a:rPr>
-              <a:t>Gap 2 </a:t>
-            </a:r>
-            <a:r>
-              <a:rPr lang="en-US" sz="1800" b="1" dirty="0">
-                <a:effectLst/>
-                <a:latin typeface="Consolas" panose="020B0609020204030204" pitchFamily="49" charset="0"/>
-              </a:rPr>
-              <a:t>— ECG Alone Cannot Capture Everything</a:t>
-            </a:r>
-          </a:p>
-          <a:p>
-            <a:pPr marL="285750" indent="-285750">
-              <a:buFont typeface="Arial" panose="020B0604020202020204" pitchFamily="34" charset="0"/>
-              <a:buChar char="•"/>
-            </a:pPr>
-            <a:r>
               <a:rPr lang="en-US" sz="1400" dirty="0">
                 <a:effectLst/>
                 <a:latin typeface="Consolas" panose="020B0609020204030204" pitchFamily="49" charset="0"/>
               </a:rPr>
-              <a:t>ECG signals get distorted by tissue, muscle, fat</a:t>
-            </a:r>
-          </a:p>
-          <a:p>
-            <a:pPr marL="285750" indent="-285750">
-              <a:buFont typeface="Arial" panose="020B0604020202020204" pitchFamily="34" charset="0"/>
-              <a:buChar char="•"/>
-            </a:pPr>
+              <a:t>→ Both capture the heartbeat.</a:t>
+            </a:r>
+          </a:p>
+          <a:p>
             <a:r>
               <a:rPr lang="en-US" sz="1400" dirty="0">
                 <a:effectLst/>
                 <a:latin typeface="Consolas" panose="020B0609020204030204" pitchFamily="49" charset="0"/>
               </a:rPr>
-              <a:t>MCG is cleaner, but too rare</a:t>
-            </a:r>
-          </a:p>
-          <a:p>
-            <a:pPr marL="285750" indent="-285750">
-              <a:buFont typeface="Arial" panose="020B0604020202020204" pitchFamily="34" charset="0"/>
-              <a:buChar char="•"/>
-            </a:pPr>
+              <a:t>→ Both look at the same depolarization/repolarization.</a:t>
+            </a:r>
+          </a:p>
+          <a:p>
             <a:r>
               <a:rPr lang="en-US" sz="1400" dirty="0">
                 <a:effectLst/>
                 <a:latin typeface="Consolas" panose="020B0609020204030204" pitchFamily="49" charset="0"/>
               </a:rPr>
-              <a:t>Clinicians lack a unified view combining both modalities</a:t>
+              <a:t>→ Both detect conduction abnormalities.</a:t>
+            </a:r>
+          </a:p>
+          <a:p>
+            <a:endParaRPr lang="en-US" sz="1400" dirty="0">
+              <a:latin typeface="Consolas" panose="020B0609020204030204" pitchFamily="49" charset="0"/>
+            </a:endParaRPr>
+          </a:p>
+          <a:p>
+            <a:r>
+              <a:rPr lang="en-US" sz="1400" dirty="0">
+                <a:effectLst/>
+                <a:latin typeface="Consolas" panose="020B0609020204030204" pitchFamily="49" charset="0"/>
+              </a:rPr>
+              <a:t>BUT they see different distortions and different hidden details.</a:t>
             </a:r>
           </a:p>
           <a:p>
@@ -8012,156 +4907,117 @@
           </a:p>
           <a:p>
             <a:r>
-              <a:rPr lang="en-US" sz="1800" b="1" dirty="0">
-                <a:solidFill>
-                  <a:srgbClr val="FF0000"/>
+              <a:rPr lang="en-US" sz="1400" b="1" dirty="0">
+                <a:solidFill>
+                  <a:srgbClr val="FB7405"/>
                 </a:solidFill>
                 <a:effectLst/>
                 <a:latin typeface="Consolas" panose="020B0609020204030204" pitchFamily="49" charset="0"/>
               </a:rPr>
-              <a:t>Gap 3 </a:t>
-            </a:r>
-            <a:r>
-              <a:rPr lang="en-US" sz="1800" b="1" dirty="0">
+              <a:t>ECG → foundational cardiac patterns</a:t>
+            </a:r>
+          </a:p>
+          <a:p>
+            <a:r>
+              <a:rPr lang="en-US" sz="1400" b="1" dirty="0">
+                <a:solidFill>
+                  <a:srgbClr val="FB7405"/>
+                </a:solidFill>
                 <a:effectLst/>
                 <a:latin typeface="Consolas" panose="020B0609020204030204" pitchFamily="49" charset="0"/>
               </a:rPr>
-              <a:t>— There Are Almost No MCG Datasets for AI</a:t>
-            </a:r>
+              <a:t>MCG → rare, high-value complementary info</a:t>
+            </a:r>
+          </a:p>
+          <a:p>
             <a:endParaRPr lang="en-US" sz="1400" dirty="0">
               <a:latin typeface="Consolas" panose="020B0609020204030204" pitchFamily="49" charset="0"/>
             </a:endParaRPr>
           </a:p>
           <a:p>
-            <a:pPr marL="285750" indent="-285750">
-              <a:buFont typeface="Arial" panose="020B0604020202020204" pitchFamily="34" charset="0"/>
-              <a:buChar char="•"/>
-            </a:pPr>
-            <a:r>
-              <a:rPr lang="en-US" sz="1400" dirty="0">
-                <a:effectLst/>
-                <a:latin typeface="Consolas" panose="020B0609020204030204" pitchFamily="49" charset="0"/>
-              </a:rPr>
-              <a:t>Only one open-access dataset contains real SQUID-MCG: Koch et al. (2011)</a:t>
-            </a:r>
-          </a:p>
-          <a:p>
-            <a:pPr marL="285750" indent="-285750">
-              <a:buFont typeface="Arial" panose="020B0604020202020204" pitchFamily="34" charset="0"/>
-              <a:buChar char="•"/>
-            </a:pPr>
-            <a:r>
-              <a:rPr lang="en-US" sz="1400" dirty="0">
-                <a:latin typeface="Consolas" panose="020B0609020204030204" pitchFamily="49" charset="0"/>
-              </a:rPr>
-              <a:t>It is extremely small (127 beats)</a:t>
-            </a:r>
-          </a:p>
-          <a:p>
-            <a:pPr marL="285750" indent="-285750">
-              <a:buFont typeface="Arial" panose="020B0604020202020204" pitchFamily="34" charset="0"/>
-              <a:buChar char="•"/>
-            </a:pPr>
-            <a:r>
-              <a:rPr lang="en-US" sz="1400" dirty="0">
-                <a:latin typeface="Consolas" panose="020B0609020204030204" pitchFamily="49" charset="0"/>
-              </a:rPr>
-              <a:t>Makes modern AI training impossible without new methods</a:t>
-            </a:r>
-          </a:p>
-          <a:p>
-            <a:endParaRPr lang="en-US" sz="1400" dirty="0">
+            <a:r>
+              <a:rPr lang="en-US" b="1" dirty="0">
+                <a:solidFill>
+                  <a:srgbClr val="00B050"/>
+                </a:solidFill>
+                <a:latin typeface="Consolas" panose="020B0609020204030204" pitchFamily="49" charset="0"/>
+              </a:rPr>
+              <a:t>Core Research Idea</a:t>
+            </a:r>
+          </a:p>
+          <a:p>
+            <a:r>
+              <a:rPr lang="en-US" sz="1400" b="1" dirty="0">
+                <a:solidFill>
+                  <a:schemeClr val="bg1">
+                    <a:lumMod val="50000"/>
+                  </a:schemeClr>
+                </a:solidFill>
+                <a:latin typeface="Consolas" panose="020B0609020204030204" pitchFamily="49" charset="0"/>
+              </a:rPr>
+              <a:t>This study proposed: A model connects electrical and magnetic views of the same heartbeat to provide a more complete cardiac understanding.</a:t>
+            </a:r>
+          </a:p>
+          <a:p>
+            <a:endParaRPr lang="en-US" sz="1400" b="1" dirty="0">
+              <a:solidFill>
+                <a:schemeClr val="bg1">
+                  <a:lumMod val="50000"/>
+                </a:schemeClr>
+              </a:solidFill>
               <a:latin typeface="Consolas" panose="020B0609020204030204" pitchFamily="49" charset="0"/>
             </a:endParaRPr>
           </a:p>
           <a:p>
-            <a:endParaRPr lang="en-US" sz="1400" dirty="0">
-              <a:latin typeface="Consolas" panose="020B0609020204030204" pitchFamily="49" charset="0"/>
-            </a:endParaRPr>
-          </a:p>
-          <a:p>
-            <a:r>
-              <a:rPr lang="en-US" sz="1800" b="1" dirty="0">
-                <a:solidFill>
-                  <a:srgbClr val="FF0000"/>
-                </a:solidFill>
-                <a:effectLst/>
-                <a:latin typeface="Consolas" panose="020B0609020204030204" pitchFamily="49" charset="0"/>
-              </a:rPr>
-              <a:t>Gap 4 </a:t>
-            </a:r>
-            <a:r>
-              <a:rPr lang="en-US" sz="1800" b="1" dirty="0">
-                <a:effectLst/>
-                <a:latin typeface="Consolas" panose="020B0609020204030204" pitchFamily="49" charset="0"/>
-              </a:rPr>
-              <a:t>— No way to help hospitals without SQUID machines</a:t>
-            </a:r>
-          </a:p>
-          <a:p>
-            <a:pPr marL="285750" indent="-285750">
-              <a:buFont typeface="Arial" panose="020B0604020202020204" pitchFamily="34" charset="0"/>
-              <a:buChar char="•"/>
-            </a:pPr>
-            <a:r>
-              <a:rPr lang="en-US" sz="1400" dirty="0">
-                <a:latin typeface="Consolas" panose="020B0609020204030204" pitchFamily="49" charset="0"/>
-              </a:rPr>
-              <a:t>If we could use ECG to approximate MCG</a:t>
-            </a:r>
-          </a:p>
-          <a:p>
-            <a:pPr marL="285750" indent="-285750">
-              <a:buFont typeface="Arial" panose="020B0604020202020204" pitchFamily="34" charset="0"/>
-              <a:buChar char="•"/>
-            </a:pPr>
-            <a:r>
-              <a:rPr lang="en-US" sz="1400" dirty="0">
-                <a:latin typeface="Consolas" panose="020B0609020204030204" pitchFamily="49" charset="0"/>
-              </a:rPr>
-              <a:t>Many hospitals could benefit from MCG insights</a:t>
-            </a:r>
-          </a:p>
-          <a:p>
-            <a:pPr marL="285750" indent="-285750">
-              <a:buFont typeface="Arial" panose="020B0604020202020204" pitchFamily="34" charset="0"/>
-              <a:buChar char="•"/>
-            </a:pPr>
-            <a:r>
-              <a:rPr lang="en-US" sz="1400" dirty="0">
-                <a:effectLst/>
-                <a:latin typeface="Consolas" panose="020B0609020204030204" pitchFamily="49" charset="0"/>
-              </a:rPr>
-              <a:t>But no such system exists today</a:t>
-            </a:r>
-          </a:p>
-          <a:p>
-            <a:endParaRPr lang="en-US" sz="1400" dirty="0">
-              <a:latin typeface="Consolas" panose="020B0609020204030204" pitchFamily="49" charset="0"/>
-            </a:endParaRPr>
-          </a:p>
-          <a:p>
-            <a:endParaRPr lang="en-US" sz="1400" dirty="0">
-              <a:latin typeface="Consolas" panose="020B0609020204030204" pitchFamily="49" charset="0"/>
-            </a:endParaRPr>
-          </a:p>
-          <a:p>
-            <a:r>
-              <a:rPr lang="en-US" b="1" dirty="0">
-                <a:solidFill>
-                  <a:srgbClr val="00B050"/>
-                </a:solidFill>
-                <a:latin typeface="Consolas" panose="020B0609020204030204" pitchFamily="49" charset="0"/>
-              </a:rPr>
-              <a:t>Probable Solution</a:t>
-            </a:r>
-          </a:p>
-          <a:p>
-            <a:r>
-              <a:rPr lang="en-US" sz="1400" dirty="0">
-                <a:latin typeface="Consolas" panose="020B0609020204030204" pitchFamily="49" charset="0"/>
-              </a:rPr>
-              <a:t>We need a way to learn MCG representations without needing thousands of MCG recordings.</a:t>
+            <a:r>
+              <a:rPr lang="en-US" sz="1400" b="1" dirty="0">
+                <a:solidFill>
+                  <a:schemeClr val="bg1">
+                    <a:lumMod val="50000"/>
+                  </a:schemeClr>
+                </a:solidFill>
+                <a:latin typeface="Consolas" panose="020B0609020204030204" pitchFamily="49" charset="0"/>
+              </a:rPr>
+              <a:t>The input to the trained model can be either an ECG alone, an MCG alone, or both — because the model </a:t>
+            </a:r>
+          </a:p>
+          <a:p>
+            <a:r>
+              <a:rPr lang="en-US" sz="1400" b="1" dirty="0">
+                <a:solidFill>
+                  <a:schemeClr val="bg1">
+                    <a:lumMod val="50000"/>
+                  </a:schemeClr>
+                </a:solidFill>
+                <a:latin typeface="Consolas" panose="020B0609020204030204" pitchFamily="49" charset="0"/>
+              </a:rPr>
+              <a:t>learns a shared representation for both modalities. </a:t>
+            </a:r>
+            <a:r>
+              <a:rPr lang="en-US" sz="1400" b="1" dirty="0">
+                <a:solidFill>
+                  <a:schemeClr val="tx1">
+                    <a:lumMod val="85000"/>
+                    <a:lumOff val="15000"/>
+                  </a:schemeClr>
+                </a:solidFill>
+                <a:latin typeface="Consolas" panose="020B0609020204030204" pitchFamily="49" charset="0"/>
+              </a:rPr>
+              <a:t>A shared latent heartbeat representation for </a:t>
+            </a:r>
+          </a:p>
+          <a:p>
+            <a:r>
+              <a:rPr lang="en-US" sz="1400" b="1" dirty="0">
+                <a:solidFill>
+                  <a:schemeClr val="tx1">
+                    <a:lumMod val="85000"/>
+                    <a:lumOff val="15000"/>
+                  </a:schemeClr>
+                </a:solidFill>
+                <a:latin typeface="Consolas" panose="020B0609020204030204" pitchFamily="49" charset="0"/>
+              </a:rPr>
+              <a:t>clinical use.</a:t>
             </a:r>
           </a:p>
         </p:txBody>
@@ -8169,7 +5025,7 @@
     </p:spTree>
     <p:extLst>
       <p:ext uri="{BB962C8B-B14F-4D97-AF65-F5344CB8AC3E}">
-        <p14:creationId xmlns:p14="http://schemas.microsoft.com/office/powerpoint/2010/main" val="2283926626"/>
+        <p14:creationId xmlns:p14="http://schemas.microsoft.com/office/powerpoint/2010/main" val="3378557550"/>
       </p:ext>
     </p:extLst>
   </p:cSld>
@@ -8404,555 +5260,6 @@
               </a:lnSpc>
             </a:pPr>
             <a:r>
-              <a:rPr lang="en-US" altLang="ko-KR" sz="2400" dirty="0">
-                <a:solidFill>
-                  <a:schemeClr val="accent6"/>
-                </a:solidFill>
-                <a:latin typeface="Caladea"/>
-                <a:ea typeface="HY견고딕" pitchFamily="18" charset="-127"/>
-              </a:rPr>
-              <a:t>Core Research Idea</a:t>
-            </a:r>
-          </a:p>
-        </p:txBody>
-      </p:sp>
-      <p:sp>
-        <p:nvSpPr>
-          <p:cNvPr id="15" name="AutoShape 4" descr="Output image">
-            <a:extLst>
-              <a:ext uri="{FF2B5EF4-FFF2-40B4-BE49-F238E27FC236}">
-                <a16:creationId xmlns:a16="http://schemas.microsoft.com/office/drawing/2014/main" id="{6D6FBE01-F851-694A-905C-7E34796C12B4}"/>
-              </a:ext>
-            </a:extLst>
-          </p:cNvPr>
-          <p:cNvSpPr>
-            <a:spLocks noChangeAspect="1" noChangeArrowheads="1"/>
-          </p:cNvSpPr>
-          <p:nvPr/>
-        </p:nvSpPr>
-        <p:spPr bwMode="auto">
-          <a:xfrm>
-            <a:off x="190500" y="152400"/>
-            <a:ext cx="10617200" cy="7561263"/>
-          </a:xfrm>
-          <a:prstGeom prst="rect">
-            <a:avLst/>
-          </a:prstGeom>
-          <a:noFill/>
-          <a:extLst>
-            <a:ext uri="{909E8E84-426E-40DD-AFC4-6F175D3DCCD1}">
-              <a14:hiddenFill xmlns:a14="http://schemas.microsoft.com/office/drawing/2010/main">
-                <a:solidFill>
-                  <a:srgbClr val="FFFFFF"/>
-                </a:solidFill>
-              </a14:hiddenFill>
-            </a:ext>
-          </a:extLst>
-        </p:spPr>
-        <p:txBody>
-          <a:bodyPr vert="horz" wrap="square" lIns="91440" tIns="45720" rIns="91440" bIns="45720" numCol="1" anchor="t" anchorCtr="0" compatLnSpc="1">
-            <a:prstTxWarp prst="textNoShape">
-              <a:avLst/>
-            </a:prstTxWarp>
-          </a:bodyPr>
-          <a:lstStyle/>
-          <a:p>
-            <a:endParaRPr lang="en-US"/>
-          </a:p>
-        </p:txBody>
-      </p:sp>
-      <p:sp>
-        <p:nvSpPr>
-          <p:cNvPr id="3" name="TextBox 2">
-            <a:extLst>
-              <a:ext uri="{FF2B5EF4-FFF2-40B4-BE49-F238E27FC236}">
-                <a16:creationId xmlns:a16="http://schemas.microsoft.com/office/drawing/2014/main" id="{9549DB49-C6F4-46E1-AED7-9F0C551C557C}"/>
-              </a:ext>
-            </a:extLst>
-          </p:cNvPr>
-          <p:cNvSpPr txBox="1"/>
-          <p:nvPr/>
-        </p:nvSpPr>
-        <p:spPr>
-          <a:xfrm>
-            <a:off x="127254" y="1116335"/>
-            <a:ext cx="10375645" cy="6001643"/>
-          </a:xfrm>
-          <a:prstGeom prst="rect">
-            <a:avLst/>
-          </a:prstGeom>
-          <a:noFill/>
-        </p:spPr>
-        <p:txBody>
-          <a:bodyPr wrap="square" rtlCol="0">
-            <a:spAutoFit/>
-          </a:bodyPr>
-          <a:lstStyle/>
-          <a:p>
-            <a:r>
-              <a:rPr lang="en-US" sz="1600" b="1" dirty="0">
-                <a:effectLst/>
-                <a:latin typeface="Consolas" panose="020B0609020204030204" pitchFamily="49" charset="0"/>
-              </a:rPr>
-              <a:t>ECG and MCG measure the same heart activity, but each sees a DIFFERENT part of </a:t>
-            </a:r>
-          </a:p>
-          <a:p>
-            <a:r>
-              <a:rPr lang="en-US" sz="1600" b="1" dirty="0">
-                <a:effectLst/>
-                <a:latin typeface="Consolas" panose="020B0609020204030204" pitchFamily="49" charset="0"/>
-              </a:rPr>
-              <a:t>the truth.</a:t>
-            </a:r>
-          </a:p>
-          <a:p>
-            <a:pPr marL="285750" indent="-285750">
-              <a:buFont typeface="Arial" panose="020B0604020202020204" pitchFamily="34" charset="0"/>
-              <a:buChar char="•"/>
-            </a:pPr>
-            <a:r>
-              <a:rPr lang="en-US" sz="1400" dirty="0">
-                <a:effectLst/>
-                <a:latin typeface="Consolas" panose="020B0609020204030204" pitchFamily="49" charset="0"/>
-              </a:rPr>
-              <a:t>ECG beat → vector (electrical potential ON the skin)</a:t>
-            </a:r>
-          </a:p>
-          <a:p>
-            <a:pPr marL="285750" indent="-285750">
-              <a:buFont typeface="Arial" panose="020B0604020202020204" pitchFamily="34" charset="0"/>
-              <a:buChar char="•"/>
-            </a:pPr>
-            <a:r>
-              <a:rPr lang="en-US" sz="1400" dirty="0">
-                <a:effectLst/>
-                <a:latin typeface="Consolas" panose="020B0609020204030204" pitchFamily="49" charset="0"/>
-              </a:rPr>
-              <a:t>MCG beat → vector (magnetic field generated by the SAME currents INSIDE the heart)</a:t>
-            </a:r>
-          </a:p>
-          <a:p>
-            <a:pPr marL="285750" indent="-285750">
-              <a:buFont typeface="Arial" panose="020B0604020202020204" pitchFamily="34" charset="0"/>
-              <a:buChar char="•"/>
-            </a:pPr>
-            <a:r>
-              <a:rPr lang="en-US" sz="1400" dirty="0">
-                <a:effectLst/>
-                <a:latin typeface="Consolas" panose="020B0609020204030204" pitchFamily="49" charset="0"/>
-              </a:rPr>
-              <a:t>Both vectors are close if they come from the same heartbeat.</a:t>
-            </a:r>
-          </a:p>
-          <a:p>
-            <a:endParaRPr lang="en-US" sz="1400" b="1" dirty="0">
-              <a:effectLst/>
-              <a:latin typeface="Consolas" panose="020B0609020204030204" pitchFamily="49" charset="0"/>
-            </a:endParaRPr>
-          </a:p>
-          <a:p>
-            <a:r>
-              <a:rPr lang="en-US" sz="1800" b="1" dirty="0">
-                <a:latin typeface="Consolas" panose="020B0609020204030204" pitchFamily="49" charset="0"/>
-              </a:rPr>
-              <a:t>Simple Word: </a:t>
-            </a:r>
-          </a:p>
-          <a:p>
-            <a:r>
-              <a:rPr lang="en-US" sz="1600" b="1" dirty="0">
-                <a:latin typeface="Consolas" panose="020B0609020204030204" pitchFamily="49" charset="0"/>
-              </a:rPr>
-              <a:t>ECG and MCG are like two cameras taking a picture of the same object from different angles.</a:t>
-            </a:r>
-          </a:p>
-          <a:p>
-            <a:endParaRPr lang="en-US" sz="1800" b="1" dirty="0">
-              <a:latin typeface="Consolas" panose="020B0609020204030204" pitchFamily="49" charset="0"/>
-            </a:endParaRPr>
-          </a:p>
-          <a:p>
-            <a:r>
-              <a:rPr lang="en-US" sz="1400" dirty="0">
-                <a:effectLst/>
-                <a:latin typeface="Consolas" panose="020B0609020204030204" pitchFamily="49" charset="0"/>
-              </a:rPr>
-              <a:t>→ Both capture the heartbeat.</a:t>
-            </a:r>
-          </a:p>
-          <a:p>
-            <a:r>
-              <a:rPr lang="en-US" sz="1400" dirty="0">
-                <a:effectLst/>
-                <a:latin typeface="Consolas" panose="020B0609020204030204" pitchFamily="49" charset="0"/>
-              </a:rPr>
-              <a:t>→ Both look at the same depolarization/repolarization.</a:t>
-            </a:r>
-          </a:p>
-          <a:p>
-            <a:r>
-              <a:rPr lang="en-US" sz="1400" dirty="0">
-                <a:effectLst/>
-                <a:latin typeface="Consolas" panose="020B0609020204030204" pitchFamily="49" charset="0"/>
-              </a:rPr>
-              <a:t>→ Both detect conduction abnormalities.</a:t>
-            </a:r>
-          </a:p>
-          <a:p>
-            <a:endParaRPr lang="en-US" sz="1400" dirty="0">
-              <a:latin typeface="Consolas" panose="020B0609020204030204" pitchFamily="49" charset="0"/>
-            </a:endParaRPr>
-          </a:p>
-          <a:p>
-            <a:r>
-              <a:rPr lang="en-US" sz="1400" dirty="0">
-                <a:effectLst/>
-                <a:latin typeface="Consolas" panose="020B0609020204030204" pitchFamily="49" charset="0"/>
-              </a:rPr>
-              <a:t>BUT they see different distortions and different hidden details.</a:t>
-            </a:r>
-          </a:p>
-          <a:p>
-            <a:endParaRPr lang="en-US" sz="1400" dirty="0">
-              <a:effectLst/>
-              <a:latin typeface="Consolas" panose="020B0609020204030204" pitchFamily="49" charset="0"/>
-            </a:endParaRPr>
-          </a:p>
-          <a:p>
-            <a:endParaRPr lang="en-US" sz="1400" dirty="0">
-              <a:effectLst/>
-              <a:latin typeface="Consolas" panose="020B0609020204030204" pitchFamily="49" charset="0"/>
-            </a:endParaRPr>
-          </a:p>
-          <a:p>
-            <a:r>
-              <a:rPr lang="en-US" sz="1400" b="1" dirty="0">
-                <a:solidFill>
-                  <a:srgbClr val="FB7405"/>
-                </a:solidFill>
-                <a:effectLst/>
-                <a:latin typeface="Consolas" panose="020B0609020204030204" pitchFamily="49" charset="0"/>
-              </a:rPr>
-              <a:t>ECG → foundational cardiac patterns</a:t>
-            </a:r>
-          </a:p>
-          <a:p>
-            <a:r>
-              <a:rPr lang="en-US" sz="1400" b="1" dirty="0">
-                <a:solidFill>
-                  <a:srgbClr val="FB7405"/>
-                </a:solidFill>
-                <a:effectLst/>
-                <a:latin typeface="Consolas" panose="020B0609020204030204" pitchFamily="49" charset="0"/>
-              </a:rPr>
-              <a:t>MCG → rare, high-value complementary info</a:t>
-            </a:r>
-          </a:p>
-          <a:p>
-            <a:endParaRPr lang="en-US" sz="1400" dirty="0">
-              <a:latin typeface="Consolas" panose="020B0609020204030204" pitchFamily="49" charset="0"/>
-            </a:endParaRPr>
-          </a:p>
-          <a:p>
-            <a:r>
-              <a:rPr lang="en-US" b="1" dirty="0">
-                <a:solidFill>
-                  <a:srgbClr val="00B050"/>
-                </a:solidFill>
-                <a:latin typeface="Consolas" panose="020B0609020204030204" pitchFamily="49" charset="0"/>
-              </a:rPr>
-              <a:t>Core Research Idea</a:t>
-            </a:r>
-          </a:p>
-          <a:p>
-            <a:r>
-              <a:rPr lang="en-US" sz="1400" b="1" dirty="0">
-                <a:solidFill>
-                  <a:schemeClr val="bg1">
-                    <a:lumMod val="50000"/>
-                  </a:schemeClr>
-                </a:solidFill>
-                <a:latin typeface="Consolas" panose="020B0609020204030204" pitchFamily="49" charset="0"/>
-              </a:rPr>
-              <a:t>This study proposed: A model connects electrical and magnetic views of the same heartbeat to provide a more complete cardiac understanding.</a:t>
-            </a:r>
-          </a:p>
-          <a:p>
-            <a:endParaRPr lang="en-US" sz="1400" b="1" dirty="0">
-              <a:solidFill>
-                <a:schemeClr val="bg1">
-                  <a:lumMod val="50000"/>
-                </a:schemeClr>
-              </a:solidFill>
-              <a:latin typeface="Consolas" panose="020B0609020204030204" pitchFamily="49" charset="0"/>
-            </a:endParaRPr>
-          </a:p>
-          <a:p>
-            <a:r>
-              <a:rPr lang="en-US" sz="1400" b="1" dirty="0">
-                <a:solidFill>
-                  <a:schemeClr val="bg1">
-                    <a:lumMod val="50000"/>
-                  </a:schemeClr>
-                </a:solidFill>
-                <a:latin typeface="Consolas" panose="020B0609020204030204" pitchFamily="49" charset="0"/>
-              </a:rPr>
-              <a:t>The input to the trained model can be either an ECG alone, an MCG alone, or both — because the model learns a shared representation for both modalities. </a:t>
-            </a:r>
-            <a:r>
-              <a:rPr lang="en-US" sz="1400" b="1" dirty="0">
-                <a:solidFill>
-                  <a:schemeClr val="tx1">
-                    <a:lumMod val="85000"/>
-                    <a:lumOff val="15000"/>
-                  </a:schemeClr>
-                </a:solidFill>
-                <a:latin typeface="Consolas" panose="020B0609020204030204" pitchFamily="49" charset="0"/>
-              </a:rPr>
-              <a:t>A shared latent heartbeat representation for clinical use.</a:t>
-            </a:r>
-          </a:p>
-        </p:txBody>
-      </p:sp>
-    </p:spTree>
-    <p:extLst>
-      <p:ext uri="{BB962C8B-B14F-4D97-AF65-F5344CB8AC3E}">
-        <p14:creationId xmlns:p14="http://schemas.microsoft.com/office/powerpoint/2010/main" val="3378557550"/>
-      </p:ext>
-    </p:extLst>
-  </p:cSld>
-  <p:clrMapOvr>
-    <a:masterClrMapping/>
-  </p:clrMapOvr>
-</p:sld>
-</file>
-
-<file path=ppt/slides/slide7.xml><?xml version="1.0" encoding="utf-8"?>
-<p:sld xmlns:a="http://schemas.openxmlformats.org/drawingml/2006/main" xmlns:r="http://schemas.openxmlformats.org/officeDocument/2006/relationships" xmlns:p="http://schemas.openxmlformats.org/presentationml/2006/main">
-  <p:cSld>
-    <p:spTree>
-      <p:nvGrpSpPr>
-        <p:cNvPr id="1" name="">
-          <a:extLst>
-            <a:ext uri="{FF2B5EF4-FFF2-40B4-BE49-F238E27FC236}">
-              <a16:creationId xmlns:a16="http://schemas.microsoft.com/office/drawing/2014/main" id="{E871697D-9580-B24A-F1FC-3CF451DEE104}"/>
-            </a:ext>
-          </a:extLst>
-        </p:cNvPr>
-        <p:cNvGrpSpPr/>
-        <p:nvPr/>
-      </p:nvGrpSpPr>
-      <p:grpSpPr>
-        <a:xfrm>
-          <a:off x="0" y="0"/>
-          <a:ext cx="0" cy="0"/>
-          <a:chOff x="0" y="0"/>
-          <a:chExt cx="0" cy="0"/>
-        </a:xfrm>
-      </p:grpSpPr>
-      <p:pic>
-        <p:nvPicPr>
-          <p:cNvPr id="7" name="Picture 6">
-            <a:extLst>
-              <a:ext uri="{FF2B5EF4-FFF2-40B4-BE49-F238E27FC236}">
-                <a16:creationId xmlns:a16="http://schemas.microsoft.com/office/drawing/2014/main" id="{D7945CC2-28F9-4A66-91B1-DC51417A1360}"/>
-              </a:ext>
-            </a:extLst>
-          </p:cNvPr>
-          <p:cNvPicPr>
-            <a:picLocks noChangeAspect="1"/>
-          </p:cNvPicPr>
-          <p:nvPr/>
-        </p:nvPicPr>
-        <p:blipFill>
-          <a:blip r:embed="rId3">
-            <a:extLst>
-              <a:ext uri="{28A0092B-C50C-407E-A947-70E740481C1C}">
-                <a14:useLocalDpi xmlns:a14="http://schemas.microsoft.com/office/drawing/2010/main" val="0"/>
-              </a:ext>
-            </a:extLst>
-          </a:blip>
-          <a:stretch>
-            <a:fillRect/>
-          </a:stretch>
-        </p:blipFill>
-        <p:spPr>
-          <a:xfrm>
-            <a:off x="9372917" y="-107801"/>
-            <a:ext cx="1571625" cy="747713"/>
-          </a:xfrm>
-          <a:prstGeom prst="rect">
-            <a:avLst/>
-          </a:prstGeom>
-        </p:spPr>
-      </p:pic>
-      <p:sp>
-        <p:nvSpPr>
-          <p:cNvPr id="64" name="슬라이드 번호 개체 틀 2">
-            <a:extLst>
-              <a:ext uri="{FF2B5EF4-FFF2-40B4-BE49-F238E27FC236}">
-                <a16:creationId xmlns:a16="http://schemas.microsoft.com/office/drawing/2014/main" id="{E24F6677-9527-B590-58C4-88BA25798912}"/>
-              </a:ext>
-            </a:extLst>
-          </p:cNvPr>
-          <p:cNvSpPr txBox="1">
-            <a:spLocks/>
-          </p:cNvSpPr>
-          <p:nvPr/>
-        </p:nvSpPr>
-        <p:spPr>
-          <a:xfrm>
-            <a:off x="7986997" y="7158696"/>
-            <a:ext cx="2495127" cy="402567"/>
-          </a:xfrm>
-          <a:prstGeom prst="rect">
-            <a:avLst/>
-          </a:prstGeom>
-        </p:spPr>
-        <p:txBody>
-          <a:bodyPr vert="horz" lIns="99569" tIns="49785" rIns="99569" bIns="49785" rtlCol="0" anchor="ctr"/>
-          <a:lstStyle>
-            <a:defPPr>
-              <a:defRPr lang="ko-KR"/>
-            </a:defPPr>
-            <a:lvl1pPr marL="0" algn="r" defTabSz="995690" rtl="0" eaLnBrk="1" latinLnBrk="1" hangingPunct="1">
-              <a:defRPr sz="1300" kern="1200">
-                <a:solidFill>
-                  <a:schemeClr val="tx1">
-                    <a:tint val="75000"/>
-                  </a:schemeClr>
-                </a:solidFill>
-                <a:latin typeface="+mn-lt"/>
-                <a:ea typeface="+mn-ea"/>
-                <a:cs typeface="+mn-cs"/>
-              </a:defRPr>
-            </a:lvl1pPr>
-            <a:lvl2pPr marL="497845" algn="l" defTabSz="995690" rtl="0" eaLnBrk="1" latinLnBrk="1" hangingPunct="1">
-              <a:defRPr sz="2000" kern="1200">
-                <a:solidFill>
-                  <a:schemeClr val="tx1"/>
-                </a:solidFill>
-                <a:latin typeface="+mn-lt"/>
-                <a:ea typeface="+mn-ea"/>
-                <a:cs typeface="+mn-cs"/>
-              </a:defRPr>
-            </a:lvl2pPr>
-            <a:lvl3pPr marL="995690" algn="l" defTabSz="995690" rtl="0" eaLnBrk="1" latinLnBrk="1" hangingPunct="1">
-              <a:defRPr sz="2000" kern="1200">
-                <a:solidFill>
-                  <a:schemeClr val="tx1"/>
-                </a:solidFill>
-                <a:latin typeface="+mn-lt"/>
-                <a:ea typeface="+mn-ea"/>
-                <a:cs typeface="+mn-cs"/>
-              </a:defRPr>
-            </a:lvl3pPr>
-            <a:lvl4pPr marL="1493535" algn="l" defTabSz="995690" rtl="0" eaLnBrk="1" latinLnBrk="1" hangingPunct="1">
-              <a:defRPr sz="2000" kern="1200">
-                <a:solidFill>
-                  <a:schemeClr val="tx1"/>
-                </a:solidFill>
-                <a:latin typeface="+mn-lt"/>
-                <a:ea typeface="+mn-ea"/>
-                <a:cs typeface="+mn-cs"/>
-              </a:defRPr>
-            </a:lvl4pPr>
-            <a:lvl5pPr marL="1991380" algn="l" defTabSz="995690" rtl="0" eaLnBrk="1" latinLnBrk="1" hangingPunct="1">
-              <a:defRPr sz="2000" kern="1200">
-                <a:solidFill>
-                  <a:schemeClr val="tx1"/>
-                </a:solidFill>
-                <a:latin typeface="+mn-lt"/>
-                <a:ea typeface="+mn-ea"/>
-                <a:cs typeface="+mn-cs"/>
-              </a:defRPr>
-            </a:lvl5pPr>
-            <a:lvl6pPr marL="2489225" algn="l" defTabSz="995690" rtl="0" eaLnBrk="1" latinLnBrk="1" hangingPunct="1">
-              <a:defRPr sz="2000" kern="1200">
-                <a:solidFill>
-                  <a:schemeClr val="tx1"/>
-                </a:solidFill>
-                <a:latin typeface="+mn-lt"/>
-                <a:ea typeface="+mn-ea"/>
-                <a:cs typeface="+mn-cs"/>
-              </a:defRPr>
-            </a:lvl6pPr>
-            <a:lvl7pPr marL="2987070" algn="l" defTabSz="995690" rtl="0" eaLnBrk="1" latinLnBrk="1" hangingPunct="1">
-              <a:defRPr sz="2000" kern="1200">
-                <a:solidFill>
-                  <a:schemeClr val="tx1"/>
-                </a:solidFill>
-                <a:latin typeface="+mn-lt"/>
-                <a:ea typeface="+mn-ea"/>
-                <a:cs typeface="+mn-cs"/>
-              </a:defRPr>
-            </a:lvl7pPr>
-            <a:lvl8pPr marL="3484916" algn="l" defTabSz="995690" rtl="0" eaLnBrk="1" latinLnBrk="1" hangingPunct="1">
-              <a:defRPr sz="2000" kern="1200">
-                <a:solidFill>
-                  <a:schemeClr val="tx1"/>
-                </a:solidFill>
-                <a:latin typeface="+mn-lt"/>
-                <a:ea typeface="+mn-ea"/>
-                <a:cs typeface="+mn-cs"/>
-              </a:defRPr>
-            </a:lvl8pPr>
-            <a:lvl9pPr marL="3982761" algn="l" defTabSz="995690" rtl="0" eaLnBrk="1" latinLnBrk="1" hangingPunct="1">
-              <a:defRPr sz="2000" kern="1200">
-                <a:solidFill>
-                  <a:schemeClr val="tx1"/>
-                </a:solidFill>
-                <a:latin typeface="+mn-lt"/>
-                <a:ea typeface="+mn-ea"/>
-                <a:cs typeface="+mn-cs"/>
-              </a:defRPr>
-            </a:lvl9pPr>
-          </a:lstStyle>
-          <a:p>
-            <a:fld id="{1B597EC8-03FB-421D-BA76-5865596B8B77}" type="slidenum">
-              <a:rPr lang="ko-KR" altLang="en-US" smtClean="0"/>
-              <a:pPr/>
-              <a:t>6</a:t>
-            </a:fld>
-            <a:endParaRPr lang="ko-KR" altLang="en-US" dirty="0"/>
-          </a:p>
-        </p:txBody>
-      </p:sp>
-      <p:sp>
-        <p:nvSpPr>
-          <p:cNvPr id="2" name="TextBox 1">
-            <a:extLst>
-              <a:ext uri="{FF2B5EF4-FFF2-40B4-BE49-F238E27FC236}">
-                <a16:creationId xmlns:a16="http://schemas.microsoft.com/office/drawing/2014/main" id="{E03D9315-840B-297E-6DF5-E7088C14CDC7}"/>
-              </a:ext>
-            </a:extLst>
-          </p:cNvPr>
-          <p:cNvSpPr txBox="1"/>
-          <p:nvPr/>
-        </p:nvSpPr>
-        <p:spPr>
-          <a:xfrm>
-            <a:off x="162124" y="115965"/>
-            <a:ext cx="8327848" cy="589072"/>
-          </a:xfrm>
-          <a:prstGeom prst="rect">
-            <a:avLst/>
-          </a:prstGeom>
-          <a:noFill/>
-        </p:spPr>
-        <p:txBody>
-          <a:bodyPr wrap="square" rtlCol="0">
-            <a:spAutoFit/>
-          </a:bodyPr>
-          <a:lstStyle/>
-          <a:p>
-            <a:pPr>
-              <a:lnSpc>
-                <a:spcPct val="150000"/>
-              </a:lnSpc>
-            </a:pPr>
-            <a:r>
               <a:rPr lang="en-US" altLang="ko-KR" sz="2400">
                 <a:solidFill>
                   <a:schemeClr val="accent6"/>
@@ -9291,7 +5598,7 @@
 </p:sld>
 </file>
 
-<file path=ppt/slides/slide8.xml><?xml version="1.0" encoding="utf-8"?>
+<file path=ppt/slides/slide7.xml><?xml version="1.0" encoding="utf-8"?>
 <p:sld xmlns:a="http://schemas.openxmlformats.org/drawingml/2006/main" xmlns:r="http://schemas.openxmlformats.org/officeDocument/2006/relationships" xmlns:p="http://schemas.openxmlformats.org/presentationml/2006/main">
   <p:cSld>
     <p:spTree>
@@ -9596,7 +5903,7 @@
             <a:fld id="{1B597EC8-03FB-421D-BA76-5865596B8B77}" type="slidenum">
               <a:rPr lang="ko-KR" altLang="en-US" smtClean="0"/>
               <a:pPr/>
-              <a:t>7</a:t>
+              <a:t>6</a:t>
             </a:fld>
             <a:endParaRPr lang="ko-KR" altLang="en-US" dirty="0"/>
           </a:p>
@@ -12792,7 +9099,7 @@
 </p:sld>
 </file>
 
-<file path=ppt/slides/slide9.xml><?xml version="1.0" encoding="utf-8"?>
+<file path=ppt/slides/slide8.xml><?xml version="1.0" encoding="utf-8"?>
 <p:sld xmlns:a="http://schemas.openxmlformats.org/drawingml/2006/main" xmlns:r="http://schemas.openxmlformats.org/officeDocument/2006/relationships" xmlns:p="http://schemas.openxmlformats.org/presentationml/2006/main">
   <p:cSld>
     <p:spTree>
@@ -12815,126 +9122,6 @@
           <a:chExt cx="0" cy="0"/>
         </a:xfrm>
       </p:grpSpPr>
-      <p:sp>
-        <p:nvSpPr>
-          <p:cNvPr id="50" name="Rectangle: Rounded Corners 49">
-            <a:extLst>
-              <a:ext uri="{FF2B5EF4-FFF2-40B4-BE49-F238E27FC236}">
-                <a16:creationId xmlns:a16="http://schemas.microsoft.com/office/drawing/2014/main" id="{16DF1C86-8335-4B3A-143C-78ED6E500F6D}"/>
-              </a:ext>
-            </a:extLst>
-          </p:cNvPr>
-          <p:cNvSpPr/>
-          <p:nvPr/>
-        </p:nvSpPr>
-        <p:spPr>
-          <a:xfrm>
-            <a:off x="190500" y="3380585"/>
-            <a:ext cx="1586809" cy="2704302"/>
-          </a:xfrm>
-          <a:prstGeom prst="roundRect">
-            <a:avLst/>
-          </a:prstGeom>
-          <a:ln>
-            <a:prstDash val="dashDot"/>
-          </a:ln>
-        </p:spPr>
-        <p:style>
-          <a:lnRef idx="2">
-            <a:schemeClr val="accent6"/>
-          </a:lnRef>
-          <a:fillRef idx="1">
-            <a:schemeClr val="lt1"/>
-          </a:fillRef>
-          <a:effectRef idx="0">
-            <a:schemeClr val="accent6"/>
-          </a:effectRef>
-          <a:fontRef idx="minor">
-            <a:schemeClr val="dk1"/>
-          </a:fontRef>
-        </p:style>
-        <p:txBody>
-          <a:bodyPr rtlCol="0" anchor="ctr"/>
-          <a:lstStyle/>
-          <a:p>
-            <a:pPr algn="ctr"/>
-            <a:r>
-              <a:rPr lang="en-US" b="1" dirty="0">
-                <a:solidFill>
-                  <a:schemeClr val="tx2">
-                    <a:lumMod val="60000"/>
-                    <a:lumOff val="40000"/>
-                  </a:schemeClr>
-                </a:solidFill>
-              </a:rPr>
-              <a:t>INPUT</a:t>
-            </a:r>
-          </a:p>
-          <a:p>
-            <a:pPr algn="ctr"/>
-            <a:endParaRPr lang="en-US" b="1" dirty="0">
-              <a:solidFill>
-                <a:schemeClr val="tx2">
-                  <a:lumMod val="60000"/>
-                  <a:lumOff val="40000"/>
-                </a:schemeClr>
-              </a:solidFill>
-            </a:endParaRPr>
-          </a:p>
-        </p:txBody>
-      </p:sp>
-      <p:sp>
-        <p:nvSpPr>
-          <p:cNvPr id="21" name="Rectangle: Rounded Corners 20">
-            <a:extLst>
-              <a:ext uri="{FF2B5EF4-FFF2-40B4-BE49-F238E27FC236}">
-                <a16:creationId xmlns:a16="http://schemas.microsoft.com/office/drawing/2014/main" id="{5494CD2E-ED7D-1DA7-90CB-2296AD1B159D}"/>
-              </a:ext>
-            </a:extLst>
-          </p:cNvPr>
-          <p:cNvSpPr/>
-          <p:nvPr/>
-        </p:nvSpPr>
-        <p:spPr>
-          <a:xfrm>
-            <a:off x="5227857" y="4788743"/>
-            <a:ext cx="2495107" cy="1152128"/>
-          </a:xfrm>
-          <a:prstGeom prst="roundRect">
-            <a:avLst/>
-          </a:prstGeom>
-          <a:solidFill>
-            <a:schemeClr val="accent6">
-              <a:lumMod val="60000"/>
-              <a:lumOff val="40000"/>
-            </a:schemeClr>
-          </a:solidFill>
-        </p:spPr>
-        <p:style>
-          <a:lnRef idx="2">
-            <a:schemeClr val="accent1">
-              <a:shade val="15000"/>
-            </a:schemeClr>
-          </a:lnRef>
-          <a:fillRef idx="1">
-            <a:schemeClr val="accent1"/>
-          </a:fillRef>
-          <a:effectRef idx="0">
-            <a:schemeClr val="accent1"/>
-          </a:effectRef>
-          <a:fontRef idx="minor">
-            <a:schemeClr val="lt1"/>
-          </a:fontRef>
-        </p:style>
-        <p:txBody>
-          <a:bodyPr rtlCol="0" anchor="ctr"/>
-          <a:lstStyle/>
-          <a:p>
-            <a:pPr algn="ctr"/>
-            <a:endParaRPr lang="en-US"/>
-          </a:p>
-        </p:txBody>
-      </p:sp>
       <p:pic>
         <p:nvPicPr>
           <p:cNvPr id="7" name="Picture 6">
@@ -13097,7 +9284,7 @@
             <a:fld id="{1B597EC8-03FB-421D-BA76-5865596B8B77}" type="slidenum">
               <a:rPr lang="ko-KR" altLang="en-US" smtClean="0"/>
               <a:pPr/>
-              <a:t>8</a:t>
+              <a:t>7</a:t>
             </a:fld>
             <a:endParaRPr lang="ko-KR" altLang="en-US" dirty="0"/>
           </a:p>
@@ -13144,7 +9331,7 @@
                 <a:latin typeface="Caladea"/>
                 <a:ea typeface="HY견고딕" pitchFamily="18" charset="-127"/>
               </a:rPr>
-              <a:t>Methodology Overview</a:t>
+              <a:t>Conclusion</a:t>
             </a:r>
             <a:endParaRPr lang="en-US" altLang="ko-KR" sz="2400" dirty="0">
               <a:solidFill>
@@ -13216,7 +9403,7 @@
         <p:spPr>
           <a:xfrm>
             <a:off x="162124" y="1010705"/>
-            <a:ext cx="10375645" cy="2369880"/>
+            <a:ext cx="10375645" cy="3416320"/>
           </a:xfrm>
           <a:prstGeom prst="rect">
             <a:avLst/>
@@ -13234,7 +9421,16 @@
                 <a:effectLst/>
                 <a:latin typeface="Consolas" panose="020B0609020204030204" pitchFamily="49" charset="0"/>
               </a:rPr>
-              <a:t>Stage 1 — Learn ECG features from a large dataset (PTB Diagnostic ECG)</a:t>
+              <a:t>In this project we propose to:</a:t>
+            </a:r>
+          </a:p>
+          <a:p>
+            <a:r>
+              <a:rPr lang="en-US" sz="1400" dirty="0">
+                <a:effectLst/>
+                <a:latin typeface="Consolas" panose="020B0609020204030204" pitchFamily="49" charset="0"/>
+              </a:rPr>
+              <a:t>Self-supervised learning (no labels needed)</a:t>
             </a:r>
           </a:p>
           <a:p>
@@ -13243,11 +9439,11 @@
               <a:buChar char="•"/>
             </a:pPr>
             <a:r>
-              <a:rPr lang="en-US" sz="1400" dirty="0">
+              <a:rPr lang="en-US" sz="1400" b="1" dirty="0">
                 <a:effectLst/>
                 <a:latin typeface="Consolas" panose="020B0609020204030204" pitchFamily="49" charset="0"/>
               </a:rPr>
-              <a:t>Self-supervised learning (no labels needed)</a:t>
+              <a:t>Build the first cross-modal representation between ECG and MCG</a:t>
             </a:r>
           </a:p>
           <a:p>
@@ -13256,10 +9452,37 @@
               <a:buChar char="•"/>
             </a:pPr>
             <a:r>
-              <a:rPr lang="en-US" sz="1400" dirty="0">
-                <a:latin typeface="Consolas" panose="020B0609020204030204" pitchFamily="49" charset="0"/>
-              </a:rPr>
-              <a:t>Model learns patterns of electrical activity</a:t>
+              <a:rPr lang="en-US" sz="1400" b="1" dirty="0">
+                <a:effectLst/>
+                <a:latin typeface="Consolas" panose="020B0609020204030204" pitchFamily="49" charset="0"/>
+              </a:rPr>
+              <a:t>Overcome MCG data scarcity using contrastive learning</a:t>
+            </a:r>
+          </a:p>
+          <a:p>
+            <a:pPr marL="285750" indent="-285750">
+              <a:buFont typeface="Arial" panose="020B0604020202020204" pitchFamily="34" charset="0"/>
+              <a:buChar char="•"/>
+            </a:pPr>
+            <a:r>
+              <a:rPr lang="en-US" sz="1400" b="1" dirty="0">
+                <a:effectLst/>
+                <a:latin typeface="Consolas" panose="020B0609020204030204" pitchFamily="49" charset="0"/>
+              </a:rPr>
+              <a:t>Explore a new direction for cardiac AI research</a:t>
+            </a:r>
+          </a:p>
+          <a:p>
+            <a:pPr marL="285750" indent="-285750">
+              <a:buFont typeface="Arial" panose="020B0604020202020204" pitchFamily="34" charset="0"/>
+              <a:buChar char="•"/>
+            </a:pPr>
+            <a:r>
+              <a:rPr lang="en-US" sz="1400" b="1" dirty="0">
+                <a:effectLst/>
+                <a:latin typeface="Consolas" panose="020B0609020204030204" pitchFamily="49" charset="0"/>
+              </a:rPr>
+              <a:t>Enable practical future applications like virtual MCG, enhanced diagnosis, and multimodal fusion</a:t>
             </a:r>
           </a:p>
           <a:p>
@@ -13274,9 +9497,12 @@
                 <a:effectLst/>
                 <a:latin typeface="Consolas" panose="020B0609020204030204" pitchFamily="49" charset="0"/>
               </a:rPr>
-              <a:t>Stage 2 — Align ECG with MCG using paired data (Koch dataset)</a:t>
-            </a:r>
+              <a:t>Status:</a:t>
+            </a:r>
+          </a:p>
+          <a:p>
             <a:endParaRPr lang="en-US" sz="1600" b="1" dirty="0">
+              <a:effectLst/>
               <a:latin typeface="Consolas" panose="020B0609020204030204" pitchFamily="49" charset="0"/>
             </a:endParaRPr>
           </a:p>
@@ -13290,21 +9516,7 @@
                 <a:effectLst/>
                 <a:latin typeface="Consolas" panose="020B0609020204030204" pitchFamily="49" charset="0"/>
               </a:rPr>
-              <a:t>For each heartbeat: ECG signal </a:t>
-            </a:r>
-            <a:r>
-              <a:rPr lang="en-US" sz="1600" b="1" dirty="0">
-                <a:effectLst/>
-                <a:latin typeface="Consolas" panose="020B0609020204030204" pitchFamily="49" charset="0"/>
-              </a:rPr>
-              <a:t>↔</a:t>
-            </a:r>
-            <a:r>
-              <a:rPr lang="en-US" sz="1400" dirty="0">
-                <a:effectLst/>
-                <a:latin typeface="Consolas" panose="020B0609020204030204" pitchFamily="49" charset="0"/>
-              </a:rPr>
-              <a:t> MCG signal</a:t>
+              <a:t>Dataset (ready)</a:t>
             </a:r>
           </a:p>
           <a:p>
@@ -13314,2969 +9526,75 @@
             </a:pPr>
             <a:r>
               <a:rPr lang="en-US" sz="1400" dirty="0">
-                <a:effectLst/>
-                <a:latin typeface="Consolas" panose="020B0609020204030204" pitchFamily="49" charset="0"/>
-              </a:rPr>
-              <a:t>Use contrastive learning to match them in a shared space</a:t>
+                <a:latin typeface="Consolas" panose="020B0609020204030204" pitchFamily="49" charset="0"/>
+              </a:rPr>
+              <a:t>Preprocessing complete (initially done)</a:t>
+            </a:r>
+          </a:p>
+          <a:p>
+            <a:pPr marL="285750" indent="-285750">
+              <a:buFont typeface="Arial" panose="020B0604020202020204" pitchFamily="34" charset="0"/>
+              <a:buChar char="•"/>
+            </a:pPr>
+            <a:r>
+              <a:rPr lang="en-US" sz="1400" dirty="0">
+                <a:latin typeface="Consolas" panose="020B0609020204030204" pitchFamily="49" charset="0"/>
+              </a:rPr>
+              <a:t>Model design complete </a:t>
+            </a:r>
+            <a:r>
+              <a:rPr lang="en-US" sz="1400">
+                <a:latin typeface="Consolas" panose="020B0609020204030204" pitchFamily="49" charset="0"/>
+              </a:rPr>
+              <a:t>( 0n </a:t>
+            </a:r>
+            <a:r>
+              <a:rPr lang="en-US" sz="1400" dirty="0">
+                <a:latin typeface="Consolas" panose="020B0609020204030204" pitchFamily="49" charset="0"/>
+              </a:rPr>
+              <a:t>progress</a:t>
+            </a:r>
+            <a:r>
+              <a:rPr lang="en-US" sz="1400">
+                <a:latin typeface="Consolas" panose="020B0609020204030204" pitchFamily="49" charset="0"/>
+              </a:rPr>
+              <a:t>: experimented </a:t>
+            </a:r>
+            <a:r>
+              <a:rPr lang="en-US" sz="1400" dirty="0">
+                <a:latin typeface="Consolas" panose="020B0609020204030204" pitchFamily="49" charset="0"/>
+              </a:rPr>
+              <a:t>with 1d CNN )</a:t>
+            </a:r>
+          </a:p>
+          <a:p>
+            <a:pPr marL="285750" indent="-285750">
+              <a:buFont typeface="Arial" panose="020B0604020202020204" pitchFamily="34" charset="0"/>
+              <a:buChar char="•"/>
+            </a:pPr>
+            <a:r>
+              <a:rPr lang="en-US" sz="1400" dirty="0">
+                <a:latin typeface="Consolas" panose="020B0609020204030204" pitchFamily="49" charset="0"/>
+              </a:rPr>
+              <a:t>Training  (Next Step)</a:t>
+            </a:r>
+          </a:p>
+          <a:p>
+            <a:pPr marL="285750" indent="-285750">
+              <a:buFont typeface="Arial" panose="020B0604020202020204" pitchFamily="34" charset="0"/>
+              <a:buChar char="•"/>
+            </a:pPr>
+            <a:r>
+              <a:rPr lang="en-US" sz="1400" dirty="0">
+                <a:latin typeface="Consolas" panose="020B0609020204030204" pitchFamily="49" charset="0"/>
+              </a:rPr>
+              <a:t>Evaluation (Next Step)</a:t>
             </a:r>
           </a:p>
           <a:p>
             <a:endParaRPr lang="en-US" sz="1400" dirty="0">
               <a:latin typeface="Consolas" panose="020B0609020204030204" pitchFamily="49" charset="0"/>
             </a:endParaRPr>
-          </a:p>
-          <a:p>
-            <a:r>
-              <a:rPr lang="en-US" sz="1600" b="1" dirty="0">
-                <a:latin typeface="Consolas" panose="020B0609020204030204" pitchFamily="49" charset="0"/>
-              </a:rPr>
-              <a:t>Stage 3 — Align ECG with MCG using paired data (Koch dataset)</a:t>
-            </a:r>
-          </a:p>
-          <a:p>
-            <a:endParaRPr lang="en-US" sz="1400" dirty="0">
-              <a:latin typeface="Consolas" panose="020B0609020204030204" pitchFamily="49" charset="0"/>
-            </a:endParaRPr>
-          </a:p>
-        </p:txBody>
-      </p:sp>
-      <p:sp>
-        <p:nvSpPr>
-          <p:cNvPr id="8" name="Rectangle 7">
-            <a:extLst>
-              <a:ext uri="{FF2B5EF4-FFF2-40B4-BE49-F238E27FC236}">
-                <a16:creationId xmlns:a16="http://schemas.microsoft.com/office/drawing/2014/main" id="{AB46F541-4DBA-B70F-81EA-4041F0989EBF}"/>
-              </a:ext>
-            </a:extLst>
-          </p:cNvPr>
-          <p:cNvSpPr/>
-          <p:nvPr/>
-        </p:nvSpPr>
-        <p:spPr>
-          <a:xfrm>
-            <a:off x="384551" y="3492599"/>
-            <a:ext cx="1145725" cy="576064"/>
-          </a:xfrm>
-          <a:custGeom>
-            <a:avLst/>
-            <a:gdLst>
-              <a:gd name="connsiteX0" fmla="*/ 0 w 1145725"/>
-              <a:gd name="connsiteY0" fmla="*/ 0 h 576064"/>
-              <a:gd name="connsiteX1" fmla="*/ 572863 w 1145725"/>
-              <a:gd name="connsiteY1" fmla="*/ 0 h 576064"/>
-              <a:gd name="connsiteX2" fmla="*/ 1145725 w 1145725"/>
-              <a:gd name="connsiteY2" fmla="*/ 0 h 576064"/>
-              <a:gd name="connsiteX3" fmla="*/ 1145725 w 1145725"/>
-              <a:gd name="connsiteY3" fmla="*/ 576064 h 576064"/>
-              <a:gd name="connsiteX4" fmla="*/ 561405 w 1145725"/>
-              <a:gd name="connsiteY4" fmla="*/ 576064 h 576064"/>
-              <a:gd name="connsiteX5" fmla="*/ 0 w 1145725"/>
-              <a:gd name="connsiteY5" fmla="*/ 576064 h 576064"/>
-              <a:gd name="connsiteX6" fmla="*/ 0 w 1145725"/>
-              <a:gd name="connsiteY6" fmla="*/ 0 h 576064"/>
-            </a:gdLst>
-            <a:ahLst/>
-            <a:cxnLst>
-              <a:cxn ang="0">
-                <a:pos x="connsiteX0" y="connsiteY0"/>
-              </a:cxn>
-              <a:cxn ang="0">
-                <a:pos x="connsiteX1" y="connsiteY1"/>
-              </a:cxn>
-              <a:cxn ang="0">
-                <a:pos x="connsiteX2" y="connsiteY2"/>
-              </a:cxn>
-              <a:cxn ang="0">
-                <a:pos x="connsiteX3" y="connsiteY3"/>
-              </a:cxn>
-              <a:cxn ang="0">
-                <a:pos x="connsiteX4" y="connsiteY4"/>
-              </a:cxn>
-              <a:cxn ang="0">
-                <a:pos x="connsiteX5" y="connsiteY5"/>
-              </a:cxn>
-              <a:cxn ang="0">
-                <a:pos x="connsiteX6" y="connsiteY6"/>
-              </a:cxn>
-            </a:cxnLst>
-            <a:rect l="l" t="t" r="r" b="b"/>
-            <a:pathLst>
-              <a:path w="1145725" h="576064" fill="none" extrusionOk="0">
-                <a:moveTo>
-                  <a:pt x="0" y="0"/>
-                </a:moveTo>
-                <a:cubicBezTo>
-                  <a:pt x="179331" y="-27596"/>
-                  <a:pt x="386645" y="48220"/>
-                  <a:pt x="572863" y="0"/>
-                </a:cubicBezTo>
-                <a:cubicBezTo>
-                  <a:pt x="759081" y="-48220"/>
-                  <a:pt x="1004422" y="42570"/>
-                  <a:pt x="1145725" y="0"/>
-                </a:cubicBezTo>
-                <a:cubicBezTo>
-                  <a:pt x="1184085" y="239908"/>
-                  <a:pt x="1122206" y="450836"/>
-                  <a:pt x="1145725" y="576064"/>
-                </a:cubicBezTo>
-                <a:cubicBezTo>
-                  <a:pt x="903109" y="579081"/>
-                  <a:pt x="801460" y="518510"/>
-                  <a:pt x="561405" y="576064"/>
-                </a:cubicBezTo>
-                <a:cubicBezTo>
-                  <a:pt x="321350" y="633618"/>
-                  <a:pt x="189595" y="540812"/>
-                  <a:pt x="0" y="576064"/>
-                </a:cubicBezTo>
-                <a:cubicBezTo>
-                  <a:pt x="-16762" y="430474"/>
-                  <a:pt x="25073" y="276800"/>
-                  <a:pt x="0" y="0"/>
-                </a:cubicBezTo>
-                <a:close/>
-              </a:path>
-              <a:path w="1145725" h="576064" stroke="0" extrusionOk="0">
-                <a:moveTo>
-                  <a:pt x="0" y="0"/>
-                </a:moveTo>
-                <a:cubicBezTo>
-                  <a:pt x="269001" y="-66049"/>
-                  <a:pt x="422528" y="35233"/>
-                  <a:pt x="561405" y="0"/>
-                </a:cubicBezTo>
-                <a:cubicBezTo>
-                  <a:pt x="700283" y="-35233"/>
-                  <a:pt x="887352" y="50571"/>
-                  <a:pt x="1145725" y="0"/>
-                </a:cubicBezTo>
-                <a:cubicBezTo>
-                  <a:pt x="1188053" y="170821"/>
-                  <a:pt x="1092270" y="288133"/>
-                  <a:pt x="1145725" y="576064"/>
-                </a:cubicBezTo>
-                <a:cubicBezTo>
-                  <a:pt x="855862" y="584364"/>
-                  <a:pt x="707346" y="507885"/>
-                  <a:pt x="561405" y="576064"/>
-                </a:cubicBezTo>
-                <a:cubicBezTo>
-                  <a:pt x="415464" y="644243"/>
-                  <a:pt x="224273" y="527888"/>
-                  <a:pt x="0" y="576064"/>
-                </a:cubicBezTo>
-                <a:cubicBezTo>
-                  <a:pt x="-16718" y="444417"/>
-                  <a:pt x="64672" y="188151"/>
-                  <a:pt x="0" y="0"/>
-                </a:cubicBezTo>
-                <a:close/>
-              </a:path>
-            </a:pathLst>
-          </a:custGeom>
-          <a:ln>
-            <a:extLst>
-              <a:ext uri="{C807C97D-BFC1-408E-A445-0C87EB9F89A2}">
-                <ask:lineSketchStyleProps xmlns:ask="http://schemas.microsoft.com/office/drawing/2018/sketchyshapes" sd="1602037377">
-                  <a:prstGeom prst="rect">
-                    <a:avLst/>
-                  </a:prstGeom>
-                  <ask:type>
-                    <ask:lineSketchScribble/>
-                  </ask:type>
-                </ask:lineSketchStyleProps>
-              </a:ext>
-            </a:extLst>
-          </a:ln>
-        </p:spPr>
-        <p:style>
-          <a:lnRef idx="2">
-            <a:schemeClr val="accent1">
-              <a:shade val="15000"/>
-            </a:schemeClr>
-          </a:lnRef>
-          <a:fillRef idx="1">
-            <a:schemeClr val="accent1"/>
-          </a:fillRef>
-          <a:effectRef idx="0">
-            <a:schemeClr val="accent1"/>
-          </a:effectRef>
-          <a:fontRef idx="minor">
-            <a:schemeClr val="lt1"/>
-          </a:fontRef>
-        </p:style>
-        <p:txBody>
-          <a:bodyPr rtlCol="0" anchor="ctr"/>
-          <a:lstStyle/>
-          <a:p>
-            <a:pPr algn="ctr"/>
-            <a:r>
-              <a:rPr lang="en-US" sz="1400" dirty="0"/>
-              <a:t>PTB ECG</a:t>
-            </a:r>
-          </a:p>
-        </p:txBody>
-      </p:sp>
-      <p:sp>
-        <p:nvSpPr>
-          <p:cNvPr id="10" name="Rectangle 9">
-            <a:extLst>
-              <a:ext uri="{FF2B5EF4-FFF2-40B4-BE49-F238E27FC236}">
-                <a16:creationId xmlns:a16="http://schemas.microsoft.com/office/drawing/2014/main" id="{9982DEB0-DF31-3C4B-9904-E67286E3B992}"/>
-              </a:ext>
-            </a:extLst>
-          </p:cNvPr>
-          <p:cNvSpPr/>
-          <p:nvPr/>
-        </p:nvSpPr>
-        <p:spPr>
-          <a:xfrm>
-            <a:off x="328738" y="4932636"/>
-            <a:ext cx="1345554" cy="360163"/>
-          </a:xfrm>
-          <a:custGeom>
-            <a:avLst/>
-            <a:gdLst>
-              <a:gd name="connsiteX0" fmla="*/ 0 w 1345554"/>
-              <a:gd name="connsiteY0" fmla="*/ 0 h 360163"/>
-              <a:gd name="connsiteX1" fmla="*/ 421607 w 1345554"/>
-              <a:gd name="connsiteY1" fmla="*/ 0 h 360163"/>
-              <a:gd name="connsiteX2" fmla="*/ 883580 w 1345554"/>
-              <a:gd name="connsiteY2" fmla="*/ 0 h 360163"/>
-              <a:gd name="connsiteX3" fmla="*/ 1345554 w 1345554"/>
-              <a:gd name="connsiteY3" fmla="*/ 0 h 360163"/>
-              <a:gd name="connsiteX4" fmla="*/ 1345554 w 1345554"/>
-              <a:gd name="connsiteY4" fmla="*/ 360163 h 360163"/>
-              <a:gd name="connsiteX5" fmla="*/ 910492 w 1345554"/>
-              <a:gd name="connsiteY5" fmla="*/ 360163 h 360163"/>
-              <a:gd name="connsiteX6" fmla="*/ 488885 w 1345554"/>
-              <a:gd name="connsiteY6" fmla="*/ 360163 h 360163"/>
-              <a:gd name="connsiteX7" fmla="*/ 0 w 1345554"/>
-              <a:gd name="connsiteY7" fmla="*/ 360163 h 360163"/>
-              <a:gd name="connsiteX8" fmla="*/ 0 w 1345554"/>
-              <a:gd name="connsiteY8" fmla="*/ 0 h 360163"/>
-            </a:gdLst>
-            <a:ahLst/>
-            <a:cxnLst>
-              <a:cxn ang="0">
-                <a:pos x="connsiteX0" y="connsiteY0"/>
-              </a:cxn>
-              <a:cxn ang="0">
-                <a:pos x="connsiteX1" y="connsiteY1"/>
-              </a:cxn>
-              <a:cxn ang="0">
-                <a:pos x="connsiteX2" y="connsiteY2"/>
-              </a:cxn>
-              <a:cxn ang="0">
-                <a:pos x="connsiteX3" y="connsiteY3"/>
-              </a:cxn>
-              <a:cxn ang="0">
-                <a:pos x="connsiteX4" y="connsiteY4"/>
-              </a:cxn>
-              <a:cxn ang="0">
-                <a:pos x="connsiteX5" y="connsiteY5"/>
-              </a:cxn>
-              <a:cxn ang="0">
-                <a:pos x="connsiteX6" y="connsiteY6"/>
-              </a:cxn>
-              <a:cxn ang="0">
-                <a:pos x="connsiteX7" y="connsiteY7"/>
-              </a:cxn>
-              <a:cxn ang="0">
-                <a:pos x="connsiteX8" y="connsiteY8"/>
-              </a:cxn>
-            </a:cxnLst>
-            <a:rect l="l" t="t" r="r" b="b"/>
-            <a:pathLst>
-              <a:path w="1345554" h="360163" fill="none" extrusionOk="0">
-                <a:moveTo>
-                  <a:pt x="0" y="0"/>
-                </a:moveTo>
-                <a:cubicBezTo>
-                  <a:pt x="133126" y="-42680"/>
-                  <a:pt x="262512" y="42529"/>
-                  <a:pt x="421607" y="0"/>
-                </a:cubicBezTo>
-                <a:cubicBezTo>
-                  <a:pt x="580702" y="-42529"/>
-                  <a:pt x="688928" y="17862"/>
-                  <a:pt x="883580" y="0"/>
-                </a:cubicBezTo>
-                <a:cubicBezTo>
-                  <a:pt x="1078232" y="-17862"/>
-                  <a:pt x="1251181" y="30922"/>
-                  <a:pt x="1345554" y="0"/>
-                </a:cubicBezTo>
-                <a:cubicBezTo>
-                  <a:pt x="1351633" y="83869"/>
-                  <a:pt x="1337333" y="238715"/>
-                  <a:pt x="1345554" y="360163"/>
-                </a:cubicBezTo>
-                <a:cubicBezTo>
-                  <a:pt x="1214361" y="365179"/>
-                  <a:pt x="1084627" y="356252"/>
-                  <a:pt x="910492" y="360163"/>
-                </a:cubicBezTo>
-                <a:cubicBezTo>
-                  <a:pt x="736357" y="364074"/>
-                  <a:pt x="643846" y="340719"/>
-                  <a:pt x="488885" y="360163"/>
-                </a:cubicBezTo>
-                <a:cubicBezTo>
-                  <a:pt x="333924" y="379607"/>
-                  <a:pt x="210561" y="310796"/>
-                  <a:pt x="0" y="360163"/>
-                </a:cubicBezTo>
-                <a:cubicBezTo>
-                  <a:pt x="-33052" y="244726"/>
-                  <a:pt x="13391" y="148036"/>
-                  <a:pt x="0" y="0"/>
-                </a:cubicBezTo>
-                <a:close/>
-              </a:path>
-              <a:path w="1345554" h="360163" stroke="0" extrusionOk="0">
-                <a:moveTo>
-                  <a:pt x="0" y="0"/>
-                </a:moveTo>
-                <a:cubicBezTo>
-                  <a:pt x="125315" y="-27213"/>
-                  <a:pt x="279355" y="28683"/>
-                  <a:pt x="435062" y="0"/>
-                </a:cubicBezTo>
-                <a:cubicBezTo>
-                  <a:pt x="590769" y="-28683"/>
-                  <a:pt x="751036" y="36671"/>
-                  <a:pt x="870125" y="0"/>
-                </a:cubicBezTo>
-                <a:cubicBezTo>
-                  <a:pt x="989214" y="-36671"/>
-                  <a:pt x="1140781" y="13355"/>
-                  <a:pt x="1345554" y="0"/>
-                </a:cubicBezTo>
-                <a:cubicBezTo>
-                  <a:pt x="1377652" y="126752"/>
-                  <a:pt x="1332982" y="226776"/>
-                  <a:pt x="1345554" y="360163"/>
-                </a:cubicBezTo>
-                <a:cubicBezTo>
-                  <a:pt x="1178104" y="401834"/>
-                  <a:pt x="1033788" y="321628"/>
-                  <a:pt x="910492" y="360163"/>
-                </a:cubicBezTo>
-                <a:cubicBezTo>
-                  <a:pt x="787196" y="398698"/>
-                  <a:pt x="677095" y="307230"/>
-                  <a:pt x="461974" y="360163"/>
-                </a:cubicBezTo>
-                <a:cubicBezTo>
-                  <a:pt x="246853" y="413096"/>
-                  <a:pt x="93879" y="320436"/>
-                  <a:pt x="0" y="360163"/>
-                </a:cubicBezTo>
-                <a:cubicBezTo>
-                  <a:pt x="-13864" y="200658"/>
-                  <a:pt x="35527" y="80407"/>
-                  <a:pt x="0" y="0"/>
-                </a:cubicBezTo>
-                <a:close/>
-              </a:path>
-            </a:pathLst>
-          </a:custGeom>
-          <a:ln>
-            <a:extLst>
-              <a:ext uri="{C807C97D-BFC1-408E-A445-0C87EB9F89A2}">
-                <ask:lineSketchStyleProps xmlns:ask="http://schemas.microsoft.com/office/drawing/2018/sketchyshapes" sd="1602037377">
-                  <a:prstGeom prst="rect">
-                    <a:avLst/>
-                  </a:prstGeom>
-                  <ask:type>
-                    <ask:lineSketchScribble/>
-                  </ask:type>
-                </ask:lineSketchStyleProps>
-              </a:ext>
-            </a:extLst>
-          </a:ln>
-        </p:spPr>
-        <p:style>
-          <a:lnRef idx="2">
-            <a:schemeClr val="accent1">
-              <a:shade val="15000"/>
-            </a:schemeClr>
-          </a:lnRef>
-          <a:fillRef idx="1">
-            <a:schemeClr val="accent1"/>
-          </a:fillRef>
-          <a:effectRef idx="0">
-            <a:schemeClr val="accent1"/>
-          </a:effectRef>
-          <a:fontRef idx="minor">
-            <a:schemeClr val="lt1"/>
-          </a:fontRef>
-        </p:style>
-        <p:txBody>
-          <a:bodyPr rtlCol="0" anchor="ctr"/>
-          <a:lstStyle/>
-          <a:p>
-            <a:pPr algn="ctr"/>
-            <a:r>
-              <a:rPr lang="en-US" sz="1400" dirty="0"/>
-              <a:t>Koch ECG</a:t>
-            </a:r>
-          </a:p>
-        </p:txBody>
-      </p:sp>
-      <p:sp>
-        <p:nvSpPr>
-          <p:cNvPr id="11" name="Rectangle 10">
-            <a:extLst>
-              <a:ext uri="{FF2B5EF4-FFF2-40B4-BE49-F238E27FC236}">
-                <a16:creationId xmlns:a16="http://schemas.microsoft.com/office/drawing/2014/main" id="{59102B56-5130-3379-DD2E-F7A0A81A1E1D}"/>
-              </a:ext>
-            </a:extLst>
-          </p:cNvPr>
-          <p:cNvSpPr/>
-          <p:nvPr/>
-        </p:nvSpPr>
-        <p:spPr>
-          <a:xfrm>
-            <a:off x="304241" y="5471410"/>
-            <a:ext cx="1370051" cy="360163"/>
-          </a:xfrm>
-          <a:custGeom>
-            <a:avLst/>
-            <a:gdLst>
-              <a:gd name="connsiteX0" fmla="*/ 0 w 1370051"/>
-              <a:gd name="connsiteY0" fmla="*/ 0 h 360163"/>
-              <a:gd name="connsiteX1" fmla="*/ 429283 w 1370051"/>
-              <a:gd name="connsiteY1" fmla="*/ 0 h 360163"/>
-              <a:gd name="connsiteX2" fmla="*/ 899667 w 1370051"/>
-              <a:gd name="connsiteY2" fmla="*/ 0 h 360163"/>
-              <a:gd name="connsiteX3" fmla="*/ 1370051 w 1370051"/>
-              <a:gd name="connsiteY3" fmla="*/ 0 h 360163"/>
-              <a:gd name="connsiteX4" fmla="*/ 1370051 w 1370051"/>
-              <a:gd name="connsiteY4" fmla="*/ 360163 h 360163"/>
-              <a:gd name="connsiteX5" fmla="*/ 927068 w 1370051"/>
-              <a:gd name="connsiteY5" fmla="*/ 360163 h 360163"/>
-              <a:gd name="connsiteX6" fmla="*/ 497785 w 1370051"/>
-              <a:gd name="connsiteY6" fmla="*/ 360163 h 360163"/>
-              <a:gd name="connsiteX7" fmla="*/ 0 w 1370051"/>
-              <a:gd name="connsiteY7" fmla="*/ 360163 h 360163"/>
-              <a:gd name="connsiteX8" fmla="*/ 0 w 1370051"/>
-              <a:gd name="connsiteY8" fmla="*/ 0 h 360163"/>
-            </a:gdLst>
-            <a:ahLst/>
-            <a:cxnLst>
-              <a:cxn ang="0">
-                <a:pos x="connsiteX0" y="connsiteY0"/>
-              </a:cxn>
-              <a:cxn ang="0">
-                <a:pos x="connsiteX1" y="connsiteY1"/>
-              </a:cxn>
-              <a:cxn ang="0">
-                <a:pos x="connsiteX2" y="connsiteY2"/>
-              </a:cxn>
-              <a:cxn ang="0">
-                <a:pos x="connsiteX3" y="connsiteY3"/>
-              </a:cxn>
-              <a:cxn ang="0">
-                <a:pos x="connsiteX4" y="connsiteY4"/>
-              </a:cxn>
-              <a:cxn ang="0">
-                <a:pos x="connsiteX5" y="connsiteY5"/>
-              </a:cxn>
-              <a:cxn ang="0">
-                <a:pos x="connsiteX6" y="connsiteY6"/>
-              </a:cxn>
-              <a:cxn ang="0">
-                <a:pos x="connsiteX7" y="connsiteY7"/>
-              </a:cxn>
-              <a:cxn ang="0">
-                <a:pos x="connsiteX8" y="connsiteY8"/>
-              </a:cxn>
-            </a:cxnLst>
-            <a:rect l="l" t="t" r="r" b="b"/>
-            <a:pathLst>
-              <a:path w="1370051" h="360163" fill="none" extrusionOk="0">
-                <a:moveTo>
-                  <a:pt x="0" y="0"/>
-                </a:moveTo>
-                <a:cubicBezTo>
-                  <a:pt x="95716" y="-50670"/>
-                  <a:pt x="227504" y="35673"/>
-                  <a:pt x="429283" y="0"/>
-                </a:cubicBezTo>
-                <a:cubicBezTo>
-                  <a:pt x="631062" y="-35673"/>
-                  <a:pt x="762741" y="17379"/>
-                  <a:pt x="899667" y="0"/>
-                </a:cubicBezTo>
-                <a:cubicBezTo>
-                  <a:pt x="1036593" y="-17379"/>
-                  <a:pt x="1175756" y="30290"/>
-                  <a:pt x="1370051" y="0"/>
-                </a:cubicBezTo>
-                <a:cubicBezTo>
-                  <a:pt x="1376130" y="83869"/>
-                  <a:pt x="1361830" y="238715"/>
-                  <a:pt x="1370051" y="360163"/>
-                </a:cubicBezTo>
-                <a:cubicBezTo>
-                  <a:pt x="1184284" y="389749"/>
-                  <a:pt x="1126251" y="309975"/>
-                  <a:pt x="927068" y="360163"/>
-                </a:cubicBezTo>
-                <a:cubicBezTo>
-                  <a:pt x="727885" y="410351"/>
-                  <a:pt x="600390" y="311629"/>
-                  <a:pt x="497785" y="360163"/>
-                </a:cubicBezTo>
-                <a:cubicBezTo>
-                  <a:pt x="395180" y="408697"/>
-                  <a:pt x="100006" y="322825"/>
-                  <a:pt x="0" y="360163"/>
-                </a:cubicBezTo>
-                <a:cubicBezTo>
-                  <a:pt x="-33052" y="244726"/>
-                  <a:pt x="13391" y="148036"/>
-                  <a:pt x="0" y="0"/>
-                </a:cubicBezTo>
-                <a:close/>
-              </a:path>
-              <a:path w="1370051" h="360163" stroke="0" extrusionOk="0">
-                <a:moveTo>
-                  <a:pt x="0" y="0"/>
-                </a:moveTo>
-                <a:cubicBezTo>
-                  <a:pt x="155531" y="-45017"/>
-                  <a:pt x="290324" y="789"/>
-                  <a:pt x="442983" y="0"/>
-                </a:cubicBezTo>
-                <a:cubicBezTo>
-                  <a:pt x="595642" y="-789"/>
-                  <a:pt x="714560" y="42188"/>
-                  <a:pt x="885966" y="0"/>
-                </a:cubicBezTo>
-                <a:cubicBezTo>
-                  <a:pt x="1057372" y="-42188"/>
-                  <a:pt x="1226774" y="46030"/>
-                  <a:pt x="1370051" y="0"/>
-                </a:cubicBezTo>
-                <a:cubicBezTo>
-                  <a:pt x="1402149" y="126752"/>
-                  <a:pt x="1357479" y="226776"/>
-                  <a:pt x="1370051" y="360163"/>
-                </a:cubicBezTo>
-                <a:cubicBezTo>
-                  <a:pt x="1152529" y="386431"/>
-                  <a:pt x="1055309" y="347398"/>
-                  <a:pt x="927068" y="360163"/>
-                </a:cubicBezTo>
-                <a:cubicBezTo>
-                  <a:pt x="798827" y="372928"/>
-                  <a:pt x="698233" y="327751"/>
-                  <a:pt x="470384" y="360163"/>
-                </a:cubicBezTo>
-                <a:cubicBezTo>
-                  <a:pt x="242535" y="392575"/>
-                  <a:pt x="185928" y="351097"/>
-                  <a:pt x="0" y="360163"/>
-                </a:cubicBezTo>
-                <a:cubicBezTo>
-                  <a:pt x="-13864" y="200658"/>
-                  <a:pt x="35527" y="80407"/>
-                  <a:pt x="0" y="0"/>
-                </a:cubicBezTo>
-                <a:close/>
-              </a:path>
-            </a:pathLst>
-          </a:custGeom>
-          <a:ln>
-            <a:extLst>
-              <a:ext uri="{C807C97D-BFC1-408E-A445-0C87EB9F89A2}">
-                <ask:lineSketchStyleProps xmlns:ask="http://schemas.microsoft.com/office/drawing/2018/sketchyshapes" sd="1602037377">
-                  <a:prstGeom prst="rect">
-                    <a:avLst/>
-                  </a:prstGeom>
-                  <ask:type>
-                    <ask:lineSketchScribble/>
-                  </ask:type>
-                </ask:lineSketchStyleProps>
-              </a:ext>
-            </a:extLst>
-          </a:ln>
-        </p:spPr>
-        <p:style>
-          <a:lnRef idx="2">
-            <a:schemeClr val="accent1">
-              <a:shade val="15000"/>
-            </a:schemeClr>
-          </a:lnRef>
-          <a:fillRef idx="1">
-            <a:schemeClr val="accent1"/>
-          </a:fillRef>
-          <a:effectRef idx="0">
-            <a:schemeClr val="accent1"/>
-          </a:effectRef>
-          <a:fontRef idx="minor">
-            <a:schemeClr val="lt1"/>
-          </a:fontRef>
-        </p:style>
-        <p:txBody>
-          <a:bodyPr rtlCol="0" anchor="ctr"/>
-          <a:lstStyle/>
-          <a:p>
-            <a:pPr algn="ctr"/>
-            <a:r>
-              <a:rPr lang="en-US" sz="1400" dirty="0"/>
-              <a:t>Koch MCG</a:t>
-            </a:r>
-          </a:p>
-        </p:txBody>
-      </p:sp>
-      <p:sp>
-        <p:nvSpPr>
-          <p:cNvPr id="12" name="Rectangle 11">
-            <a:extLst>
-              <a:ext uri="{FF2B5EF4-FFF2-40B4-BE49-F238E27FC236}">
-                <a16:creationId xmlns:a16="http://schemas.microsoft.com/office/drawing/2014/main" id="{EAEEC364-97F5-EC05-0675-DC0F0E6A2442}"/>
-              </a:ext>
-            </a:extLst>
-          </p:cNvPr>
-          <p:cNvSpPr/>
-          <p:nvPr/>
-        </p:nvSpPr>
-        <p:spPr>
-          <a:xfrm>
-            <a:off x="2322364" y="3623569"/>
-            <a:ext cx="2808312" cy="314123"/>
-          </a:xfrm>
-          <a:custGeom>
-            <a:avLst/>
-            <a:gdLst>
-              <a:gd name="connsiteX0" fmla="*/ 0 w 2808312"/>
-              <a:gd name="connsiteY0" fmla="*/ 0 h 314123"/>
-              <a:gd name="connsiteX1" fmla="*/ 617829 w 2808312"/>
-              <a:gd name="connsiteY1" fmla="*/ 0 h 314123"/>
-              <a:gd name="connsiteX2" fmla="*/ 1235657 w 2808312"/>
-              <a:gd name="connsiteY2" fmla="*/ 0 h 314123"/>
-              <a:gd name="connsiteX3" fmla="*/ 1825403 w 2808312"/>
-              <a:gd name="connsiteY3" fmla="*/ 0 h 314123"/>
-              <a:gd name="connsiteX4" fmla="*/ 2302816 w 2808312"/>
-              <a:gd name="connsiteY4" fmla="*/ 0 h 314123"/>
-              <a:gd name="connsiteX5" fmla="*/ 2808312 w 2808312"/>
-              <a:gd name="connsiteY5" fmla="*/ 0 h 314123"/>
-              <a:gd name="connsiteX6" fmla="*/ 2808312 w 2808312"/>
-              <a:gd name="connsiteY6" fmla="*/ 314123 h 314123"/>
-              <a:gd name="connsiteX7" fmla="*/ 2330899 w 2808312"/>
-              <a:gd name="connsiteY7" fmla="*/ 314123 h 314123"/>
-              <a:gd name="connsiteX8" fmla="*/ 1713070 w 2808312"/>
-              <a:gd name="connsiteY8" fmla="*/ 314123 h 314123"/>
-              <a:gd name="connsiteX9" fmla="*/ 1095242 w 2808312"/>
-              <a:gd name="connsiteY9" fmla="*/ 314123 h 314123"/>
-              <a:gd name="connsiteX10" fmla="*/ 561662 w 2808312"/>
-              <a:gd name="connsiteY10" fmla="*/ 314123 h 314123"/>
-              <a:gd name="connsiteX11" fmla="*/ 0 w 2808312"/>
-              <a:gd name="connsiteY11" fmla="*/ 314123 h 314123"/>
-              <a:gd name="connsiteX12" fmla="*/ 0 w 2808312"/>
-              <a:gd name="connsiteY12" fmla="*/ 0 h 314123"/>
-            </a:gdLst>
-            <a:ahLst/>
-            <a:cxnLst>
-              <a:cxn ang="0">
-                <a:pos x="connsiteX0" y="connsiteY0"/>
-              </a:cxn>
-              <a:cxn ang="0">
-                <a:pos x="connsiteX1" y="connsiteY1"/>
-              </a:cxn>
-              <a:cxn ang="0">
-                <a:pos x="connsiteX2" y="connsiteY2"/>
-              </a:cxn>
-              <a:cxn ang="0">
-                <a:pos x="connsiteX3" y="connsiteY3"/>
-              </a:cxn>
-              <a:cxn ang="0">
-                <a:pos x="connsiteX4" y="connsiteY4"/>
-              </a:cxn>
-              <a:cxn ang="0">
-                <a:pos x="connsiteX5" y="connsiteY5"/>
-              </a:cxn>
-              <a:cxn ang="0">
-                <a:pos x="connsiteX6" y="connsiteY6"/>
-              </a:cxn>
-              <a:cxn ang="0">
-                <a:pos x="connsiteX7" y="connsiteY7"/>
-              </a:cxn>
-              <a:cxn ang="0">
-                <a:pos x="connsiteX8" y="connsiteY8"/>
-              </a:cxn>
-              <a:cxn ang="0">
-                <a:pos x="connsiteX9" y="connsiteY9"/>
-              </a:cxn>
-              <a:cxn ang="0">
-                <a:pos x="connsiteX10" y="connsiteY10"/>
-              </a:cxn>
-              <a:cxn ang="0">
-                <a:pos x="connsiteX11" y="connsiteY11"/>
-              </a:cxn>
-              <a:cxn ang="0">
-                <a:pos x="connsiteX12" y="connsiteY12"/>
-              </a:cxn>
-            </a:cxnLst>
-            <a:rect l="l" t="t" r="r" b="b"/>
-            <a:pathLst>
-              <a:path w="2808312" h="314123" fill="none" extrusionOk="0">
-                <a:moveTo>
-                  <a:pt x="0" y="0"/>
-                </a:moveTo>
-                <a:cubicBezTo>
-                  <a:pt x="262781" y="-14129"/>
-                  <a:pt x="436000" y="72759"/>
-                  <a:pt x="617829" y="0"/>
-                </a:cubicBezTo>
-                <a:cubicBezTo>
-                  <a:pt x="799658" y="-72759"/>
-                  <a:pt x="1035272" y="30914"/>
-                  <a:pt x="1235657" y="0"/>
-                </a:cubicBezTo>
-                <a:cubicBezTo>
-                  <a:pt x="1436042" y="-30914"/>
-                  <a:pt x="1705193" y="38983"/>
-                  <a:pt x="1825403" y="0"/>
-                </a:cubicBezTo>
-                <a:cubicBezTo>
-                  <a:pt x="1945613" y="-38983"/>
-                  <a:pt x="2120358" y="25414"/>
-                  <a:pt x="2302816" y="0"/>
-                </a:cubicBezTo>
-                <a:cubicBezTo>
-                  <a:pt x="2485274" y="-25414"/>
-                  <a:pt x="2707113" y="43467"/>
-                  <a:pt x="2808312" y="0"/>
-                </a:cubicBezTo>
-                <a:cubicBezTo>
-                  <a:pt x="2813623" y="65163"/>
-                  <a:pt x="2786007" y="237658"/>
-                  <a:pt x="2808312" y="314123"/>
-                </a:cubicBezTo>
-                <a:cubicBezTo>
-                  <a:pt x="2626383" y="355261"/>
-                  <a:pt x="2556601" y="303359"/>
-                  <a:pt x="2330899" y="314123"/>
-                </a:cubicBezTo>
-                <a:cubicBezTo>
-                  <a:pt x="2105197" y="324887"/>
-                  <a:pt x="1869970" y="294302"/>
-                  <a:pt x="1713070" y="314123"/>
-                </a:cubicBezTo>
-                <a:cubicBezTo>
-                  <a:pt x="1556170" y="333944"/>
-                  <a:pt x="1340695" y="288523"/>
-                  <a:pt x="1095242" y="314123"/>
-                </a:cubicBezTo>
-                <a:cubicBezTo>
-                  <a:pt x="849789" y="339723"/>
-                  <a:pt x="697931" y="250770"/>
-                  <a:pt x="561662" y="314123"/>
-                </a:cubicBezTo>
-                <a:cubicBezTo>
-                  <a:pt x="425393" y="377476"/>
-                  <a:pt x="186272" y="301375"/>
-                  <a:pt x="0" y="314123"/>
-                </a:cubicBezTo>
-                <a:cubicBezTo>
-                  <a:pt x="-13249" y="229568"/>
-                  <a:pt x="25515" y="90623"/>
-                  <a:pt x="0" y="0"/>
-                </a:cubicBezTo>
-                <a:close/>
-              </a:path>
-              <a:path w="2808312" h="314123" stroke="0" extrusionOk="0">
-                <a:moveTo>
-                  <a:pt x="0" y="0"/>
-                </a:moveTo>
-                <a:cubicBezTo>
-                  <a:pt x="134386" y="-54286"/>
-                  <a:pt x="378388" y="40838"/>
-                  <a:pt x="533579" y="0"/>
-                </a:cubicBezTo>
-                <a:cubicBezTo>
-                  <a:pt x="688770" y="-40838"/>
-                  <a:pt x="833473" y="9147"/>
-                  <a:pt x="1067159" y="0"/>
-                </a:cubicBezTo>
-                <a:cubicBezTo>
-                  <a:pt x="1300845" y="-9147"/>
-                  <a:pt x="1413464" y="30879"/>
-                  <a:pt x="1572655" y="0"/>
-                </a:cubicBezTo>
-                <a:cubicBezTo>
-                  <a:pt x="1731846" y="-30879"/>
-                  <a:pt x="1962076" y="48684"/>
-                  <a:pt x="2162400" y="0"/>
-                </a:cubicBezTo>
-                <a:cubicBezTo>
-                  <a:pt x="2362725" y="-48684"/>
-                  <a:pt x="2535188" y="44112"/>
-                  <a:pt x="2808312" y="0"/>
-                </a:cubicBezTo>
-                <a:cubicBezTo>
-                  <a:pt x="2839238" y="121151"/>
-                  <a:pt x="2777846" y="169648"/>
-                  <a:pt x="2808312" y="314123"/>
-                </a:cubicBezTo>
-                <a:cubicBezTo>
-                  <a:pt x="2710528" y="325215"/>
-                  <a:pt x="2509116" y="280127"/>
-                  <a:pt x="2330899" y="314123"/>
-                </a:cubicBezTo>
-                <a:cubicBezTo>
-                  <a:pt x="2152682" y="348119"/>
-                  <a:pt x="1985353" y="287744"/>
-                  <a:pt x="1797320" y="314123"/>
-                </a:cubicBezTo>
-                <a:cubicBezTo>
-                  <a:pt x="1609287" y="340502"/>
-                  <a:pt x="1411274" y="289449"/>
-                  <a:pt x="1291824" y="314123"/>
-                </a:cubicBezTo>
-                <a:cubicBezTo>
-                  <a:pt x="1172374" y="338797"/>
-                  <a:pt x="973414" y="255923"/>
-                  <a:pt x="702078" y="314123"/>
-                </a:cubicBezTo>
-                <a:cubicBezTo>
-                  <a:pt x="430742" y="372323"/>
-                  <a:pt x="281533" y="232278"/>
-                  <a:pt x="0" y="314123"/>
-                </a:cubicBezTo>
-                <a:cubicBezTo>
-                  <a:pt x="-4616" y="161189"/>
-                  <a:pt x="30958" y="78033"/>
-                  <a:pt x="0" y="0"/>
-                </a:cubicBezTo>
-                <a:close/>
-              </a:path>
-            </a:pathLst>
-          </a:custGeom>
-          <a:ln>
-            <a:extLst>
-              <a:ext uri="{C807C97D-BFC1-408E-A445-0C87EB9F89A2}">
-                <ask:lineSketchStyleProps xmlns:ask="http://schemas.microsoft.com/office/drawing/2018/sketchyshapes" sd="1602037377">
-                  <a:prstGeom prst="rect">
-                    <a:avLst/>
-                  </a:prstGeom>
-                  <ask:type>
-                    <ask:lineSketchScribble/>
-                  </ask:type>
-                </ask:lineSketchStyleProps>
-              </a:ext>
-            </a:extLst>
-          </a:ln>
-        </p:spPr>
-        <p:style>
-          <a:lnRef idx="2">
-            <a:schemeClr val="accent1">
-              <a:shade val="15000"/>
-            </a:schemeClr>
-          </a:lnRef>
-          <a:fillRef idx="1">
-            <a:schemeClr val="accent1"/>
-          </a:fillRef>
-          <a:effectRef idx="0">
-            <a:schemeClr val="accent1"/>
-          </a:effectRef>
-          <a:fontRef idx="minor">
-            <a:schemeClr val="lt1"/>
-          </a:fontRef>
-        </p:style>
-        <p:txBody>
-          <a:bodyPr rtlCol="0" anchor="ctr"/>
-          <a:lstStyle/>
-          <a:p>
-            <a:pPr algn="ctr"/>
-            <a:r>
-              <a:rPr lang="en-US" sz="1400" dirty="0"/>
-              <a:t>ECG Encoder</a:t>
-            </a:r>
-          </a:p>
-        </p:txBody>
-      </p:sp>
-      <p:sp>
-        <p:nvSpPr>
-          <p:cNvPr id="13" name="Rectangle 12">
-            <a:extLst>
-              <a:ext uri="{FF2B5EF4-FFF2-40B4-BE49-F238E27FC236}">
-                <a16:creationId xmlns:a16="http://schemas.microsoft.com/office/drawing/2014/main" id="{935EEEC1-FA90-4DBC-48D4-B93E6D10DE6F}"/>
-              </a:ext>
-            </a:extLst>
-          </p:cNvPr>
-          <p:cNvSpPr/>
-          <p:nvPr/>
-        </p:nvSpPr>
-        <p:spPr>
-          <a:xfrm>
-            <a:off x="2320901" y="4955655"/>
-            <a:ext cx="2495107" cy="314123"/>
-          </a:xfrm>
-          <a:custGeom>
-            <a:avLst/>
-            <a:gdLst>
-              <a:gd name="connsiteX0" fmla="*/ 0 w 2495107"/>
-              <a:gd name="connsiteY0" fmla="*/ 0 h 314123"/>
-              <a:gd name="connsiteX1" fmla="*/ 548924 w 2495107"/>
-              <a:gd name="connsiteY1" fmla="*/ 0 h 314123"/>
-              <a:gd name="connsiteX2" fmla="*/ 1097847 w 2495107"/>
-              <a:gd name="connsiteY2" fmla="*/ 0 h 314123"/>
-              <a:gd name="connsiteX3" fmla="*/ 1621820 w 2495107"/>
-              <a:gd name="connsiteY3" fmla="*/ 0 h 314123"/>
-              <a:gd name="connsiteX4" fmla="*/ 2045988 w 2495107"/>
-              <a:gd name="connsiteY4" fmla="*/ 0 h 314123"/>
-              <a:gd name="connsiteX5" fmla="*/ 2495107 w 2495107"/>
-              <a:gd name="connsiteY5" fmla="*/ 0 h 314123"/>
-              <a:gd name="connsiteX6" fmla="*/ 2495107 w 2495107"/>
-              <a:gd name="connsiteY6" fmla="*/ 314123 h 314123"/>
-              <a:gd name="connsiteX7" fmla="*/ 2070939 w 2495107"/>
-              <a:gd name="connsiteY7" fmla="*/ 314123 h 314123"/>
-              <a:gd name="connsiteX8" fmla="*/ 1522015 w 2495107"/>
-              <a:gd name="connsiteY8" fmla="*/ 314123 h 314123"/>
-              <a:gd name="connsiteX9" fmla="*/ 973092 w 2495107"/>
-              <a:gd name="connsiteY9" fmla="*/ 314123 h 314123"/>
-              <a:gd name="connsiteX10" fmla="*/ 499021 w 2495107"/>
-              <a:gd name="connsiteY10" fmla="*/ 314123 h 314123"/>
-              <a:gd name="connsiteX11" fmla="*/ 0 w 2495107"/>
-              <a:gd name="connsiteY11" fmla="*/ 314123 h 314123"/>
-              <a:gd name="connsiteX12" fmla="*/ 0 w 2495107"/>
-              <a:gd name="connsiteY12" fmla="*/ 0 h 314123"/>
-            </a:gdLst>
-            <a:ahLst/>
-            <a:cxnLst>
-              <a:cxn ang="0">
-                <a:pos x="connsiteX0" y="connsiteY0"/>
-              </a:cxn>
-              <a:cxn ang="0">
-                <a:pos x="connsiteX1" y="connsiteY1"/>
-              </a:cxn>
-              <a:cxn ang="0">
-                <a:pos x="connsiteX2" y="connsiteY2"/>
-              </a:cxn>
-              <a:cxn ang="0">
-                <a:pos x="connsiteX3" y="connsiteY3"/>
-              </a:cxn>
-              <a:cxn ang="0">
-                <a:pos x="connsiteX4" y="connsiteY4"/>
-              </a:cxn>
-              <a:cxn ang="0">
-                <a:pos x="connsiteX5" y="connsiteY5"/>
-              </a:cxn>
-              <a:cxn ang="0">
-                <a:pos x="connsiteX6" y="connsiteY6"/>
-              </a:cxn>
-              <a:cxn ang="0">
-                <a:pos x="connsiteX7" y="connsiteY7"/>
-              </a:cxn>
-              <a:cxn ang="0">
-                <a:pos x="connsiteX8" y="connsiteY8"/>
-              </a:cxn>
-              <a:cxn ang="0">
-                <a:pos x="connsiteX9" y="connsiteY9"/>
-              </a:cxn>
-              <a:cxn ang="0">
-                <a:pos x="connsiteX10" y="connsiteY10"/>
-              </a:cxn>
-              <a:cxn ang="0">
-                <a:pos x="connsiteX11" y="connsiteY11"/>
-              </a:cxn>
-              <a:cxn ang="0">
-                <a:pos x="connsiteX12" y="connsiteY12"/>
-              </a:cxn>
-            </a:cxnLst>
-            <a:rect l="l" t="t" r="r" b="b"/>
-            <a:pathLst>
-              <a:path w="2495107" h="314123" fill="none" extrusionOk="0">
-                <a:moveTo>
-                  <a:pt x="0" y="0"/>
-                </a:moveTo>
-                <a:cubicBezTo>
-                  <a:pt x="141765" y="-29987"/>
-                  <a:pt x="350963" y="6740"/>
-                  <a:pt x="548924" y="0"/>
-                </a:cubicBezTo>
-                <a:cubicBezTo>
-                  <a:pt x="746885" y="-6740"/>
-                  <a:pt x="922831" y="64591"/>
-                  <a:pt x="1097847" y="0"/>
-                </a:cubicBezTo>
-                <a:cubicBezTo>
-                  <a:pt x="1272863" y="-64591"/>
-                  <a:pt x="1474434" y="19955"/>
-                  <a:pt x="1621820" y="0"/>
-                </a:cubicBezTo>
-                <a:cubicBezTo>
-                  <a:pt x="1769206" y="-19955"/>
-                  <a:pt x="1872213" y="4777"/>
-                  <a:pt x="2045988" y="0"/>
-                </a:cubicBezTo>
-                <a:cubicBezTo>
-                  <a:pt x="2219763" y="-4777"/>
-                  <a:pt x="2349283" y="30314"/>
-                  <a:pt x="2495107" y="0"/>
-                </a:cubicBezTo>
-                <a:cubicBezTo>
-                  <a:pt x="2500418" y="65163"/>
-                  <a:pt x="2472802" y="237658"/>
-                  <a:pt x="2495107" y="314123"/>
-                </a:cubicBezTo>
-                <a:cubicBezTo>
-                  <a:pt x="2290704" y="314348"/>
-                  <a:pt x="2206687" y="310627"/>
-                  <a:pt x="2070939" y="314123"/>
-                </a:cubicBezTo>
-                <a:cubicBezTo>
-                  <a:pt x="1935191" y="317619"/>
-                  <a:pt x="1654180" y="288579"/>
-                  <a:pt x="1522015" y="314123"/>
-                </a:cubicBezTo>
-                <a:cubicBezTo>
-                  <a:pt x="1389850" y="339667"/>
-                  <a:pt x="1104888" y="279133"/>
-                  <a:pt x="973092" y="314123"/>
-                </a:cubicBezTo>
-                <a:cubicBezTo>
-                  <a:pt x="841296" y="349113"/>
-                  <a:pt x="639720" y="295225"/>
-                  <a:pt x="499021" y="314123"/>
-                </a:cubicBezTo>
-                <a:cubicBezTo>
-                  <a:pt x="358322" y="333021"/>
-                  <a:pt x="203650" y="254269"/>
-                  <a:pt x="0" y="314123"/>
-                </a:cubicBezTo>
-                <a:cubicBezTo>
-                  <a:pt x="-13249" y="229568"/>
-                  <a:pt x="25515" y="90623"/>
-                  <a:pt x="0" y="0"/>
-                </a:cubicBezTo>
-                <a:close/>
-              </a:path>
-              <a:path w="2495107" h="314123" stroke="0" extrusionOk="0">
-                <a:moveTo>
-                  <a:pt x="0" y="0"/>
-                </a:moveTo>
-                <a:cubicBezTo>
-                  <a:pt x="95478" y="-17737"/>
-                  <a:pt x="373827" y="38109"/>
-                  <a:pt x="474070" y="0"/>
-                </a:cubicBezTo>
-                <a:cubicBezTo>
-                  <a:pt x="574313" y="-38109"/>
-                  <a:pt x="815405" y="34246"/>
-                  <a:pt x="948141" y="0"/>
-                </a:cubicBezTo>
-                <a:cubicBezTo>
-                  <a:pt x="1080877" y="-34246"/>
-                  <a:pt x="1224268" y="30609"/>
-                  <a:pt x="1397260" y="0"/>
-                </a:cubicBezTo>
-                <a:cubicBezTo>
-                  <a:pt x="1570252" y="-30609"/>
-                  <a:pt x="1714853" y="37846"/>
-                  <a:pt x="1921232" y="0"/>
-                </a:cubicBezTo>
-                <a:cubicBezTo>
-                  <a:pt x="2127611" y="-37846"/>
-                  <a:pt x="2224780" y="13193"/>
-                  <a:pt x="2495107" y="0"/>
-                </a:cubicBezTo>
-                <a:cubicBezTo>
-                  <a:pt x="2526033" y="121151"/>
-                  <a:pt x="2464641" y="169648"/>
-                  <a:pt x="2495107" y="314123"/>
-                </a:cubicBezTo>
-                <a:cubicBezTo>
-                  <a:pt x="2386349" y="326444"/>
-                  <a:pt x="2235372" y="273863"/>
-                  <a:pt x="2070939" y="314123"/>
-                </a:cubicBezTo>
-                <a:cubicBezTo>
-                  <a:pt x="1906506" y="354383"/>
-                  <a:pt x="1715085" y="265690"/>
-                  <a:pt x="1596868" y="314123"/>
-                </a:cubicBezTo>
-                <a:cubicBezTo>
-                  <a:pt x="1478651" y="362556"/>
-                  <a:pt x="1310896" y="289484"/>
-                  <a:pt x="1147749" y="314123"/>
-                </a:cubicBezTo>
-                <a:cubicBezTo>
-                  <a:pt x="984602" y="338762"/>
-                  <a:pt x="838930" y="280563"/>
-                  <a:pt x="623777" y="314123"/>
-                </a:cubicBezTo>
-                <a:cubicBezTo>
-                  <a:pt x="408624" y="347683"/>
-                  <a:pt x="210932" y="240192"/>
-                  <a:pt x="0" y="314123"/>
-                </a:cubicBezTo>
-                <a:cubicBezTo>
-                  <a:pt x="-4616" y="161189"/>
-                  <a:pt x="30958" y="78033"/>
-                  <a:pt x="0" y="0"/>
-                </a:cubicBezTo>
-                <a:close/>
-              </a:path>
-            </a:pathLst>
-          </a:custGeom>
-          <a:ln>
-            <a:extLst>
-              <a:ext uri="{C807C97D-BFC1-408E-A445-0C87EB9F89A2}">
-                <ask:lineSketchStyleProps xmlns:ask="http://schemas.microsoft.com/office/drawing/2018/sketchyshapes" sd="1602037377">
-                  <a:prstGeom prst="rect">
-                    <a:avLst/>
-                  </a:prstGeom>
-                  <ask:type>
-                    <ask:lineSketchScribble/>
-                  </ask:type>
-                </ask:lineSketchStyleProps>
-              </a:ext>
-            </a:extLst>
-          </a:ln>
-        </p:spPr>
-        <p:style>
-          <a:lnRef idx="2">
-            <a:schemeClr val="accent1">
-              <a:shade val="15000"/>
-            </a:schemeClr>
-          </a:lnRef>
-          <a:fillRef idx="1">
-            <a:schemeClr val="accent1"/>
-          </a:fillRef>
-          <a:effectRef idx="0">
-            <a:schemeClr val="accent1"/>
-          </a:effectRef>
-          <a:fontRef idx="minor">
-            <a:schemeClr val="lt1"/>
-          </a:fontRef>
-        </p:style>
-        <p:txBody>
-          <a:bodyPr rtlCol="0" anchor="ctr"/>
-          <a:lstStyle/>
-          <a:p>
-            <a:pPr algn="ctr"/>
-            <a:r>
-              <a:rPr lang="en-US" sz="1400" dirty="0"/>
-              <a:t>ECG Encoder</a:t>
-            </a:r>
-          </a:p>
-        </p:txBody>
-      </p:sp>
-      <p:sp>
-        <p:nvSpPr>
-          <p:cNvPr id="14" name="Rectangle 13">
-            <a:extLst>
-              <a:ext uri="{FF2B5EF4-FFF2-40B4-BE49-F238E27FC236}">
-                <a16:creationId xmlns:a16="http://schemas.microsoft.com/office/drawing/2014/main" id="{30EF9610-B25A-25C4-1DC5-37A2389E9209}"/>
-              </a:ext>
-            </a:extLst>
-          </p:cNvPr>
-          <p:cNvSpPr/>
-          <p:nvPr/>
-        </p:nvSpPr>
-        <p:spPr>
-          <a:xfrm>
-            <a:off x="2320901" y="5494429"/>
-            <a:ext cx="2541144" cy="314123"/>
-          </a:xfrm>
-          <a:custGeom>
-            <a:avLst/>
-            <a:gdLst>
-              <a:gd name="connsiteX0" fmla="*/ 0 w 2541144"/>
-              <a:gd name="connsiteY0" fmla="*/ 0 h 314123"/>
-              <a:gd name="connsiteX1" fmla="*/ 559052 w 2541144"/>
-              <a:gd name="connsiteY1" fmla="*/ 0 h 314123"/>
-              <a:gd name="connsiteX2" fmla="*/ 1118103 w 2541144"/>
-              <a:gd name="connsiteY2" fmla="*/ 0 h 314123"/>
-              <a:gd name="connsiteX3" fmla="*/ 1651744 w 2541144"/>
-              <a:gd name="connsiteY3" fmla="*/ 0 h 314123"/>
-              <a:gd name="connsiteX4" fmla="*/ 2083738 w 2541144"/>
-              <a:gd name="connsiteY4" fmla="*/ 0 h 314123"/>
-              <a:gd name="connsiteX5" fmla="*/ 2541144 w 2541144"/>
-              <a:gd name="connsiteY5" fmla="*/ 0 h 314123"/>
-              <a:gd name="connsiteX6" fmla="*/ 2541144 w 2541144"/>
-              <a:gd name="connsiteY6" fmla="*/ 314123 h 314123"/>
-              <a:gd name="connsiteX7" fmla="*/ 2109150 w 2541144"/>
-              <a:gd name="connsiteY7" fmla="*/ 314123 h 314123"/>
-              <a:gd name="connsiteX8" fmla="*/ 1550098 w 2541144"/>
-              <a:gd name="connsiteY8" fmla="*/ 314123 h 314123"/>
-              <a:gd name="connsiteX9" fmla="*/ 991046 w 2541144"/>
-              <a:gd name="connsiteY9" fmla="*/ 314123 h 314123"/>
-              <a:gd name="connsiteX10" fmla="*/ 508229 w 2541144"/>
-              <a:gd name="connsiteY10" fmla="*/ 314123 h 314123"/>
-              <a:gd name="connsiteX11" fmla="*/ 0 w 2541144"/>
-              <a:gd name="connsiteY11" fmla="*/ 314123 h 314123"/>
-              <a:gd name="connsiteX12" fmla="*/ 0 w 2541144"/>
-              <a:gd name="connsiteY12" fmla="*/ 0 h 314123"/>
-            </a:gdLst>
-            <a:ahLst/>
-            <a:cxnLst>
-              <a:cxn ang="0">
-                <a:pos x="connsiteX0" y="connsiteY0"/>
-              </a:cxn>
-              <a:cxn ang="0">
-                <a:pos x="connsiteX1" y="connsiteY1"/>
-              </a:cxn>
-              <a:cxn ang="0">
-                <a:pos x="connsiteX2" y="connsiteY2"/>
-              </a:cxn>
-              <a:cxn ang="0">
-                <a:pos x="connsiteX3" y="connsiteY3"/>
-              </a:cxn>
-              <a:cxn ang="0">
-                <a:pos x="connsiteX4" y="connsiteY4"/>
-              </a:cxn>
-              <a:cxn ang="0">
-                <a:pos x="connsiteX5" y="connsiteY5"/>
-              </a:cxn>
-              <a:cxn ang="0">
-                <a:pos x="connsiteX6" y="connsiteY6"/>
-              </a:cxn>
-              <a:cxn ang="0">
-                <a:pos x="connsiteX7" y="connsiteY7"/>
-              </a:cxn>
-              <a:cxn ang="0">
-                <a:pos x="connsiteX8" y="connsiteY8"/>
-              </a:cxn>
-              <a:cxn ang="0">
-                <a:pos x="connsiteX9" y="connsiteY9"/>
-              </a:cxn>
-              <a:cxn ang="0">
-                <a:pos x="connsiteX10" y="connsiteY10"/>
-              </a:cxn>
-              <a:cxn ang="0">
-                <a:pos x="connsiteX11" y="connsiteY11"/>
-              </a:cxn>
-              <a:cxn ang="0">
-                <a:pos x="connsiteX12" y="connsiteY12"/>
-              </a:cxn>
-            </a:cxnLst>
-            <a:rect l="l" t="t" r="r" b="b"/>
-            <a:pathLst>
-              <a:path w="2541144" h="314123" fill="none" extrusionOk="0">
-                <a:moveTo>
-                  <a:pt x="0" y="0"/>
-                </a:moveTo>
-                <a:cubicBezTo>
-                  <a:pt x="197846" y="-59352"/>
-                  <a:pt x="446409" y="28060"/>
-                  <a:pt x="559052" y="0"/>
-                </a:cubicBezTo>
-                <a:cubicBezTo>
-                  <a:pt x="671695" y="-28060"/>
-                  <a:pt x="979749" y="62105"/>
-                  <a:pt x="1118103" y="0"/>
-                </a:cubicBezTo>
-                <a:cubicBezTo>
-                  <a:pt x="1256457" y="-62105"/>
-                  <a:pt x="1395726" y="54714"/>
-                  <a:pt x="1651744" y="0"/>
-                </a:cubicBezTo>
-                <a:cubicBezTo>
-                  <a:pt x="1907762" y="-54714"/>
-                  <a:pt x="1958242" y="25624"/>
-                  <a:pt x="2083738" y="0"/>
-                </a:cubicBezTo>
-                <a:cubicBezTo>
-                  <a:pt x="2209234" y="-25624"/>
-                  <a:pt x="2419837" y="39930"/>
-                  <a:pt x="2541144" y="0"/>
-                </a:cubicBezTo>
-                <a:cubicBezTo>
-                  <a:pt x="2546455" y="65163"/>
-                  <a:pt x="2518839" y="237658"/>
-                  <a:pt x="2541144" y="314123"/>
-                </a:cubicBezTo>
-                <a:cubicBezTo>
-                  <a:pt x="2372644" y="328734"/>
-                  <a:pt x="2215206" y="295932"/>
-                  <a:pt x="2109150" y="314123"/>
-                </a:cubicBezTo>
-                <a:cubicBezTo>
-                  <a:pt x="2003094" y="332314"/>
-                  <a:pt x="1690839" y="282182"/>
-                  <a:pt x="1550098" y="314123"/>
-                </a:cubicBezTo>
-                <a:cubicBezTo>
-                  <a:pt x="1409357" y="346064"/>
-                  <a:pt x="1140655" y="304816"/>
-                  <a:pt x="991046" y="314123"/>
-                </a:cubicBezTo>
-                <a:cubicBezTo>
-                  <a:pt x="841437" y="323430"/>
-                  <a:pt x="696494" y="294982"/>
-                  <a:pt x="508229" y="314123"/>
-                </a:cubicBezTo>
-                <a:cubicBezTo>
-                  <a:pt x="319964" y="333264"/>
-                  <a:pt x="117113" y="257204"/>
-                  <a:pt x="0" y="314123"/>
-                </a:cubicBezTo>
-                <a:cubicBezTo>
-                  <a:pt x="-13249" y="229568"/>
-                  <a:pt x="25515" y="90623"/>
-                  <a:pt x="0" y="0"/>
-                </a:cubicBezTo>
-                <a:close/>
-              </a:path>
-              <a:path w="2541144" h="314123" stroke="0" extrusionOk="0">
-                <a:moveTo>
-                  <a:pt x="0" y="0"/>
-                </a:moveTo>
-                <a:cubicBezTo>
-                  <a:pt x="98276" y="-57018"/>
-                  <a:pt x="352474" y="3930"/>
-                  <a:pt x="482817" y="0"/>
-                </a:cubicBezTo>
-                <a:cubicBezTo>
-                  <a:pt x="613160" y="-3930"/>
-                  <a:pt x="768969" y="46798"/>
-                  <a:pt x="965635" y="0"/>
-                </a:cubicBezTo>
-                <a:cubicBezTo>
-                  <a:pt x="1162301" y="-46798"/>
-                  <a:pt x="1263431" y="44035"/>
-                  <a:pt x="1423041" y="0"/>
-                </a:cubicBezTo>
-                <a:cubicBezTo>
-                  <a:pt x="1582651" y="-44035"/>
-                  <a:pt x="1798604" y="30102"/>
-                  <a:pt x="1956681" y="0"/>
-                </a:cubicBezTo>
-                <a:cubicBezTo>
-                  <a:pt x="2114758" y="-30102"/>
-                  <a:pt x="2348725" y="38602"/>
-                  <a:pt x="2541144" y="0"/>
-                </a:cubicBezTo>
-                <a:cubicBezTo>
-                  <a:pt x="2572070" y="121151"/>
-                  <a:pt x="2510678" y="169648"/>
-                  <a:pt x="2541144" y="314123"/>
-                </a:cubicBezTo>
-                <a:cubicBezTo>
-                  <a:pt x="2410461" y="315352"/>
-                  <a:pt x="2300133" y="287876"/>
-                  <a:pt x="2109150" y="314123"/>
-                </a:cubicBezTo>
-                <a:cubicBezTo>
-                  <a:pt x="1918167" y="340370"/>
-                  <a:pt x="1831692" y="303916"/>
-                  <a:pt x="1626332" y="314123"/>
-                </a:cubicBezTo>
-                <a:cubicBezTo>
-                  <a:pt x="1420972" y="324330"/>
-                  <a:pt x="1278312" y="305311"/>
-                  <a:pt x="1168926" y="314123"/>
-                </a:cubicBezTo>
-                <a:cubicBezTo>
-                  <a:pt x="1059540" y="322935"/>
-                  <a:pt x="752032" y="310908"/>
-                  <a:pt x="635286" y="314123"/>
-                </a:cubicBezTo>
-                <a:cubicBezTo>
-                  <a:pt x="518540" y="317338"/>
-                  <a:pt x="158808" y="248379"/>
-                  <a:pt x="0" y="314123"/>
-                </a:cubicBezTo>
-                <a:cubicBezTo>
-                  <a:pt x="-4616" y="161189"/>
-                  <a:pt x="30958" y="78033"/>
-                  <a:pt x="0" y="0"/>
-                </a:cubicBezTo>
-                <a:close/>
-              </a:path>
-            </a:pathLst>
-          </a:custGeom>
-          <a:ln>
-            <a:extLst>
-              <a:ext uri="{C807C97D-BFC1-408E-A445-0C87EB9F89A2}">
-                <ask:lineSketchStyleProps xmlns:ask="http://schemas.microsoft.com/office/drawing/2018/sketchyshapes" sd="1602037377">
-                  <a:prstGeom prst="rect">
-                    <a:avLst/>
-                  </a:prstGeom>
-                  <ask:type>
-                    <ask:lineSketchScribble/>
-                  </ask:type>
-                </ask:lineSketchStyleProps>
-              </a:ext>
-            </a:extLst>
-          </a:ln>
-        </p:spPr>
-        <p:style>
-          <a:lnRef idx="2">
-            <a:schemeClr val="accent1">
-              <a:shade val="15000"/>
-            </a:schemeClr>
-          </a:lnRef>
-          <a:fillRef idx="1">
-            <a:schemeClr val="accent1"/>
-          </a:fillRef>
-          <a:effectRef idx="0">
-            <a:schemeClr val="accent1"/>
-          </a:effectRef>
-          <a:fontRef idx="minor">
-            <a:schemeClr val="lt1"/>
-          </a:fontRef>
-        </p:style>
-        <p:txBody>
-          <a:bodyPr rtlCol="0" anchor="ctr"/>
-          <a:lstStyle/>
-          <a:p>
-            <a:pPr algn="ctr"/>
-            <a:r>
-              <a:rPr lang="en-US" sz="2000" dirty="0"/>
-              <a:t> </a:t>
-            </a:r>
-            <a:r>
-              <a:rPr lang="en-US" sz="1400" dirty="0"/>
-              <a:t>MCG Encoder</a:t>
-            </a:r>
-          </a:p>
-        </p:txBody>
-      </p:sp>
-      <p:sp>
-        <p:nvSpPr>
-          <p:cNvPr id="16" name="Rectangle 15">
-            <a:extLst>
-              <a:ext uri="{FF2B5EF4-FFF2-40B4-BE49-F238E27FC236}">
-                <a16:creationId xmlns:a16="http://schemas.microsoft.com/office/drawing/2014/main" id="{9C58684C-A77F-0892-C29F-47EDA77F4347}"/>
-              </a:ext>
-            </a:extLst>
-          </p:cNvPr>
-          <p:cNvSpPr/>
-          <p:nvPr/>
-        </p:nvSpPr>
-        <p:spPr>
-          <a:xfrm>
-            <a:off x="5346698" y="4970582"/>
-            <a:ext cx="2186003" cy="283669"/>
-          </a:xfrm>
-          <a:custGeom>
-            <a:avLst/>
-            <a:gdLst>
-              <a:gd name="connsiteX0" fmla="*/ 0 w 2186003"/>
-              <a:gd name="connsiteY0" fmla="*/ 0 h 283669"/>
-              <a:gd name="connsiteX1" fmla="*/ 590221 w 2186003"/>
-              <a:gd name="connsiteY1" fmla="*/ 0 h 283669"/>
-              <a:gd name="connsiteX2" fmla="*/ 1071141 w 2186003"/>
-              <a:gd name="connsiteY2" fmla="*/ 0 h 283669"/>
-              <a:gd name="connsiteX3" fmla="*/ 1573922 w 2186003"/>
-              <a:gd name="connsiteY3" fmla="*/ 0 h 283669"/>
-              <a:gd name="connsiteX4" fmla="*/ 2186003 w 2186003"/>
-              <a:gd name="connsiteY4" fmla="*/ 0 h 283669"/>
-              <a:gd name="connsiteX5" fmla="*/ 2186003 w 2186003"/>
-              <a:gd name="connsiteY5" fmla="*/ 283669 h 283669"/>
-              <a:gd name="connsiteX6" fmla="*/ 1683222 w 2186003"/>
-              <a:gd name="connsiteY6" fmla="*/ 283669 h 283669"/>
-              <a:gd name="connsiteX7" fmla="*/ 1114862 w 2186003"/>
-              <a:gd name="connsiteY7" fmla="*/ 283669 h 283669"/>
-              <a:gd name="connsiteX8" fmla="*/ 633941 w 2186003"/>
-              <a:gd name="connsiteY8" fmla="*/ 283669 h 283669"/>
-              <a:gd name="connsiteX9" fmla="*/ 0 w 2186003"/>
-              <a:gd name="connsiteY9" fmla="*/ 283669 h 283669"/>
-              <a:gd name="connsiteX10" fmla="*/ 0 w 2186003"/>
-              <a:gd name="connsiteY10" fmla="*/ 0 h 283669"/>
-            </a:gdLst>
-            <a:ahLst/>
-            <a:cxnLst>
-              <a:cxn ang="0">
-                <a:pos x="connsiteX0" y="connsiteY0"/>
-              </a:cxn>
-              <a:cxn ang="0">
-                <a:pos x="connsiteX1" y="connsiteY1"/>
-              </a:cxn>
-              <a:cxn ang="0">
-                <a:pos x="connsiteX2" y="connsiteY2"/>
-              </a:cxn>
-              <a:cxn ang="0">
-                <a:pos x="connsiteX3" y="connsiteY3"/>
-              </a:cxn>
-              <a:cxn ang="0">
-                <a:pos x="connsiteX4" y="connsiteY4"/>
-              </a:cxn>
-              <a:cxn ang="0">
-                <a:pos x="connsiteX5" y="connsiteY5"/>
-              </a:cxn>
-              <a:cxn ang="0">
-                <a:pos x="connsiteX6" y="connsiteY6"/>
-              </a:cxn>
-              <a:cxn ang="0">
-                <a:pos x="connsiteX7" y="connsiteY7"/>
-              </a:cxn>
-              <a:cxn ang="0">
-                <a:pos x="connsiteX8" y="connsiteY8"/>
-              </a:cxn>
-              <a:cxn ang="0">
-                <a:pos x="connsiteX9" y="connsiteY9"/>
-              </a:cxn>
-              <a:cxn ang="0">
-                <a:pos x="connsiteX10" y="connsiteY10"/>
-              </a:cxn>
-            </a:cxnLst>
-            <a:rect l="l" t="t" r="r" b="b"/>
-            <a:pathLst>
-              <a:path w="2186003" h="283669" fill="none" extrusionOk="0">
-                <a:moveTo>
-                  <a:pt x="0" y="0"/>
-                </a:moveTo>
-                <a:cubicBezTo>
-                  <a:pt x="141067" y="-70418"/>
-                  <a:pt x="370382" y="33745"/>
-                  <a:pt x="590221" y="0"/>
-                </a:cubicBezTo>
-                <a:cubicBezTo>
-                  <a:pt x="810060" y="-33745"/>
-                  <a:pt x="953830" y="22721"/>
-                  <a:pt x="1071141" y="0"/>
-                </a:cubicBezTo>
-                <a:cubicBezTo>
-                  <a:pt x="1188452" y="-22721"/>
-                  <a:pt x="1359946" y="25377"/>
-                  <a:pt x="1573922" y="0"/>
-                </a:cubicBezTo>
-                <a:cubicBezTo>
-                  <a:pt x="1787898" y="-25377"/>
-                  <a:pt x="2061676" y="20927"/>
-                  <a:pt x="2186003" y="0"/>
-                </a:cubicBezTo>
-                <a:cubicBezTo>
-                  <a:pt x="2217740" y="114723"/>
-                  <a:pt x="2179207" y="155154"/>
-                  <a:pt x="2186003" y="283669"/>
-                </a:cubicBezTo>
-                <a:cubicBezTo>
-                  <a:pt x="1996321" y="326009"/>
-                  <a:pt x="1933139" y="227410"/>
-                  <a:pt x="1683222" y="283669"/>
-                </a:cubicBezTo>
-                <a:cubicBezTo>
-                  <a:pt x="1433305" y="339928"/>
-                  <a:pt x="1312412" y="229184"/>
-                  <a:pt x="1114862" y="283669"/>
-                </a:cubicBezTo>
-                <a:cubicBezTo>
-                  <a:pt x="917312" y="338154"/>
-                  <a:pt x="738244" y="242738"/>
-                  <a:pt x="633941" y="283669"/>
-                </a:cubicBezTo>
-                <a:cubicBezTo>
-                  <a:pt x="529638" y="324600"/>
-                  <a:pt x="212827" y="256961"/>
-                  <a:pt x="0" y="283669"/>
-                </a:cubicBezTo>
-                <a:cubicBezTo>
-                  <a:pt x="-1003" y="168077"/>
-                  <a:pt x="10247" y="94007"/>
-                  <a:pt x="0" y="0"/>
-                </a:cubicBezTo>
-                <a:close/>
-              </a:path>
-              <a:path w="2186003" h="283669" stroke="0" extrusionOk="0">
-                <a:moveTo>
-                  <a:pt x="0" y="0"/>
-                </a:moveTo>
-                <a:cubicBezTo>
-                  <a:pt x="137368" y="-32732"/>
-                  <a:pt x="358262" y="24669"/>
-                  <a:pt x="524641" y="0"/>
-                </a:cubicBezTo>
-                <a:cubicBezTo>
-                  <a:pt x="691020" y="-24669"/>
-                  <a:pt x="791369" y="28587"/>
-                  <a:pt x="1049281" y="0"/>
-                </a:cubicBezTo>
-                <a:cubicBezTo>
-                  <a:pt x="1307193" y="-28587"/>
-                  <a:pt x="1320157" y="1665"/>
-                  <a:pt x="1552062" y="0"/>
-                </a:cubicBezTo>
-                <a:cubicBezTo>
-                  <a:pt x="1783967" y="-1665"/>
-                  <a:pt x="2045425" y="10537"/>
-                  <a:pt x="2186003" y="0"/>
-                </a:cubicBezTo>
-                <a:cubicBezTo>
-                  <a:pt x="2194157" y="88492"/>
-                  <a:pt x="2171755" y="212528"/>
-                  <a:pt x="2186003" y="283669"/>
-                </a:cubicBezTo>
-                <a:cubicBezTo>
-                  <a:pt x="2022244" y="306910"/>
-                  <a:pt x="1836602" y="243818"/>
-                  <a:pt x="1661362" y="283669"/>
-                </a:cubicBezTo>
-                <a:cubicBezTo>
-                  <a:pt x="1486122" y="323520"/>
-                  <a:pt x="1303846" y="247346"/>
-                  <a:pt x="1093002" y="283669"/>
-                </a:cubicBezTo>
-                <a:cubicBezTo>
-                  <a:pt x="882158" y="319992"/>
-                  <a:pt x="781556" y="235019"/>
-                  <a:pt x="568361" y="283669"/>
-                </a:cubicBezTo>
-                <a:cubicBezTo>
-                  <a:pt x="355166" y="332319"/>
-                  <a:pt x="114865" y="232079"/>
-                  <a:pt x="0" y="283669"/>
-                </a:cubicBezTo>
-                <a:cubicBezTo>
-                  <a:pt x="-16890" y="207945"/>
-                  <a:pt x="25696" y="92610"/>
-                  <a:pt x="0" y="0"/>
-                </a:cubicBezTo>
-                <a:close/>
-              </a:path>
-            </a:pathLst>
-          </a:custGeom>
-          <a:ln>
-            <a:extLst>
-              <a:ext uri="{C807C97D-BFC1-408E-A445-0C87EB9F89A2}">
-                <ask:lineSketchStyleProps xmlns:ask="http://schemas.microsoft.com/office/drawing/2018/sketchyshapes" sd="1602037377">
-                  <a:prstGeom prst="rect">
-                    <a:avLst/>
-                  </a:prstGeom>
-                  <ask:type>
-                    <ask:lineSketchScribble/>
-                  </ask:type>
-                </ask:lineSketchStyleProps>
-              </a:ext>
-            </a:extLst>
-          </a:ln>
-        </p:spPr>
-        <p:style>
-          <a:lnRef idx="2">
-            <a:schemeClr val="accent1">
-              <a:shade val="15000"/>
-            </a:schemeClr>
-          </a:lnRef>
-          <a:fillRef idx="1">
-            <a:schemeClr val="accent1"/>
-          </a:fillRef>
-          <a:effectRef idx="0">
-            <a:schemeClr val="accent1"/>
-          </a:effectRef>
-          <a:fontRef idx="minor">
-            <a:schemeClr val="lt1"/>
-          </a:fontRef>
-        </p:style>
-        <p:txBody>
-          <a:bodyPr rtlCol="0" anchor="ctr"/>
-          <a:lstStyle/>
-          <a:p>
-            <a:pPr algn="ctr"/>
-            <a:r>
-              <a:rPr lang="en-US" sz="1400" dirty="0"/>
-              <a:t>Projection</a:t>
-            </a:r>
-          </a:p>
-        </p:txBody>
-      </p:sp>
-      <p:sp>
-        <p:nvSpPr>
-          <p:cNvPr id="17" name="Rectangle 16">
-            <a:extLst>
-              <a:ext uri="{FF2B5EF4-FFF2-40B4-BE49-F238E27FC236}">
-                <a16:creationId xmlns:a16="http://schemas.microsoft.com/office/drawing/2014/main" id="{50A79FB4-215A-85E9-1A0B-821D22A0A9B6}"/>
-              </a:ext>
-            </a:extLst>
-          </p:cNvPr>
-          <p:cNvSpPr/>
-          <p:nvPr/>
-        </p:nvSpPr>
-        <p:spPr>
-          <a:xfrm>
-            <a:off x="5346700" y="5501863"/>
-            <a:ext cx="2186003" cy="283670"/>
-          </a:xfrm>
-          <a:custGeom>
-            <a:avLst/>
-            <a:gdLst>
-              <a:gd name="connsiteX0" fmla="*/ 0 w 2186003"/>
-              <a:gd name="connsiteY0" fmla="*/ 0 h 283670"/>
-              <a:gd name="connsiteX1" fmla="*/ 590221 w 2186003"/>
-              <a:gd name="connsiteY1" fmla="*/ 0 h 283670"/>
-              <a:gd name="connsiteX2" fmla="*/ 1071141 w 2186003"/>
-              <a:gd name="connsiteY2" fmla="*/ 0 h 283670"/>
-              <a:gd name="connsiteX3" fmla="*/ 1573922 w 2186003"/>
-              <a:gd name="connsiteY3" fmla="*/ 0 h 283670"/>
-              <a:gd name="connsiteX4" fmla="*/ 2186003 w 2186003"/>
-              <a:gd name="connsiteY4" fmla="*/ 0 h 283670"/>
-              <a:gd name="connsiteX5" fmla="*/ 2186003 w 2186003"/>
-              <a:gd name="connsiteY5" fmla="*/ 283670 h 283670"/>
-              <a:gd name="connsiteX6" fmla="*/ 1683222 w 2186003"/>
-              <a:gd name="connsiteY6" fmla="*/ 283670 h 283670"/>
-              <a:gd name="connsiteX7" fmla="*/ 1114862 w 2186003"/>
-              <a:gd name="connsiteY7" fmla="*/ 283670 h 283670"/>
-              <a:gd name="connsiteX8" fmla="*/ 633941 w 2186003"/>
-              <a:gd name="connsiteY8" fmla="*/ 283670 h 283670"/>
-              <a:gd name="connsiteX9" fmla="*/ 0 w 2186003"/>
-              <a:gd name="connsiteY9" fmla="*/ 283670 h 283670"/>
-              <a:gd name="connsiteX10" fmla="*/ 0 w 2186003"/>
-              <a:gd name="connsiteY10" fmla="*/ 0 h 283670"/>
-            </a:gdLst>
-            <a:ahLst/>
-            <a:cxnLst>
-              <a:cxn ang="0">
-                <a:pos x="connsiteX0" y="connsiteY0"/>
-              </a:cxn>
-              <a:cxn ang="0">
-                <a:pos x="connsiteX1" y="connsiteY1"/>
-              </a:cxn>
-              <a:cxn ang="0">
-                <a:pos x="connsiteX2" y="connsiteY2"/>
-              </a:cxn>
-              <a:cxn ang="0">
-                <a:pos x="connsiteX3" y="connsiteY3"/>
-              </a:cxn>
-              <a:cxn ang="0">
-                <a:pos x="connsiteX4" y="connsiteY4"/>
-              </a:cxn>
-              <a:cxn ang="0">
-                <a:pos x="connsiteX5" y="connsiteY5"/>
-              </a:cxn>
-              <a:cxn ang="0">
-                <a:pos x="connsiteX6" y="connsiteY6"/>
-              </a:cxn>
-              <a:cxn ang="0">
-                <a:pos x="connsiteX7" y="connsiteY7"/>
-              </a:cxn>
-              <a:cxn ang="0">
-                <a:pos x="connsiteX8" y="connsiteY8"/>
-              </a:cxn>
-              <a:cxn ang="0">
-                <a:pos x="connsiteX9" y="connsiteY9"/>
-              </a:cxn>
-              <a:cxn ang="0">
-                <a:pos x="connsiteX10" y="connsiteY10"/>
-              </a:cxn>
-            </a:cxnLst>
-            <a:rect l="l" t="t" r="r" b="b"/>
-            <a:pathLst>
-              <a:path w="2186003" h="283670" fill="none" extrusionOk="0">
-                <a:moveTo>
-                  <a:pt x="0" y="0"/>
-                </a:moveTo>
-                <a:cubicBezTo>
-                  <a:pt x="141067" y="-70418"/>
-                  <a:pt x="370382" y="33745"/>
-                  <a:pt x="590221" y="0"/>
-                </a:cubicBezTo>
-                <a:cubicBezTo>
-                  <a:pt x="810060" y="-33745"/>
-                  <a:pt x="953830" y="22721"/>
-                  <a:pt x="1071141" y="0"/>
-                </a:cubicBezTo>
-                <a:cubicBezTo>
-                  <a:pt x="1188452" y="-22721"/>
-                  <a:pt x="1359946" y="25377"/>
-                  <a:pt x="1573922" y="0"/>
-                </a:cubicBezTo>
-                <a:cubicBezTo>
-                  <a:pt x="1787898" y="-25377"/>
-                  <a:pt x="2061676" y="20927"/>
-                  <a:pt x="2186003" y="0"/>
-                </a:cubicBezTo>
-                <a:cubicBezTo>
-                  <a:pt x="2218602" y="112807"/>
-                  <a:pt x="2181946" y="154971"/>
-                  <a:pt x="2186003" y="283670"/>
-                </a:cubicBezTo>
-                <a:cubicBezTo>
-                  <a:pt x="1996321" y="326010"/>
-                  <a:pt x="1933139" y="227411"/>
-                  <a:pt x="1683222" y="283670"/>
-                </a:cubicBezTo>
-                <a:cubicBezTo>
-                  <a:pt x="1433305" y="339929"/>
-                  <a:pt x="1312412" y="229185"/>
-                  <a:pt x="1114862" y="283670"/>
-                </a:cubicBezTo>
-                <a:cubicBezTo>
-                  <a:pt x="917312" y="338155"/>
-                  <a:pt x="738244" y="242739"/>
-                  <a:pt x="633941" y="283670"/>
-                </a:cubicBezTo>
-                <a:cubicBezTo>
-                  <a:pt x="529638" y="324601"/>
-                  <a:pt x="212827" y="256962"/>
-                  <a:pt x="0" y="283670"/>
-                </a:cubicBezTo>
-                <a:cubicBezTo>
-                  <a:pt x="-15665" y="179326"/>
-                  <a:pt x="5309" y="108990"/>
-                  <a:pt x="0" y="0"/>
-                </a:cubicBezTo>
-                <a:close/>
-              </a:path>
-              <a:path w="2186003" h="283670" stroke="0" extrusionOk="0">
-                <a:moveTo>
-                  <a:pt x="0" y="0"/>
-                </a:moveTo>
-                <a:cubicBezTo>
-                  <a:pt x="137368" y="-32732"/>
-                  <a:pt x="358262" y="24669"/>
-                  <a:pt x="524641" y="0"/>
-                </a:cubicBezTo>
-                <a:cubicBezTo>
-                  <a:pt x="691020" y="-24669"/>
-                  <a:pt x="791369" y="28587"/>
-                  <a:pt x="1049281" y="0"/>
-                </a:cubicBezTo>
-                <a:cubicBezTo>
-                  <a:pt x="1307193" y="-28587"/>
-                  <a:pt x="1320157" y="1665"/>
-                  <a:pt x="1552062" y="0"/>
-                </a:cubicBezTo>
-                <a:cubicBezTo>
-                  <a:pt x="1783967" y="-1665"/>
-                  <a:pt x="2045425" y="10537"/>
-                  <a:pt x="2186003" y="0"/>
-                </a:cubicBezTo>
-                <a:cubicBezTo>
-                  <a:pt x="2199365" y="80635"/>
-                  <a:pt x="2181623" y="212332"/>
-                  <a:pt x="2186003" y="283670"/>
-                </a:cubicBezTo>
-                <a:cubicBezTo>
-                  <a:pt x="2022244" y="306911"/>
-                  <a:pt x="1836602" y="243819"/>
-                  <a:pt x="1661362" y="283670"/>
-                </a:cubicBezTo>
-                <a:cubicBezTo>
-                  <a:pt x="1486122" y="323521"/>
-                  <a:pt x="1303846" y="247347"/>
-                  <a:pt x="1093002" y="283670"/>
-                </a:cubicBezTo>
-                <a:cubicBezTo>
-                  <a:pt x="882158" y="319993"/>
-                  <a:pt x="781556" y="235020"/>
-                  <a:pt x="568361" y="283670"/>
-                </a:cubicBezTo>
-                <a:cubicBezTo>
-                  <a:pt x="355166" y="332320"/>
-                  <a:pt x="114865" y="232080"/>
-                  <a:pt x="0" y="283670"/>
-                </a:cubicBezTo>
-                <a:cubicBezTo>
-                  <a:pt x="-26598" y="215787"/>
-                  <a:pt x="12416" y="104162"/>
-                  <a:pt x="0" y="0"/>
-                </a:cubicBezTo>
-                <a:close/>
-              </a:path>
-            </a:pathLst>
-          </a:custGeom>
-          <a:ln>
-            <a:extLst>
-              <a:ext uri="{C807C97D-BFC1-408E-A445-0C87EB9F89A2}">
-                <ask:lineSketchStyleProps xmlns:ask="http://schemas.microsoft.com/office/drawing/2018/sketchyshapes" sd="1602037377">
-                  <a:prstGeom prst="rect">
-                    <a:avLst/>
-                  </a:prstGeom>
-                  <ask:type>
-                    <ask:lineSketchScribble/>
-                  </ask:type>
-                </ask:lineSketchStyleProps>
-              </a:ext>
-            </a:extLst>
-          </a:ln>
-        </p:spPr>
-        <p:style>
-          <a:lnRef idx="2">
-            <a:schemeClr val="accent1">
-              <a:shade val="15000"/>
-            </a:schemeClr>
-          </a:lnRef>
-          <a:fillRef idx="1">
-            <a:schemeClr val="accent1"/>
-          </a:fillRef>
-          <a:effectRef idx="0">
-            <a:schemeClr val="accent1"/>
-          </a:effectRef>
-          <a:fontRef idx="minor">
-            <a:schemeClr val="lt1"/>
-          </a:fontRef>
-        </p:style>
-        <p:txBody>
-          <a:bodyPr rtlCol="0" anchor="ctr"/>
-          <a:lstStyle/>
-          <a:p>
-            <a:pPr algn="ctr"/>
-            <a:r>
-              <a:rPr lang="en-US" sz="1400" dirty="0"/>
-              <a:t>Projection</a:t>
-            </a:r>
-          </a:p>
-        </p:txBody>
-      </p:sp>
-      <p:sp>
-        <p:nvSpPr>
-          <p:cNvPr id="19" name="Rectangle 18">
-            <a:extLst>
-              <a:ext uri="{FF2B5EF4-FFF2-40B4-BE49-F238E27FC236}">
-                <a16:creationId xmlns:a16="http://schemas.microsoft.com/office/drawing/2014/main" id="{77DEB88A-F0A4-D6EC-427A-14C659757B5F}"/>
-              </a:ext>
-            </a:extLst>
-          </p:cNvPr>
-          <p:cNvSpPr/>
-          <p:nvPr/>
-        </p:nvSpPr>
-        <p:spPr>
-          <a:xfrm>
-            <a:off x="2485197" y="6737300"/>
-            <a:ext cx="2232248" cy="314123"/>
-          </a:xfrm>
-          <a:custGeom>
-            <a:avLst/>
-            <a:gdLst>
-              <a:gd name="connsiteX0" fmla="*/ 0 w 2232248"/>
-              <a:gd name="connsiteY0" fmla="*/ 0 h 314123"/>
-              <a:gd name="connsiteX1" fmla="*/ 602707 w 2232248"/>
-              <a:gd name="connsiteY1" fmla="*/ 0 h 314123"/>
-              <a:gd name="connsiteX2" fmla="*/ 1093802 w 2232248"/>
-              <a:gd name="connsiteY2" fmla="*/ 0 h 314123"/>
-              <a:gd name="connsiteX3" fmla="*/ 1607219 w 2232248"/>
-              <a:gd name="connsiteY3" fmla="*/ 0 h 314123"/>
-              <a:gd name="connsiteX4" fmla="*/ 2232248 w 2232248"/>
-              <a:gd name="connsiteY4" fmla="*/ 0 h 314123"/>
-              <a:gd name="connsiteX5" fmla="*/ 2232248 w 2232248"/>
-              <a:gd name="connsiteY5" fmla="*/ 314123 h 314123"/>
-              <a:gd name="connsiteX6" fmla="*/ 1718831 w 2232248"/>
-              <a:gd name="connsiteY6" fmla="*/ 314123 h 314123"/>
-              <a:gd name="connsiteX7" fmla="*/ 1138446 w 2232248"/>
-              <a:gd name="connsiteY7" fmla="*/ 314123 h 314123"/>
-              <a:gd name="connsiteX8" fmla="*/ 647352 w 2232248"/>
-              <a:gd name="connsiteY8" fmla="*/ 314123 h 314123"/>
-              <a:gd name="connsiteX9" fmla="*/ 0 w 2232248"/>
-              <a:gd name="connsiteY9" fmla="*/ 314123 h 314123"/>
-              <a:gd name="connsiteX10" fmla="*/ 0 w 2232248"/>
-              <a:gd name="connsiteY10" fmla="*/ 0 h 314123"/>
-            </a:gdLst>
-            <a:ahLst/>
-            <a:cxnLst>
-              <a:cxn ang="0">
-                <a:pos x="connsiteX0" y="connsiteY0"/>
-              </a:cxn>
-              <a:cxn ang="0">
-                <a:pos x="connsiteX1" y="connsiteY1"/>
-              </a:cxn>
-              <a:cxn ang="0">
-                <a:pos x="connsiteX2" y="connsiteY2"/>
-              </a:cxn>
-              <a:cxn ang="0">
-                <a:pos x="connsiteX3" y="connsiteY3"/>
-              </a:cxn>
-              <a:cxn ang="0">
-                <a:pos x="connsiteX4" y="connsiteY4"/>
-              </a:cxn>
-              <a:cxn ang="0">
-                <a:pos x="connsiteX5" y="connsiteY5"/>
-              </a:cxn>
-              <a:cxn ang="0">
-                <a:pos x="connsiteX6" y="connsiteY6"/>
-              </a:cxn>
-              <a:cxn ang="0">
-                <a:pos x="connsiteX7" y="connsiteY7"/>
-              </a:cxn>
-              <a:cxn ang="0">
-                <a:pos x="connsiteX8" y="connsiteY8"/>
-              </a:cxn>
-              <a:cxn ang="0">
-                <a:pos x="connsiteX9" y="connsiteY9"/>
-              </a:cxn>
-              <a:cxn ang="0">
-                <a:pos x="connsiteX10" y="connsiteY10"/>
-              </a:cxn>
-            </a:cxnLst>
-            <a:rect l="l" t="t" r="r" b="b"/>
-            <a:pathLst>
-              <a:path w="2232248" h="314123" fill="none" extrusionOk="0">
-                <a:moveTo>
-                  <a:pt x="0" y="0"/>
-                </a:moveTo>
-                <a:cubicBezTo>
-                  <a:pt x="193446" y="-28035"/>
-                  <a:pt x="387353" y="21337"/>
-                  <a:pt x="602707" y="0"/>
-                </a:cubicBezTo>
-                <a:cubicBezTo>
-                  <a:pt x="818061" y="-21337"/>
-                  <a:pt x="897334" y="3693"/>
-                  <a:pt x="1093802" y="0"/>
-                </a:cubicBezTo>
-                <a:cubicBezTo>
-                  <a:pt x="1290271" y="-3693"/>
-                  <a:pt x="1473581" y="2413"/>
-                  <a:pt x="1607219" y="0"/>
-                </a:cubicBezTo>
-                <a:cubicBezTo>
-                  <a:pt x="1740857" y="-2413"/>
-                  <a:pt x="1941264" y="55962"/>
-                  <a:pt x="2232248" y="0"/>
-                </a:cubicBezTo>
-                <a:cubicBezTo>
-                  <a:pt x="2248176" y="92029"/>
-                  <a:pt x="2213146" y="224165"/>
-                  <a:pt x="2232248" y="314123"/>
-                </a:cubicBezTo>
-                <a:cubicBezTo>
-                  <a:pt x="2123873" y="323924"/>
-                  <a:pt x="1965601" y="282703"/>
-                  <a:pt x="1718831" y="314123"/>
-                </a:cubicBezTo>
-                <a:cubicBezTo>
-                  <a:pt x="1472061" y="345543"/>
-                  <a:pt x="1273937" y="255995"/>
-                  <a:pt x="1138446" y="314123"/>
-                </a:cubicBezTo>
-                <a:cubicBezTo>
-                  <a:pt x="1002956" y="372251"/>
-                  <a:pt x="885521" y="270820"/>
-                  <a:pt x="647352" y="314123"/>
-                </a:cubicBezTo>
-                <a:cubicBezTo>
-                  <a:pt x="409183" y="357426"/>
-                  <a:pt x="239605" y="249497"/>
-                  <a:pt x="0" y="314123"/>
-                </a:cubicBezTo>
-                <a:cubicBezTo>
-                  <a:pt x="-32864" y="199492"/>
-                  <a:pt x="14719" y="89422"/>
-                  <a:pt x="0" y="0"/>
-                </a:cubicBezTo>
-                <a:close/>
-              </a:path>
-              <a:path w="2232248" h="314123" stroke="0" extrusionOk="0">
-                <a:moveTo>
-                  <a:pt x="0" y="0"/>
-                </a:moveTo>
-                <a:cubicBezTo>
-                  <a:pt x="254577" y="-25785"/>
-                  <a:pt x="388247" y="16144"/>
-                  <a:pt x="535740" y="0"/>
-                </a:cubicBezTo>
-                <a:cubicBezTo>
-                  <a:pt x="683233" y="-16144"/>
-                  <a:pt x="962853" y="52076"/>
-                  <a:pt x="1071479" y="0"/>
-                </a:cubicBezTo>
-                <a:cubicBezTo>
-                  <a:pt x="1180105" y="-52076"/>
-                  <a:pt x="1374295" y="2370"/>
-                  <a:pt x="1584896" y="0"/>
-                </a:cubicBezTo>
-                <a:cubicBezTo>
-                  <a:pt x="1795497" y="-2370"/>
-                  <a:pt x="2035381" y="59908"/>
-                  <a:pt x="2232248" y="0"/>
-                </a:cubicBezTo>
-                <a:cubicBezTo>
-                  <a:pt x="2266633" y="87533"/>
-                  <a:pt x="2219609" y="180532"/>
-                  <a:pt x="2232248" y="314123"/>
-                </a:cubicBezTo>
-                <a:cubicBezTo>
-                  <a:pt x="1973764" y="372511"/>
-                  <a:pt x="1807129" y="309683"/>
-                  <a:pt x="1696508" y="314123"/>
-                </a:cubicBezTo>
-                <a:cubicBezTo>
-                  <a:pt x="1585887" y="318563"/>
-                  <a:pt x="1334927" y="249258"/>
-                  <a:pt x="1116124" y="314123"/>
-                </a:cubicBezTo>
-                <a:cubicBezTo>
-                  <a:pt x="897321" y="378988"/>
-                  <a:pt x="836172" y="308278"/>
-                  <a:pt x="580384" y="314123"/>
-                </a:cubicBezTo>
-                <a:cubicBezTo>
-                  <a:pt x="324596" y="319968"/>
-                  <a:pt x="288377" y="267668"/>
-                  <a:pt x="0" y="314123"/>
-                </a:cubicBezTo>
-                <a:cubicBezTo>
-                  <a:pt x="-24319" y="226329"/>
-                  <a:pt x="7820" y="107137"/>
-                  <a:pt x="0" y="0"/>
-                </a:cubicBezTo>
-                <a:close/>
-              </a:path>
-            </a:pathLst>
-          </a:custGeom>
-          <a:ln>
-            <a:extLst>
-              <a:ext uri="{C807C97D-BFC1-408E-A445-0C87EB9F89A2}">
-                <ask:lineSketchStyleProps xmlns:ask="http://schemas.microsoft.com/office/drawing/2018/sketchyshapes" sd="1602037377">
-                  <a:prstGeom prst="rect">
-                    <a:avLst/>
-                  </a:prstGeom>
-                  <ask:type>
-                    <ask:lineSketchScribble/>
-                  </ask:type>
-                </ask:lineSketchStyleProps>
-              </a:ext>
-            </a:extLst>
-          </a:ln>
-        </p:spPr>
-        <p:style>
-          <a:lnRef idx="2">
-            <a:schemeClr val="accent1">
-              <a:shade val="15000"/>
-            </a:schemeClr>
-          </a:lnRef>
-          <a:fillRef idx="1">
-            <a:schemeClr val="accent1"/>
-          </a:fillRef>
-          <a:effectRef idx="0">
-            <a:schemeClr val="accent1"/>
-          </a:effectRef>
-          <a:fontRef idx="minor">
-            <a:schemeClr val="lt1"/>
-          </a:fontRef>
-        </p:style>
-        <p:txBody>
-          <a:bodyPr rtlCol="0" anchor="ctr"/>
-          <a:lstStyle/>
-          <a:p>
-            <a:pPr algn="ctr"/>
-            <a:r>
-              <a:rPr lang="en-US" sz="1400" dirty="0"/>
-              <a:t>(paired beats)</a:t>
-            </a:r>
-          </a:p>
-        </p:txBody>
-      </p:sp>
-      <p:sp>
-        <p:nvSpPr>
-          <p:cNvPr id="20" name="Rectangle 19">
-            <a:extLst>
-              <a:ext uri="{FF2B5EF4-FFF2-40B4-BE49-F238E27FC236}">
-                <a16:creationId xmlns:a16="http://schemas.microsoft.com/office/drawing/2014/main" id="{CA09B2EE-4731-2002-3149-4BA3B91EC273}"/>
-              </a:ext>
-            </a:extLst>
-          </p:cNvPr>
-          <p:cNvSpPr/>
-          <p:nvPr/>
-        </p:nvSpPr>
-        <p:spPr>
-          <a:xfrm>
-            <a:off x="8185172" y="5054419"/>
-            <a:ext cx="2317728" cy="620775"/>
-          </a:xfrm>
-          <a:custGeom>
-            <a:avLst/>
-            <a:gdLst>
-              <a:gd name="connsiteX0" fmla="*/ 0 w 2317728"/>
-              <a:gd name="connsiteY0" fmla="*/ 0 h 620775"/>
-              <a:gd name="connsiteX1" fmla="*/ 625787 w 2317728"/>
-              <a:gd name="connsiteY1" fmla="*/ 0 h 620775"/>
-              <a:gd name="connsiteX2" fmla="*/ 1251573 w 2317728"/>
-              <a:gd name="connsiteY2" fmla="*/ 0 h 620775"/>
-              <a:gd name="connsiteX3" fmla="*/ 2317728 w 2317728"/>
-              <a:gd name="connsiteY3" fmla="*/ 0 h 620775"/>
-              <a:gd name="connsiteX4" fmla="*/ 2317728 w 2317728"/>
-              <a:gd name="connsiteY4" fmla="*/ 291764 h 620775"/>
-              <a:gd name="connsiteX5" fmla="*/ 2317728 w 2317728"/>
-              <a:gd name="connsiteY5" fmla="*/ 620775 h 620775"/>
-              <a:gd name="connsiteX6" fmla="*/ 1691941 w 2317728"/>
-              <a:gd name="connsiteY6" fmla="*/ 620775 h 620775"/>
-              <a:gd name="connsiteX7" fmla="*/ 1066155 w 2317728"/>
-              <a:gd name="connsiteY7" fmla="*/ 620775 h 620775"/>
-              <a:gd name="connsiteX8" fmla="*/ 0 w 2317728"/>
-              <a:gd name="connsiteY8" fmla="*/ 620775 h 620775"/>
-              <a:gd name="connsiteX9" fmla="*/ 0 w 2317728"/>
-              <a:gd name="connsiteY9" fmla="*/ 297972 h 620775"/>
-              <a:gd name="connsiteX10" fmla="*/ 0 w 2317728"/>
-              <a:gd name="connsiteY10" fmla="*/ 0 h 620775"/>
-            </a:gdLst>
-            <a:ahLst/>
-            <a:cxnLst>
-              <a:cxn ang="0">
-                <a:pos x="connsiteX0" y="connsiteY0"/>
-              </a:cxn>
-              <a:cxn ang="0">
-                <a:pos x="connsiteX1" y="connsiteY1"/>
-              </a:cxn>
-              <a:cxn ang="0">
-                <a:pos x="connsiteX2" y="connsiteY2"/>
-              </a:cxn>
-              <a:cxn ang="0">
-                <a:pos x="connsiteX3" y="connsiteY3"/>
-              </a:cxn>
-              <a:cxn ang="0">
-                <a:pos x="connsiteX4" y="connsiteY4"/>
-              </a:cxn>
-              <a:cxn ang="0">
-                <a:pos x="connsiteX5" y="connsiteY5"/>
-              </a:cxn>
-              <a:cxn ang="0">
-                <a:pos x="connsiteX6" y="connsiteY6"/>
-              </a:cxn>
-              <a:cxn ang="0">
-                <a:pos x="connsiteX7" y="connsiteY7"/>
-              </a:cxn>
-              <a:cxn ang="0">
-                <a:pos x="connsiteX8" y="connsiteY8"/>
-              </a:cxn>
-              <a:cxn ang="0">
-                <a:pos x="connsiteX9" y="connsiteY9"/>
-              </a:cxn>
-              <a:cxn ang="0">
-                <a:pos x="connsiteX10" y="connsiteY10"/>
-              </a:cxn>
-            </a:cxnLst>
-            <a:rect l="l" t="t" r="r" b="b"/>
-            <a:pathLst>
-              <a:path w="2317728" h="620775" fill="none" extrusionOk="0">
-                <a:moveTo>
-                  <a:pt x="0" y="0"/>
-                </a:moveTo>
-                <a:cubicBezTo>
-                  <a:pt x="188413" y="-69593"/>
-                  <a:pt x="331778" y="54979"/>
-                  <a:pt x="625787" y="0"/>
-                </a:cubicBezTo>
-                <a:cubicBezTo>
-                  <a:pt x="919796" y="-54979"/>
-                  <a:pt x="948943" y="17079"/>
-                  <a:pt x="1251573" y="0"/>
-                </a:cubicBezTo>
-                <a:cubicBezTo>
-                  <a:pt x="1554203" y="-17079"/>
-                  <a:pt x="2051397" y="57010"/>
-                  <a:pt x="2317728" y="0"/>
-                </a:cubicBezTo>
-                <a:cubicBezTo>
-                  <a:pt x="2330757" y="135934"/>
-                  <a:pt x="2306715" y="190559"/>
-                  <a:pt x="2317728" y="291764"/>
-                </a:cubicBezTo>
-                <a:cubicBezTo>
-                  <a:pt x="2328741" y="392969"/>
-                  <a:pt x="2298032" y="537373"/>
-                  <a:pt x="2317728" y="620775"/>
-                </a:cubicBezTo>
-                <a:cubicBezTo>
-                  <a:pt x="2083567" y="621679"/>
-                  <a:pt x="1833180" y="576323"/>
-                  <a:pt x="1691941" y="620775"/>
-                </a:cubicBezTo>
-                <a:cubicBezTo>
-                  <a:pt x="1550702" y="665227"/>
-                  <a:pt x="1256257" y="603427"/>
-                  <a:pt x="1066155" y="620775"/>
-                </a:cubicBezTo>
-                <a:cubicBezTo>
-                  <a:pt x="876053" y="638123"/>
-                  <a:pt x="384638" y="532073"/>
-                  <a:pt x="0" y="620775"/>
-                </a:cubicBezTo>
-                <a:cubicBezTo>
-                  <a:pt x="-22419" y="520245"/>
-                  <a:pt x="2972" y="384068"/>
-                  <a:pt x="0" y="297972"/>
-                </a:cubicBezTo>
-                <a:cubicBezTo>
-                  <a:pt x="-2972" y="211876"/>
-                  <a:pt x="11209" y="103295"/>
-                  <a:pt x="0" y="0"/>
-                </a:cubicBezTo>
-                <a:close/>
-              </a:path>
-              <a:path w="2317728" h="620775" stroke="0" extrusionOk="0">
-                <a:moveTo>
-                  <a:pt x="0" y="0"/>
-                </a:moveTo>
-                <a:cubicBezTo>
-                  <a:pt x="174926" y="-36854"/>
-                  <a:pt x="394543" y="8603"/>
-                  <a:pt x="556255" y="0"/>
-                </a:cubicBezTo>
-                <a:cubicBezTo>
-                  <a:pt x="717968" y="-8603"/>
-                  <a:pt x="925526" y="46258"/>
-                  <a:pt x="1112509" y="0"/>
-                </a:cubicBezTo>
-                <a:cubicBezTo>
-                  <a:pt x="1299492" y="-46258"/>
-                  <a:pt x="1501575" y="15502"/>
-                  <a:pt x="1645587" y="0"/>
-                </a:cubicBezTo>
-                <a:cubicBezTo>
-                  <a:pt x="1789599" y="-15502"/>
-                  <a:pt x="2018889" y="70778"/>
-                  <a:pt x="2317728" y="0"/>
-                </a:cubicBezTo>
-                <a:cubicBezTo>
-                  <a:pt x="2336542" y="79180"/>
-                  <a:pt x="2306588" y="180311"/>
-                  <a:pt x="2317728" y="297972"/>
-                </a:cubicBezTo>
-                <a:cubicBezTo>
-                  <a:pt x="2328868" y="415633"/>
-                  <a:pt x="2303284" y="556201"/>
-                  <a:pt x="2317728" y="620775"/>
-                </a:cubicBezTo>
-                <a:cubicBezTo>
-                  <a:pt x="2108260" y="674183"/>
-                  <a:pt x="2000041" y="592914"/>
-                  <a:pt x="1807828" y="620775"/>
-                </a:cubicBezTo>
-                <a:cubicBezTo>
-                  <a:pt x="1615615" y="648636"/>
-                  <a:pt x="1446897" y="616580"/>
-                  <a:pt x="1251573" y="620775"/>
-                </a:cubicBezTo>
-                <a:cubicBezTo>
-                  <a:pt x="1056250" y="624970"/>
-                  <a:pt x="873165" y="599604"/>
-                  <a:pt x="718496" y="620775"/>
-                </a:cubicBezTo>
-                <a:cubicBezTo>
-                  <a:pt x="563827" y="641946"/>
-                  <a:pt x="295511" y="544262"/>
-                  <a:pt x="0" y="620775"/>
-                </a:cubicBezTo>
-                <a:cubicBezTo>
-                  <a:pt x="-5624" y="505442"/>
-                  <a:pt x="17515" y="426930"/>
-                  <a:pt x="0" y="297972"/>
-                </a:cubicBezTo>
-                <a:cubicBezTo>
-                  <a:pt x="-17515" y="169014"/>
-                  <a:pt x="27912" y="129331"/>
-                  <a:pt x="0" y="0"/>
-                </a:cubicBezTo>
-                <a:close/>
-              </a:path>
-            </a:pathLst>
-          </a:custGeom>
-          <a:ln>
-            <a:extLst>
-              <a:ext uri="{C807C97D-BFC1-408E-A445-0C87EB9F89A2}">
-                <ask:lineSketchStyleProps xmlns:ask="http://schemas.microsoft.com/office/drawing/2018/sketchyshapes" sd="1602037377">
-                  <a:prstGeom prst="rect">
-                    <a:avLst/>
-                  </a:prstGeom>
-                  <ask:type>
-                    <ask:lineSketchScribble/>
-                  </ask:type>
-                </ask:lineSketchStyleProps>
-              </a:ext>
-            </a:extLst>
-          </a:ln>
-        </p:spPr>
-        <p:style>
-          <a:lnRef idx="2">
-            <a:schemeClr val="accent1">
-              <a:shade val="15000"/>
-            </a:schemeClr>
-          </a:lnRef>
-          <a:fillRef idx="1">
-            <a:schemeClr val="accent1"/>
-          </a:fillRef>
-          <a:effectRef idx="0">
-            <a:schemeClr val="accent1"/>
-          </a:effectRef>
-          <a:fontRef idx="minor">
-            <a:schemeClr val="lt1"/>
-          </a:fontRef>
-        </p:style>
-        <p:txBody>
-          <a:bodyPr rtlCol="0" anchor="ctr"/>
-          <a:lstStyle/>
-          <a:p>
-            <a:pPr algn="ctr"/>
-            <a:r>
-              <a:rPr lang="en-US" sz="1400" dirty="0"/>
-              <a:t>Shared Latent Space </a:t>
-            </a:r>
-          </a:p>
-          <a:p>
-            <a:pPr algn="ctr"/>
-            <a:r>
-              <a:rPr lang="en-US" sz="1400" dirty="0"/>
-              <a:t>Alignment</a:t>
-            </a:r>
-          </a:p>
-        </p:txBody>
-      </p:sp>
-      <p:cxnSp>
-        <p:nvCxnSpPr>
-          <p:cNvPr id="23" name="Straight Arrow Connector 22">
-            <a:extLst>
-              <a:ext uri="{FF2B5EF4-FFF2-40B4-BE49-F238E27FC236}">
-                <a16:creationId xmlns:a16="http://schemas.microsoft.com/office/drawing/2014/main" id="{96633785-65EA-9D43-4E2C-781C17122F81}"/>
-              </a:ext>
-            </a:extLst>
-          </p:cNvPr>
-          <p:cNvCxnSpPr>
-            <a:stCxn id="8" idx="3"/>
-            <a:endCxn id="12" idx="1"/>
-          </p:cNvCxnSpPr>
-          <p:nvPr/>
-        </p:nvCxnSpPr>
-        <p:spPr>
-          <a:xfrm>
-            <a:off x="1530276" y="3780631"/>
-            <a:ext cx="792088" cy="0"/>
-          </a:xfrm>
-          <a:prstGeom prst="straightConnector1">
-            <a:avLst/>
-          </a:prstGeom>
-          <a:ln>
-            <a:tailEnd type="triangle"/>
-          </a:ln>
-        </p:spPr>
-        <p:style>
-          <a:lnRef idx="3">
-            <a:schemeClr val="accent6"/>
-          </a:lnRef>
-          <a:fillRef idx="0">
-            <a:schemeClr val="accent6"/>
-          </a:fillRef>
-          <a:effectRef idx="2">
-            <a:schemeClr val="accent6"/>
-          </a:effectRef>
-          <a:fontRef idx="minor">
-            <a:schemeClr val="tx1"/>
-          </a:fontRef>
-        </p:style>
-      </p:cxnSp>
-      <p:cxnSp>
-        <p:nvCxnSpPr>
-          <p:cNvPr id="25" name="Straight Arrow Connector 24">
-            <a:extLst>
-              <a:ext uri="{FF2B5EF4-FFF2-40B4-BE49-F238E27FC236}">
-                <a16:creationId xmlns:a16="http://schemas.microsoft.com/office/drawing/2014/main" id="{39AD43C3-0828-FEB5-6261-5A0E365A2BE9}"/>
-              </a:ext>
-            </a:extLst>
-          </p:cNvPr>
-          <p:cNvCxnSpPr>
-            <a:cxnSpLocks/>
-            <a:stCxn id="10" idx="3"/>
-            <a:endCxn id="13" idx="1"/>
-          </p:cNvCxnSpPr>
-          <p:nvPr/>
-        </p:nvCxnSpPr>
-        <p:spPr>
-          <a:xfrm flipV="1">
-            <a:off x="1674292" y="5112717"/>
-            <a:ext cx="646609" cy="1"/>
-          </a:xfrm>
-          <a:prstGeom prst="straightConnector1">
-            <a:avLst/>
-          </a:prstGeom>
-          <a:ln>
-            <a:tailEnd type="triangle"/>
-          </a:ln>
-        </p:spPr>
-        <p:style>
-          <a:lnRef idx="3">
-            <a:schemeClr val="accent6"/>
-          </a:lnRef>
-          <a:fillRef idx="0">
-            <a:schemeClr val="accent6"/>
-          </a:fillRef>
-          <a:effectRef idx="2">
-            <a:schemeClr val="accent6"/>
-          </a:effectRef>
-          <a:fontRef idx="minor">
-            <a:schemeClr val="tx1"/>
-          </a:fontRef>
-        </p:style>
-      </p:cxnSp>
-      <p:cxnSp>
-        <p:nvCxnSpPr>
-          <p:cNvPr id="29" name="Straight Arrow Connector 28">
-            <a:extLst>
-              <a:ext uri="{FF2B5EF4-FFF2-40B4-BE49-F238E27FC236}">
-                <a16:creationId xmlns:a16="http://schemas.microsoft.com/office/drawing/2014/main" id="{0857E528-B64E-678B-E99A-780EB5A86DED}"/>
-              </a:ext>
-            </a:extLst>
-          </p:cNvPr>
-          <p:cNvCxnSpPr>
-            <a:cxnSpLocks/>
-            <a:stCxn id="11" idx="3"/>
-            <a:endCxn id="14" idx="1"/>
-          </p:cNvCxnSpPr>
-          <p:nvPr/>
-        </p:nvCxnSpPr>
-        <p:spPr>
-          <a:xfrm flipV="1">
-            <a:off x="1674292" y="5651491"/>
-            <a:ext cx="646609" cy="1"/>
-          </a:xfrm>
-          <a:prstGeom prst="straightConnector1">
-            <a:avLst/>
-          </a:prstGeom>
-          <a:ln>
-            <a:tailEnd type="triangle"/>
-          </a:ln>
-        </p:spPr>
-        <p:style>
-          <a:lnRef idx="3">
-            <a:schemeClr val="accent6"/>
-          </a:lnRef>
-          <a:fillRef idx="0">
-            <a:schemeClr val="accent6"/>
-          </a:fillRef>
-          <a:effectRef idx="2">
-            <a:schemeClr val="accent6"/>
-          </a:effectRef>
-          <a:fontRef idx="minor">
-            <a:schemeClr val="tx1"/>
-          </a:fontRef>
-        </p:style>
-      </p:cxnSp>
-      <p:cxnSp>
-        <p:nvCxnSpPr>
-          <p:cNvPr id="33" name="Straight Arrow Connector 32">
-            <a:extLst>
-              <a:ext uri="{FF2B5EF4-FFF2-40B4-BE49-F238E27FC236}">
-                <a16:creationId xmlns:a16="http://schemas.microsoft.com/office/drawing/2014/main" id="{437FC9A4-E598-012D-5735-AE22E32B1E8A}"/>
-              </a:ext>
-            </a:extLst>
-          </p:cNvPr>
-          <p:cNvCxnSpPr>
-            <a:cxnSpLocks/>
-            <a:stCxn id="13" idx="3"/>
-            <a:endCxn id="16" idx="1"/>
-          </p:cNvCxnSpPr>
-          <p:nvPr/>
-        </p:nvCxnSpPr>
-        <p:spPr>
-          <a:xfrm flipV="1">
-            <a:off x="4816008" y="5112417"/>
-            <a:ext cx="530690" cy="300"/>
-          </a:xfrm>
-          <a:prstGeom prst="straightConnector1">
-            <a:avLst/>
-          </a:prstGeom>
-          <a:ln>
-            <a:solidFill>
-              <a:schemeClr val="accent4">
-                <a:lumMod val="75000"/>
-              </a:schemeClr>
-            </a:solidFill>
-            <a:tailEnd type="triangle"/>
-          </a:ln>
-        </p:spPr>
-        <p:style>
-          <a:lnRef idx="3">
-            <a:schemeClr val="accent6"/>
-          </a:lnRef>
-          <a:fillRef idx="0">
-            <a:schemeClr val="accent6"/>
-          </a:fillRef>
-          <a:effectRef idx="2">
-            <a:schemeClr val="accent6"/>
-          </a:effectRef>
-          <a:fontRef idx="minor">
-            <a:schemeClr val="tx1"/>
-          </a:fontRef>
-        </p:style>
-      </p:cxnSp>
-      <p:cxnSp>
-        <p:nvCxnSpPr>
-          <p:cNvPr id="37" name="Straight Arrow Connector 36">
-            <a:extLst>
-              <a:ext uri="{FF2B5EF4-FFF2-40B4-BE49-F238E27FC236}">
-                <a16:creationId xmlns:a16="http://schemas.microsoft.com/office/drawing/2014/main" id="{22F418A7-60C3-74D2-7843-BD8BC58F4454}"/>
-              </a:ext>
-            </a:extLst>
-          </p:cNvPr>
-          <p:cNvCxnSpPr>
-            <a:cxnSpLocks/>
-            <a:stCxn id="14" idx="3"/>
-            <a:endCxn id="17" idx="1"/>
-          </p:cNvCxnSpPr>
-          <p:nvPr/>
-        </p:nvCxnSpPr>
-        <p:spPr>
-          <a:xfrm flipV="1">
-            <a:off x="4862045" y="5643698"/>
-            <a:ext cx="484655" cy="7793"/>
-          </a:xfrm>
-          <a:prstGeom prst="straightConnector1">
-            <a:avLst/>
-          </a:prstGeom>
-          <a:ln>
-            <a:solidFill>
-              <a:schemeClr val="accent4">
-                <a:lumMod val="75000"/>
-              </a:schemeClr>
-            </a:solidFill>
-            <a:tailEnd type="triangle"/>
-          </a:ln>
-        </p:spPr>
-        <p:style>
-          <a:lnRef idx="3">
-            <a:schemeClr val="accent6"/>
-          </a:lnRef>
-          <a:fillRef idx="0">
-            <a:schemeClr val="accent6"/>
-          </a:fillRef>
-          <a:effectRef idx="2">
-            <a:schemeClr val="accent6"/>
-          </a:effectRef>
-          <a:fontRef idx="minor">
-            <a:schemeClr val="tx1"/>
-          </a:fontRef>
-        </p:style>
-      </p:cxnSp>
-      <p:cxnSp>
-        <p:nvCxnSpPr>
-          <p:cNvPr id="40" name="Straight Arrow Connector 39">
-            <a:extLst>
-              <a:ext uri="{FF2B5EF4-FFF2-40B4-BE49-F238E27FC236}">
-                <a16:creationId xmlns:a16="http://schemas.microsoft.com/office/drawing/2014/main" id="{74C17F61-A1F6-03C0-3FEB-7141F840E02F}"/>
-              </a:ext>
-            </a:extLst>
-          </p:cNvPr>
-          <p:cNvCxnSpPr>
-            <a:cxnSpLocks/>
-            <a:stCxn id="21" idx="3"/>
-            <a:endCxn id="20" idx="1"/>
-          </p:cNvCxnSpPr>
-          <p:nvPr/>
-        </p:nvCxnSpPr>
-        <p:spPr>
-          <a:xfrm>
-            <a:off x="7722964" y="5364807"/>
-            <a:ext cx="462208" cy="0"/>
-          </a:xfrm>
-          <a:prstGeom prst="straightConnector1">
-            <a:avLst/>
-          </a:prstGeom>
-          <a:ln>
-            <a:solidFill>
-              <a:schemeClr val="accent4">
-                <a:lumMod val="75000"/>
-              </a:schemeClr>
-            </a:solidFill>
-            <a:tailEnd type="triangle"/>
-          </a:ln>
-        </p:spPr>
-        <p:style>
-          <a:lnRef idx="3">
-            <a:schemeClr val="accent6"/>
-          </a:lnRef>
-          <a:fillRef idx="0">
-            <a:schemeClr val="accent6"/>
-          </a:fillRef>
-          <a:effectRef idx="2">
-            <a:schemeClr val="accent6"/>
-          </a:effectRef>
-          <a:fontRef idx="minor">
-            <a:schemeClr val="tx1"/>
-          </a:fontRef>
-        </p:style>
-      </p:cxnSp>
-      <p:cxnSp>
-        <p:nvCxnSpPr>
-          <p:cNvPr id="45" name="Connector: Elbow 44">
-            <a:extLst>
-              <a:ext uri="{FF2B5EF4-FFF2-40B4-BE49-F238E27FC236}">
-                <a16:creationId xmlns:a16="http://schemas.microsoft.com/office/drawing/2014/main" id="{D58A0C24-603D-0DD9-0E43-44F08875385D}"/>
-              </a:ext>
-            </a:extLst>
-          </p:cNvPr>
-          <p:cNvCxnSpPr>
-            <a:stCxn id="12" idx="3"/>
-            <a:endCxn id="21" idx="0"/>
-          </p:cNvCxnSpPr>
-          <p:nvPr/>
-        </p:nvCxnSpPr>
-        <p:spPr>
-          <a:xfrm>
-            <a:off x="5130676" y="3780631"/>
-            <a:ext cx="1344735" cy="1008112"/>
-          </a:xfrm>
-          <a:prstGeom prst="bentConnector2">
-            <a:avLst/>
-          </a:prstGeom>
-          <a:ln>
-            <a:tailEnd type="triangle"/>
-          </a:ln>
-        </p:spPr>
-        <p:style>
-          <a:lnRef idx="3">
-            <a:schemeClr val="accent6"/>
-          </a:lnRef>
-          <a:fillRef idx="0">
-            <a:schemeClr val="accent6"/>
-          </a:fillRef>
-          <a:effectRef idx="2">
-            <a:schemeClr val="accent6"/>
-          </a:effectRef>
-          <a:fontRef idx="minor">
-            <a:schemeClr val="tx1"/>
-          </a:fontRef>
-        </p:style>
-      </p:cxnSp>
-      <p:cxnSp>
-        <p:nvCxnSpPr>
-          <p:cNvPr id="46" name="Connector: Elbow 45">
-            <a:extLst>
-              <a:ext uri="{FF2B5EF4-FFF2-40B4-BE49-F238E27FC236}">
-                <a16:creationId xmlns:a16="http://schemas.microsoft.com/office/drawing/2014/main" id="{124B5BBF-93F9-D528-708B-6A7E78540431}"/>
-              </a:ext>
-            </a:extLst>
-          </p:cNvPr>
-          <p:cNvCxnSpPr>
-            <a:cxnSpLocks/>
-            <a:stCxn id="21" idx="2"/>
-            <a:endCxn id="19" idx="3"/>
-          </p:cNvCxnSpPr>
-          <p:nvPr/>
-        </p:nvCxnSpPr>
-        <p:spPr>
-          <a:xfrm rot="5400000">
-            <a:off x="5119683" y="5538633"/>
-            <a:ext cx="953491" cy="1757966"/>
-          </a:xfrm>
-          <a:prstGeom prst="bentConnector2">
-            <a:avLst/>
-          </a:prstGeom>
-          <a:ln>
-            <a:tailEnd type="triangle"/>
-          </a:ln>
-        </p:spPr>
-        <p:style>
-          <a:lnRef idx="3">
-            <a:schemeClr val="accent6"/>
-          </a:lnRef>
-          <a:fillRef idx="0">
-            <a:schemeClr val="accent6"/>
-          </a:fillRef>
-          <a:effectRef idx="2">
-            <a:schemeClr val="accent6"/>
-          </a:effectRef>
-          <a:fontRef idx="minor">
-            <a:schemeClr val="tx1"/>
-          </a:fontRef>
-        </p:style>
-      </p:cxnSp>
-      <p:sp>
-        <p:nvSpPr>
-          <p:cNvPr id="49" name="Rectangle 48">
-            <a:extLst>
-              <a:ext uri="{FF2B5EF4-FFF2-40B4-BE49-F238E27FC236}">
-                <a16:creationId xmlns:a16="http://schemas.microsoft.com/office/drawing/2014/main" id="{9079B08B-7C85-066B-76AD-0722CAE555A5}"/>
-              </a:ext>
-            </a:extLst>
-          </p:cNvPr>
-          <p:cNvSpPr/>
-          <p:nvPr/>
-        </p:nvSpPr>
-        <p:spPr>
-          <a:xfrm>
-            <a:off x="2949629" y="6393496"/>
-            <a:ext cx="1244943" cy="314123"/>
-          </a:xfrm>
-          <a:custGeom>
-            <a:avLst/>
-            <a:gdLst>
-              <a:gd name="connsiteX0" fmla="*/ 0 w 1244943"/>
-              <a:gd name="connsiteY0" fmla="*/ 0 h 314123"/>
-              <a:gd name="connsiteX1" fmla="*/ 390082 w 1244943"/>
-              <a:gd name="connsiteY1" fmla="*/ 0 h 314123"/>
-              <a:gd name="connsiteX2" fmla="*/ 817513 w 1244943"/>
-              <a:gd name="connsiteY2" fmla="*/ 0 h 314123"/>
-              <a:gd name="connsiteX3" fmla="*/ 1244943 w 1244943"/>
-              <a:gd name="connsiteY3" fmla="*/ 0 h 314123"/>
-              <a:gd name="connsiteX4" fmla="*/ 1244943 w 1244943"/>
-              <a:gd name="connsiteY4" fmla="*/ 314123 h 314123"/>
-              <a:gd name="connsiteX5" fmla="*/ 842411 w 1244943"/>
-              <a:gd name="connsiteY5" fmla="*/ 314123 h 314123"/>
-              <a:gd name="connsiteX6" fmla="*/ 452329 w 1244943"/>
-              <a:gd name="connsiteY6" fmla="*/ 314123 h 314123"/>
-              <a:gd name="connsiteX7" fmla="*/ 0 w 1244943"/>
-              <a:gd name="connsiteY7" fmla="*/ 314123 h 314123"/>
-              <a:gd name="connsiteX8" fmla="*/ 0 w 1244943"/>
-              <a:gd name="connsiteY8" fmla="*/ 0 h 314123"/>
-            </a:gdLst>
-            <a:ahLst/>
-            <a:cxnLst>
-              <a:cxn ang="0">
-                <a:pos x="connsiteX0" y="connsiteY0"/>
-              </a:cxn>
-              <a:cxn ang="0">
-                <a:pos x="connsiteX1" y="connsiteY1"/>
-              </a:cxn>
-              <a:cxn ang="0">
-                <a:pos x="connsiteX2" y="connsiteY2"/>
-              </a:cxn>
-              <a:cxn ang="0">
-                <a:pos x="connsiteX3" y="connsiteY3"/>
-              </a:cxn>
-              <a:cxn ang="0">
-                <a:pos x="connsiteX4" y="connsiteY4"/>
-              </a:cxn>
-              <a:cxn ang="0">
-                <a:pos x="connsiteX5" y="connsiteY5"/>
-              </a:cxn>
-              <a:cxn ang="0">
-                <a:pos x="connsiteX6" y="connsiteY6"/>
-              </a:cxn>
-              <a:cxn ang="0">
-                <a:pos x="connsiteX7" y="connsiteY7"/>
-              </a:cxn>
-              <a:cxn ang="0">
-                <a:pos x="connsiteX8" y="connsiteY8"/>
-              </a:cxn>
-            </a:cxnLst>
-            <a:rect l="l" t="t" r="r" b="b"/>
-            <a:pathLst>
-              <a:path w="1244943" h="314123" fill="none" extrusionOk="0">
-                <a:moveTo>
-                  <a:pt x="0" y="0"/>
-                </a:moveTo>
-                <a:cubicBezTo>
-                  <a:pt x="106766" y="-34664"/>
-                  <a:pt x="307409" y="14144"/>
-                  <a:pt x="390082" y="0"/>
-                </a:cubicBezTo>
-                <a:cubicBezTo>
-                  <a:pt x="472755" y="-14144"/>
-                  <a:pt x="632025" y="20277"/>
-                  <a:pt x="817513" y="0"/>
-                </a:cubicBezTo>
-                <a:cubicBezTo>
-                  <a:pt x="1003001" y="-20277"/>
-                  <a:pt x="1157110" y="47239"/>
-                  <a:pt x="1244943" y="0"/>
-                </a:cubicBezTo>
-                <a:cubicBezTo>
-                  <a:pt x="1264932" y="87850"/>
-                  <a:pt x="1228695" y="241402"/>
-                  <a:pt x="1244943" y="314123"/>
-                </a:cubicBezTo>
-                <a:cubicBezTo>
-                  <a:pt x="1082661" y="336610"/>
-                  <a:pt x="969298" y="277090"/>
-                  <a:pt x="842411" y="314123"/>
-                </a:cubicBezTo>
-                <a:cubicBezTo>
-                  <a:pt x="715524" y="351156"/>
-                  <a:pt x="566173" y="279623"/>
-                  <a:pt x="452329" y="314123"/>
-                </a:cubicBezTo>
-                <a:cubicBezTo>
-                  <a:pt x="338485" y="348623"/>
-                  <a:pt x="110857" y="281032"/>
-                  <a:pt x="0" y="314123"/>
-                </a:cubicBezTo>
-                <a:cubicBezTo>
-                  <a:pt x="-18964" y="201017"/>
-                  <a:pt x="32384" y="154723"/>
-                  <a:pt x="0" y="0"/>
-                </a:cubicBezTo>
-                <a:close/>
-              </a:path>
-              <a:path w="1244943" h="314123" stroke="0" extrusionOk="0">
-                <a:moveTo>
-                  <a:pt x="0" y="0"/>
-                </a:moveTo>
-                <a:cubicBezTo>
-                  <a:pt x="149267" y="-44722"/>
-                  <a:pt x="293586" y="2506"/>
-                  <a:pt x="402532" y="0"/>
-                </a:cubicBezTo>
-                <a:cubicBezTo>
-                  <a:pt x="511478" y="-2506"/>
-                  <a:pt x="639617" y="23031"/>
-                  <a:pt x="805063" y="0"/>
-                </a:cubicBezTo>
-                <a:cubicBezTo>
-                  <a:pt x="970509" y="-23031"/>
-                  <a:pt x="1054808" y="23279"/>
-                  <a:pt x="1244943" y="0"/>
-                </a:cubicBezTo>
-                <a:cubicBezTo>
-                  <a:pt x="1276129" y="144617"/>
-                  <a:pt x="1215431" y="229593"/>
-                  <a:pt x="1244943" y="314123"/>
-                </a:cubicBezTo>
-                <a:cubicBezTo>
-                  <a:pt x="1143527" y="360915"/>
-                  <a:pt x="961036" y="283415"/>
-                  <a:pt x="842411" y="314123"/>
-                </a:cubicBezTo>
-                <a:cubicBezTo>
-                  <a:pt x="723786" y="344831"/>
-                  <a:pt x="572736" y="299903"/>
-                  <a:pt x="427430" y="314123"/>
-                </a:cubicBezTo>
-                <a:cubicBezTo>
-                  <a:pt x="282124" y="328343"/>
-                  <a:pt x="144181" y="296530"/>
-                  <a:pt x="0" y="314123"/>
-                </a:cubicBezTo>
-                <a:cubicBezTo>
-                  <a:pt x="-2525" y="191332"/>
-                  <a:pt x="23346" y="109156"/>
-                  <a:pt x="0" y="0"/>
-                </a:cubicBezTo>
-                <a:close/>
-              </a:path>
-            </a:pathLst>
-          </a:custGeom>
-          <a:ln>
-            <a:extLst>
-              <a:ext uri="{C807C97D-BFC1-408E-A445-0C87EB9F89A2}">
-                <ask:lineSketchStyleProps xmlns:ask="http://schemas.microsoft.com/office/drawing/2018/sketchyshapes" sd="1602037377">
-                  <a:prstGeom prst="rect">
-                    <a:avLst/>
-                  </a:prstGeom>
-                  <ask:type>
-                    <ask:lineSketchScribble/>
-                  </ask:type>
-                </ask:lineSketchStyleProps>
-              </a:ext>
-            </a:extLst>
-          </a:ln>
-        </p:spPr>
-        <p:style>
-          <a:lnRef idx="2">
-            <a:schemeClr val="accent1">
-              <a:shade val="15000"/>
-            </a:schemeClr>
-          </a:lnRef>
-          <a:fillRef idx="1">
-            <a:schemeClr val="accent1"/>
-          </a:fillRef>
-          <a:effectRef idx="0">
-            <a:schemeClr val="accent1"/>
-          </a:effectRef>
-          <a:fontRef idx="minor">
-            <a:schemeClr val="lt1"/>
-          </a:fontRef>
-        </p:style>
-        <p:txBody>
-          <a:bodyPr rtlCol="0" anchor="ctr"/>
-          <a:lstStyle/>
-          <a:p>
-            <a:pPr algn="ctr"/>
-            <a:r>
-              <a:rPr lang="en-US" sz="1400" b="1" dirty="0">
-                <a:solidFill>
-                  <a:srgbClr val="FB7405"/>
-                </a:solidFill>
-              </a:rPr>
-              <a:t>OUT</a:t>
-            </a:r>
           </a:p>
         </p:txBody>
       </p:sp>
@@ -16284,6 +9602,256 @@
     <p:extLst>
       <p:ext uri="{BB962C8B-B14F-4D97-AF65-F5344CB8AC3E}">
         <p14:creationId xmlns:p14="http://schemas.microsoft.com/office/powerpoint/2010/main" val="516811787"/>
+      </p:ext>
+    </p:extLst>
+  </p:cSld>
+  <p:clrMapOvr>
+    <a:masterClrMapping/>
+  </p:clrMapOvr>
+</p:sld>
+</file>
+
+<file path=ppt/slides/slide9.xml><?xml version="1.0" encoding="utf-8"?>
+<p:sld xmlns:a="http://schemas.openxmlformats.org/drawingml/2006/main" xmlns:r="http://schemas.openxmlformats.org/officeDocument/2006/relationships" xmlns:p="http://schemas.openxmlformats.org/presentationml/2006/main">
+  <p:cSld>
+    <p:spTree>
+      <p:nvGrpSpPr>
+        <p:cNvPr id="1" name="">
+          <a:extLst>
+            <a:ext uri="{FF2B5EF4-FFF2-40B4-BE49-F238E27FC236}">
+              <a16:creationId xmlns:a16="http://schemas.microsoft.com/office/drawing/2014/main" id="{E871697D-9580-B24A-F1FC-3CF451DEE104}"/>
+            </a:ext>
+          </a:extLst>
+        </p:cNvPr>
+        <p:cNvGrpSpPr/>
+        <p:nvPr/>
+      </p:nvGrpSpPr>
+      <p:grpSpPr>
+        <a:xfrm>
+          <a:off x="0" y="0"/>
+          <a:ext cx="0" cy="0"/>
+          <a:chOff x="0" y="0"/>
+          <a:chExt cx="0" cy="0"/>
+        </a:xfrm>
+      </p:grpSpPr>
+      <p:pic>
+        <p:nvPicPr>
+          <p:cNvPr id="7" name="Picture 6">
+            <a:extLst>
+              <a:ext uri="{FF2B5EF4-FFF2-40B4-BE49-F238E27FC236}">
+                <a16:creationId xmlns:a16="http://schemas.microsoft.com/office/drawing/2014/main" id="{D7945CC2-28F9-4A66-91B1-DC51417A1360}"/>
+              </a:ext>
+            </a:extLst>
+          </p:cNvPr>
+          <p:cNvPicPr>
+            <a:picLocks noChangeAspect="1"/>
+          </p:cNvPicPr>
+          <p:nvPr/>
+        </p:nvPicPr>
+        <p:blipFill>
+          <a:blip r:embed="rId3">
+            <a:extLst>
+              <a:ext uri="{28A0092B-C50C-407E-A947-70E740481C1C}">
+                <a14:useLocalDpi xmlns:a14="http://schemas.microsoft.com/office/drawing/2010/main" val="0"/>
+              </a:ext>
+            </a:extLst>
+          </a:blip>
+          <a:stretch>
+            <a:fillRect/>
+          </a:stretch>
+        </p:blipFill>
+        <p:spPr>
+          <a:xfrm>
+            <a:off x="9372917" y="-107801"/>
+            <a:ext cx="1571625" cy="747713"/>
+          </a:xfrm>
+          <a:prstGeom prst="rect">
+            <a:avLst/>
+          </a:prstGeom>
+        </p:spPr>
+      </p:pic>
+      <p:sp>
+        <p:nvSpPr>
+          <p:cNvPr id="64" name="슬라이드 번호 개체 틀 2">
+            <a:extLst>
+              <a:ext uri="{FF2B5EF4-FFF2-40B4-BE49-F238E27FC236}">
+                <a16:creationId xmlns:a16="http://schemas.microsoft.com/office/drawing/2014/main" id="{E24F6677-9527-B590-58C4-88BA25798912}"/>
+              </a:ext>
+            </a:extLst>
+          </p:cNvPr>
+          <p:cNvSpPr txBox="1">
+            <a:spLocks/>
+          </p:cNvSpPr>
+          <p:nvPr/>
+        </p:nvSpPr>
+        <p:spPr>
+          <a:xfrm>
+            <a:off x="7925012" y="7042731"/>
+            <a:ext cx="2495127" cy="402567"/>
+          </a:xfrm>
+          <a:prstGeom prst="rect">
+            <a:avLst/>
+          </a:prstGeom>
+        </p:spPr>
+        <p:txBody>
+          <a:bodyPr vert="horz" lIns="99569" tIns="49785" rIns="99569" bIns="49785" rtlCol="0" anchor="ctr"/>
+          <a:lstStyle>
+            <a:defPPr>
+              <a:defRPr lang="ko-KR"/>
+            </a:defPPr>
+            <a:lvl1pPr marL="0" algn="r" defTabSz="995690" rtl="0" eaLnBrk="1" latinLnBrk="1" hangingPunct="1">
+              <a:defRPr sz="1300" kern="1200">
+                <a:solidFill>
+                  <a:schemeClr val="tx1">
+                    <a:tint val="75000"/>
+                  </a:schemeClr>
+                </a:solidFill>
+                <a:latin typeface="+mn-lt"/>
+                <a:ea typeface="+mn-ea"/>
+                <a:cs typeface="+mn-cs"/>
+              </a:defRPr>
+            </a:lvl1pPr>
+            <a:lvl2pPr marL="497845" algn="l" defTabSz="995690" rtl="0" eaLnBrk="1" latinLnBrk="1" hangingPunct="1">
+              <a:defRPr sz="2000" kern="1200">
+                <a:solidFill>
+                  <a:schemeClr val="tx1"/>
+                </a:solidFill>
+                <a:latin typeface="+mn-lt"/>
+                <a:ea typeface="+mn-ea"/>
+                <a:cs typeface="+mn-cs"/>
+              </a:defRPr>
+            </a:lvl2pPr>
+            <a:lvl3pPr marL="995690" algn="l" defTabSz="995690" rtl="0" eaLnBrk="1" latinLnBrk="1" hangingPunct="1">
+              <a:defRPr sz="2000" kern="1200">
+                <a:solidFill>
+                  <a:schemeClr val="tx1"/>
+                </a:solidFill>
+                <a:latin typeface="+mn-lt"/>
+                <a:ea typeface="+mn-ea"/>
+                <a:cs typeface="+mn-cs"/>
+              </a:defRPr>
+            </a:lvl3pPr>
+            <a:lvl4pPr marL="1493535" algn="l" defTabSz="995690" rtl="0" eaLnBrk="1" latinLnBrk="1" hangingPunct="1">
+              <a:defRPr sz="2000" kern="1200">
+                <a:solidFill>
+                  <a:schemeClr val="tx1"/>
+                </a:solidFill>
+                <a:latin typeface="+mn-lt"/>
+                <a:ea typeface="+mn-ea"/>
+                <a:cs typeface="+mn-cs"/>
+              </a:defRPr>
+            </a:lvl4pPr>
+            <a:lvl5pPr marL="1991380" algn="l" defTabSz="995690" rtl="0" eaLnBrk="1" latinLnBrk="1" hangingPunct="1">
+              <a:defRPr sz="2000" kern="1200">
+                <a:solidFill>
+                  <a:schemeClr val="tx1"/>
+                </a:solidFill>
+                <a:latin typeface="+mn-lt"/>
+                <a:ea typeface="+mn-ea"/>
+                <a:cs typeface="+mn-cs"/>
+              </a:defRPr>
+            </a:lvl5pPr>
+            <a:lvl6pPr marL="2489225" algn="l" defTabSz="995690" rtl="0" eaLnBrk="1" latinLnBrk="1" hangingPunct="1">
+              <a:defRPr sz="2000" kern="1200">
+                <a:solidFill>
+                  <a:schemeClr val="tx1"/>
+                </a:solidFill>
+                <a:latin typeface="+mn-lt"/>
+                <a:ea typeface="+mn-ea"/>
+                <a:cs typeface="+mn-cs"/>
+              </a:defRPr>
+            </a:lvl6pPr>
+            <a:lvl7pPr marL="2987070" algn="l" defTabSz="995690" rtl="0" eaLnBrk="1" latinLnBrk="1" hangingPunct="1">
+              <a:defRPr sz="2000" kern="1200">
+                <a:solidFill>
+                  <a:schemeClr val="tx1"/>
+                </a:solidFill>
+                <a:latin typeface="+mn-lt"/>
+                <a:ea typeface="+mn-ea"/>
+                <a:cs typeface="+mn-cs"/>
+              </a:defRPr>
+            </a:lvl7pPr>
+            <a:lvl8pPr marL="3484916" algn="l" defTabSz="995690" rtl="0" eaLnBrk="1" latinLnBrk="1" hangingPunct="1">
+              <a:defRPr sz="2000" kern="1200">
+                <a:solidFill>
+                  <a:schemeClr val="tx1"/>
+                </a:solidFill>
+                <a:latin typeface="+mn-lt"/>
+                <a:ea typeface="+mn-ea"/>
+                <a:cs typeface="+mn-cs"/>
+              </a:defRPr>
+            </a:lvl8pPr>
+            <a:lvl9pPr marL="3982761" algn="l" defTabSz="995690" rtl="0" eaLnBrk="1" latinLnBrk="1" hangingPunct="1">
+              <a:defRPr sz="2000" kern="1200">
+                <a:solidFill>
+                  <a:schemeClr val="tx1"/>
+                </a:solidFill>
+                <a:latin typeface="+mn-lt"/>
+                <a:ea typeface="+mn-ea"/>
+                <a:cs typeface="+mn-cs"/>
+              </a:defRPr>
+            </a:lvl9pPr>
+          </a:lstStyle>
+          <a:p>
+            <a:fld id="{1B597EC8-03FB-421D-BA76-5865596B8B77}" type="slidenum">
+              <a:rPr lang="ko-KR" altLang="en-US" smtClean="0"/>
+              <a:pPr/>
+              <a:t>8</a:t>
+            </a:fld>
+            <a:endParaRPr lang="ko-KR" altLang="en-US" dirty="0"/>
+          </a:p>
+        </p:txBody>
+      </p:sp>
+      <p:sp>
+        <p:nvSpPr>
+          <p:cNvPr id="2" name="TextBox 1">
+            <a:extLst>
+              <a:ext uri="{FF2B5EF4-FFF2-40B4-BE49-F238E27FC236}">
+                <a16:creationId xmlns:a16="http://schemas.microsoft.com/office/drawing/2014/main" id="{E03D9315-840B-297E-6DF5-E7088C14CDC7}"/>
+              </a:ext>
+            </a:extLst>
+          </p:cNvPr>
+          <p:cNvSpPr txBox="1"/>
+          <p:nvPr/>
+        </p:nvSpPr>
+        <p:spPr>
+          <a:xfrm>
+            <a:off x="1182776" y="3226170"/>
+            <a:ext cx="8327848" cy="920252"/>
+          </a:xfrm>
+          <a:prstGeom prst="rect">
+            <a:avLst/>
+          </a:prstGeom>
+          <a:noFill/>
+        </p:spPr>
+        <p:txBody>
+          <a:bodyPr wrap="square" rtlCol="0">
+            <a:spAutoFit/>
+          </a:bodyPr>
+          <a:lstStyle/>
+          <a:p>
+            <a:pPr algn="ctr">
+              <a:lnSpc>
+                <a:spcPct val="150000"/>
+              </a:lnSpc>
+            </a:pPr>
+            <a:r>
+              <a:rPr lang="en-US" altLang="ko-KR" sz="4000" b="1" dirty="0">
+                <a:solidFill>
+                  <a:schemeClr val="accent6"/>
+                </a:solidFill>
+                <a:latin typeface="Caladea"/>
+                <a:ea typeface="HY견고딕" pitchFamily="18" charset="-127"/>
+              </a:rPr>
+              <a:t>Thank You</a:t>
+            </a:r>
+          </a:p>
+        </p:txBody>
+      </p:sp>
+    </p:spTree>
+    <p:extLst>
+      <p:ext uri="{BB962C8B-B14F-4D97-AF65-F5344CB8AC3E}">
+        <p14:creationId xmlns:p14="http://schemas.microsoft.com/office/powerpoint/2010/main" val="2649717829"/>
       </p:ext>
     </p:extLst>
   </p:cSld>

--- a/SLIDE_24.pptx
+++ b/SLIDE_24.pptx
@@ -219,7 +219,7 @@
           <a:p>
             <a:fld id="{0BC65444-5612-4993-A297-66E4EA569180}" type="datetime1">
               <a:rPr lang="ko-KR" altLang="en-US" smtClean="0"/>
-              <a:t>2025-12-01</a:t>
+              <a:t>2025-12-02</a:t>
             </a:fld>
             <a:endParaRPr lang="ko-KR" altLang="en-US"/>
           </a:p>
@@ -385,7 +385,7 @@
           <a:p>
             <a:fld id="{6FD3867D-DA73-4C30-B686-2D05E2BBC364}" type="datetime1">
               <a:rPr lang="ko-KR" altLang="en-US" smtClean="0"/>
-              <a:t>2025-12-01</a:t>
+              <a:t>2025-12-02</a:t>
             </a:fld>
             <a:endParaRPr lang="ko-KR" altLang="en-US"/>
           </a:p>
@@ -1534,7 +1534,7 @@
           <a:p>
             <a:fld id="{EB123EF1-6E1E-49A8-89C7-5D842E70784B}" type="datetime1">
               <a:rPr lang="ko-KR" altLang="en-US" smtClean="0"/>
-              <a:t>2025-12-01</a:t>
+              <a:t>2025-12-02</a:t>
             </a:fld>
             <a:endParaRPr lang="ko-KR" altLang="en-US"/>
           </a:p>
@@ -1829,7 +1829,7 @@
           <a:p>
             <a:fld id="{5C89D9B9-AAC4-4186-832C-ACCB8141D63A}" type="datetime1">
               <a:rPr lang="ko-KR" altLang="en-US" smtClean="0"/>
-              <a:t>2025-12-01</a:t>
+              <a:t>2025-12-02</a:t>
             </a:fld>
             <a:endParaRPr lang="ko-KR" altLang="en-US"/>
           </a:p>
@@ -2129,7 +2129,7 @@
           <a:p>
             <a:fld id="{5C89D9B9-AAC4-4186-832C-ACCB8141D63A}" type="datetime1">
               <a:rPr lang="ko-KR" altLang="en-US" smtClean="0"/>
-              <a:t>2025-12-01</a:t>
+              <a:t>2025-12-02</a:t>
             </a:fld>
             <a:endParaRPr lang="ko-KR" altLang="en-US"/>
           </a:p>
@@ -2257,7 +2257,7 @@
           <a:p>
             <a:fld id="{3B6FB339-8C5D-44DF-A368-296A032EEE0C}" type="datetime1">
               <a:rPr lang="ko-KR" altLang="en-US" smtClean="0"/>
-              <a:t>2025-12-01</a:t>
+              <a:t>2025-12-02</a:t>
             </a:fld>
             <a:endParaRPr lang="ko-KR" altLang="en-US"/>
           </a:p>
